--- a/lesmateriaal/083_Microbit_lichtjes/083_Microbit_lichtjes.pptx
+++ b/lesmateriaal/083_Microbit_lichtjes/083_Microbit_lichtjes.pptx
@@ -3,32 +3,33 @@
 <p:presentation xmlns:a="http://schemas.openxmlformats.org/drawingml/2006/main" xmlns:p="http://schemas.openxmlformats.org/presentationml/2006/main" xmlns:r="http://schemas.openxmlformats.org/officeDocument/2006/relationships" xmlns:p14="http://schemas.microsoft.com/office/powerpoint/2010/main" xmlns:p15="http://schemas.microsoft.com/office/powerpoint/2012/main" xmlns:mc="http://schemas.openxmlformats.org/markup-compatibility/2006">
   <p:sldMasterIdLst>
     <p:sldMasterId id="2147483648" r:id="rId2"/>
+    <p:sldMasterId id="2147483661" r:id="rId3"/>
   </p:sldMasterIdLst>
   <p:sldIdLst>
-    <p:sldId id="256" r:id="rId3"/>
-    <p:sldId id="257" r:id="rId4"/>
-    <p:sldId id="258" r:id="rId5"/>
-    <p:sldId id="259" r:id="rId6"/>
-    <p:sldId id="260" r:id="rId7"/>
-    <p:sldId id="261" r:id="rId8"/>
-    <p:sldId id="262" r:id="rId9"/>
-    <p:sldId id="263" r:id="rId10"/>
-    <p:sldId id="264" r:id="rId11"/>
-    <p:sldId id="265" r:id="rId12"/>
-    <p:sldId id="266" r:id="rId13"/>
-    <p:sldId id="267" r:id="rId14"/>
-    <p:sldId id="268" r:id="rId15"/>
-    <p:sldId id="269" r:id="rId16"/>
-    <p:sldId id="270" r:id="rId17"/>
-    <p:sldId id="271" r:id="rId18"/>
-    <p:sldId id="272" r:id="rId19"/>
-    <p:sldId id="273" r:id="rId20"/>
-    <p:sldId id="274" r:id="rId21"/>
-    <p:sldId id="275" r:id="rId22"/>
-    <p:sldId id="276" r:id="rId23"/>
-    <p:sldId id="277" r:id="rId24"/>
-    <p:sldId id="278" r:id="rId25"/>
-    <p:sldId id="279" r:id="rId26"/>
+    <p:sldId id="256" r:id="rId4"/>
+    <p:sldId id="257" r:id="rId5"/>
+    <p:sldId id="258" r:id="rId6"/>
+    <p:sldId id="259" r:id="rId7"/>
+    <p:sldId id="260" r:id="rId8"/>
+    <p:sldId id="261" r:id="rId9"/>
+    <p:sldId id="262" r:id="rId10"/>
+    <p:sldId id="263" r:id="rId11"/>
+    <p:sldId id="264" r:id="rId12"/>
+    <p:sldId id="265" r:id="rId13"/>
+    <p:sldId id="266" r:id="rId14"/>
+    <p:sldId id="267" r:id="rId15"/>
+    <p:sldId id="268" r:id="rId16"/>
+    <p:sldId id="269" r:id="rId17"/>
+    <p:sldId id="270" r:id="rId18"/>
+    <p:sldId id="271" r:id="rId19"/>
+    <p:sldId id="272" r:id="rId20"/>
+    <p:sldId id="273" r:id="rId21"/>
+    <p:sldId id="274" r:id="rId22"/>
+    <p:sldId id="275" r:id="rId23"/>
+    <p:sldId id="276" r:id="rId24"/>
+    <p:sldId id="277" r:id="rId25"/>
+    <p:sldId id="278" r:id="rId26"/>
+    <p:sldId id="279" r:id="rId27"/>
   </p:sldIdLst>
   <p:sldSz cx="10080625" cy="5670550"/>
   <p:notesSz cx="7559675" cy="10691812"/>
@@ -76,7 +77,7 @@
       </p:grpSpPr>
       <p:sp>
         <p:nvSpPr>
-          <p:cNvPr id="26" name="PlaceHolder 1"/>
+          <p:cNvPr id="23" name="PlaceHolder 1"/>
           <p:cNvSpPr>
             <a:spLocks noGrp="1"/>
           </p:cNvSpPr>
@@ -87,7 +88,7 @@
         <p:spPr>
           <a:xfrm>
             <a:off x="504000" y="226080"/>
-            <a:ext cx="9071640" cy="946440"/>
+            <a:ext cx="9072000" cy="946440"/>
           </a:xfrm>
           <a:prstGeom prst="rect">
             <a:avLst/>
@@ -107,7 +108,7 @@
       </p:sp>
       <p:sp>
         <p:nvSpPr>
-          <p:cNvPr id="27" name="PlaceHolder 2"/>
+          <p:cNvPr id="24" name="PlaceHolder 2"/>
           <p:cNvSpPr>
             <a:spLocks noGrp="1"/>
           </p:cNvSpPr>
@@ -118,7 +119,7 @@
         <p:spPr>
           <a:xfrm>
             <a:off x="504000" y="1326600"/>
-            <a:ext cx="9071640" cy="1568160"/>
+            <a:ext cx="9072000" cy="1568520"/>
           </a:xfrm>
           <a:prstGeom prst="rect">
             <a:avLst/>
@@ -137,7 +138,7 @@
       </p:sp>
       <p:sp>
         <p:nvSpPr>
-          <p:cNvPr id="28" name="PlaceHolder 3"/>
+          <p:cNvPr id="25" name="PlaceHolder 3"/>
           <p:cNvSpPr>
             <a:spLocks noGrp="1"/>
           </p:cNvSpPr>
@@ -147,8 +148,8 @@
         </p:nvSpPr>
         <p:spPr>
           <a:xfrm>
-            <a:off x="504000" y="3044160"/>
-            <a:ext cx="9071640" cy="1568160"/>
+            <a:off x="504000" y="3044520"/>
+            <a:ext cx="9072000" cy="1568520"/>
           </a:xfrm>
           <a:prstGeom prst="rect">
             <a:avLst/>
@@ -189,7 +190,7 @@
       </p:grpSpPr>
       <p:sp>
         <p:nvSpPr>
-          <p:cNvPr id="29" name="PlaceHolder 1"/>
+          <p:cNvPr id="26" name="PlaceHolder 1"/>
           <p:cNvSpPr>
             <a:spLocks noGrp="1"/>
           </p:cNvSpPr>
@@ -200,7 +201,7 @@
         <p:spPr>
           <a:xfrm>
             <a:off x="504000" y="226080"/>
-            <a:ext cx="9071640" cy="946440"/>
+            <a:ext cx="9072000" cy="946440"/>
           </a:xfrm>
           <a:prstGeom prst="rect">
             <a:avLst/>
@@ -220,7 +221,7 @@
       </p:sp>
       <p:sp>
         <p:nvSpPr>
-          <p:cNvPr id="30" name="PlaceHolder 2"/>
+          <p:cNvPr id="27" name="PlaceHolder 2"/>
           <p:cNvSpPr>
             <a:spLocks noGrp="1"/>
           </p:cNvSpPr>
@@ -231,7 +232,7 @@
         <p:spPr>
           <a:xfrm>
             <a:off x="504000" y="1326600"/>
-            <a:ext cx="4426920" cy="1568160"/>
+            <a:ext cx="4426920" cy="1568520"/>
           </a:xfrm>
           <a:prstGeom prst="rect">
             <a:avLst/>
@@ -250,7 +251,7 @@
       </p:sp>
       <p:sp>
         <p:nvSpPr>
-          <p:cNvPr id="31" name="PlaceHolder 3"/>
+          <p:cNvPr id="28" name="PlaceHolder 3"/>
           <p:cNvSpPr>
             <a:spLocks noGrp="1"/>
           </p:cNvSpPr>
@@ -261,7 +262,7 @@
         <p:spPr>
           <a:xfrm>
             <a:off x="5152680" y="1326600"/>
-            <a:ext cx="4426920" cy="1568160"/>
+            <a:ext cx="4426920" cy="1568520"/>
           </a:xfrm>
           <a:prstGeom prst="rect">
             <a:avLst/>
@@ -280,7 +281,7 @@
       </p:sp>
       <p:sp>
         <p:nvSpPr>
-          <p:cNvPr id="32" name="PlaceHolder 4"/>
+          <p:cNvPr id="29" name="PlaceHolder 4"/>
           <p:cNvSpPr>
             <a:spLocks noGrp="1"/>
           </p:cNvSpPr>
@@ -290,8 +291,8 @@
         </p:nvSpPr>
         <p:spPr>
           <a:xfrm>
-            <a:off x="504000" y="3044160"/>
-            <a:ext cx="4426920" cy="1568160"/>
+            <a:off x="504000" y="3044520"/>
+            <a:ext cx="4426920" cy="1568520"/>
           </a:xfrm>
           <a:prstGeom prst="rect">
             <a:avLst/>
@@ -310,7 +311,7 @@
       </p:sp>
       <p:sp>
         <p:nvSpPr>
-          <p:cNvPr id="33" name="PlaceHolder 5"/>
+          <p:cNvPr id="30" name="PlaceHolder 5"/>
           <p:cNvSpPr>
             <a:spLocks noGrp="1"/>
           </p:cNvSpPr>
@@ -320,8 +321,8 @@
         </p:nvSpPr>
         <p:spPr>
           <a:xfrm>
-            <a:off x="5152680" y="3044160"/>
-            <a:ext cx="4426920" cy="1568160"/>
+            <a:off x="5152680" y="3044520"/>
+            <a:ext cx="4426920" cy="1568520"/>
           </a:xfrm>
           <a:prstGeom prst="rect">
             <a:avLst/>
@@ -362,7 +363,7 @@
       </p:grpSpPr>
       <p:sp>
         <p:nvSpPr>
-          <p:cNvPr id="34" name="PlaceHolder 1"/>
+          <p:cNvPr id="31" name="PlaceHolder 1"/>
           <p:cNvSpPr>
             <a:spLocks noGrp="1"/>
           </p:cNvSpPr>
@@ -373,7 +374,7 @@
         <p:spPr>
           <a:xfrm>
             <a:off x="504000" y="226080"/>
-            <a:ext cx="9071640" cy="946440"/>
+            <a:ext cx="9072000" cy="946440"/>
           </a:xfrm>
           <a:prstGeom prst="rect">
             <a:avLst/>
@@ -393,7 +394,7 @@
       </p:sp>
       <p:sp>
         <p:nvSpPr>
-          <p:cNvPr id="35" name="PlaceHolder 2"/>
+          <p:cNvPr id="32" name="PlaceHolder 2"/>
           <p:cNvSpPr>
             <a:spLocks noGrp="1"/>
           </p:cNvSpPr>
@@ -404,7 +405,7 @@
         <p:spPr>
           <a:xfrm>
             <a:off x="504000" y="1326600"/>
-            <a:ext cx="2920680" cy="1568160"/>
+            <a:ext cx="2921040" cy="1568520"/>
           </a:xfrm>
           <a:prstGeom prst="rect">
             <a:avLst/>
@@ -423,7 +424,7 @@
       </p:sp>
       <p:sp>
         <p:nvSpPr>
-          <p:cNvPr id="36" name="PlaceHolder 3"/>
+          <p:cNvPr id="33" name="PlaceHolder 3"/>
           <p:cNvSpPr>
             <a:spLocks noGrp="1"/>
           </p:cNvSpPr>
@@ -433,8 +434,8 @@
         </p:nvSpPr>
         <p:spPr>
           <a:xfrm>
-            <a:off x="3571200" y="1326600"/>
-            <a:ext cx="2920680" cy="1568160"/>
+            <a:off x="3571560" y="1326600"/>
+            <a:ext cx="2921040" cy="1568520"/>
           </a:xfrm>
           <a:prstGeom prst="rect">
             <a:avLst/>
@@ -453,7 +454,7 @@
       </p:sp>
       <p:sp>
         <p:nvSpPr>
-          <p:cNvPr id="37" name="PlaceHolder 4"/>
+          <p:cNvPr id="34" name="PlaceHolder 4"/>
           <p:cNvSpPr>
             <a:spLocks noGrp="1"/>
           </p:cNvSpPr>
@@ -463,8 +464,8 @@
         </p:nvSpPr>
         <p:spPr>
           <a:xfrm>
-            <a:off x="6638040" y="1326600"/>
-            <a:ext cx="2920680" cy="1568160"/>
+            <a:off x="6639120" y="1326600"/>
+            <a:ext cx="2921040" cy="1568520"/>
           </a:xfrm>
           <a:prstGeom prst="rect">
             <a:avLst/>
@@ -483,7 +484,7 @@
       </p:sp>
       <p:sp>
         <p:nvSpPr>
-          <p:cNvPr id="38" name="PlaceHolder 5"/>
+          <p:cNvPr id="35" name="PlaceHolder 5"/>
           <p:cNvSpPr>
             <a:spLocks noGrp="1"/>
           </p:cNvSpPr>
@@ -493,8 +494,8 @@
         </p:nvSpPr>
         <p:spPr>
           <a:xfrm>
-            <a:off x="504000" y="3044160"/>
-            <a:ext cx="2920680" cy="1568160"/>
+            <a:off x="504000" y="3044520"/>
+            <a:ext cx="2921040" cy="1568520"/>
           </a:xfrm>
           <a:prstGeom prst="rect">
             <a:avLst/>
@@ -513,7 +514,7 @@
       </p:sp>
       <p:sp>
         <p:nvSpPr>
-          <p:cNvPr id="39" name="PlaceHolder 6"/>
+          <p:cNvPr id="36" name="PlaceHolder 6"/>
           <p:cNvSpPr>
             <a:spLocks noGrp="1"/>
           </p:cNvSpPr>
@@ -523,8 +524,8 @@
         </p:nvSpPr>
         <p:spPr>
           <a:xfrm>
-            <a:off x="3571200" y="3044160"/>
-            <a:ext cx="2920680" cy="1568160"/>
+            <a:off x="3571560" y="3044520"/>
+            <a:ext cx="2921040" cy="1568520"/>
           </a:xfrm>
           <a:prstGeom prst="rect">
             <a:avLst/>
@@ -543,7 +544,7 @@
       </p:sp>
       <p:sp>
         <p:nvSpPr>
-          <p:cNvPr id="40" name="PlaceHolder 7"/>
+          <p:cNvPr id="37" name="PlaceHolder 7"/>
           <p:cNvSpPr>
             <a:spLocks noGrp="1"/>
           </p:cNvSpPr>
@@ -553,8 +554,559 @@
         </p:nvSpPr>
         <p:spPr>
           <a:xfrm>
-            <a:off x="6638040" y="3044160"/>
-            <a:ext cx="2920680" cy="1568160"/>
+            <a:off x="6639120" y="3044520"/>
+            <a:ext cx="2921040" cy="1568520"/>
+          </a:xfrm>
+          <a:prstGeom prst="rect">
+            <a:avLst/>
+          </a:prstGeom>
+        </p:spPr>
+        <p:txBody>
+          <a:bodyPr lIns="0" rIns="0" tIns="0" bIns="0">
+            <a:normAutofit/>
+          </a:bodyPr>
+          <a:p>
+            <a:endParaRPr b="0" lang="nl-NL" sz="3200" spc="-1" strike="noStrike">
+              <a:latin typeface="Arial"/>
+            </a:endParaRPr>
+          </a:p>
+        </p:txBody>
+      </p:sp>
+    </p:spTree>
+  </p:cSld>
+</p:sldLayout>
+</file>
+
+<file path=ppt/slideLayouts/slideLayout13.xml><?xml version="1.0" encoding="utf-8"?>
+<p:sldLayout xmlns:a="http://schemas.openxmlformats.org/drawingml/2006/main" xmlns:p="http://schemas.openxmlformats.org/presentationml/2006/main" xmlns:r="http://schemas.openxmlformats.org/officeDocument/2006/relationships" xmlns:p14="http://schemas.microsoft.com/office/powerpoint/2010/main" xmlns:p15="http://schemas.microsoft.com/office/powerpoint/2012/main" xmlns:mc="http://schemas.openxmlformats.org/markup-compatibility/2006" type="blank" preserve="1">
+  <p:cSld name="Blank Slide">
+    <p:spTree>
+      <p:nvGrpSpPr>
+        <p:cNvPr id="1" name=""/>
+        <p:cNvGrpSpPr/>
+        <p:nvPr/>
+      </p:nvGrpSpPr>
+      <p:grpSpPr>
+        <a:xfrm>
+          <a:off x="0" y="0"/>
+          <a:ext cx="0" cy="0"/>
+          <a:chOff x="0" y="0"/>
+          <a:chExt cx="0" cy="0"/>
+        </a:xfrm>
+      </p:grpSpPr>
+    </p:spTree>
+  </p:cSld>
+</p:sldLayout>
+</file>
+
+<file path=ppt/slideLayouts/slideLayout14.xml><?xml version="1.0" encoding="utf-8"?>
+<p:sldLayout xmlns:a="http://schemas.openxmlformats.org/drawingml/2006/main" xmlns:p="http://schemas.openxmlformats.org/presentationml/2006/main" xmlns:r="http://schemas.openxmlformats.org/officeDocument/2006/relationships" xmlns:p14="http://schemas.microsoft.com/office/powerpoint/2010/main" xmlns:p15="http://schemas.microsoft.com/office/powerpoint/2012/main" xmlns:mc="http://schemas.openxmlformats.org/markup-compatibility/2006" type="tx" preserve="1">
+  <p:cSld name="Title Slide">
+    <p:spTree>
+      <p:nvGrpSpPr>
+        <p:cNvPr id="1" name=""/>
+        <p:cNvGrpSpPr/>
+        <p:nvPr/>
+      </p:nvGrpSpPr>
+      <p:grpSpPr>
+        <a:xfrm>
+          <a:off x="0" y="0"/>
+          <a:ext cx="0" cy="0"/>
+          <a:chOff x="0" y="0"/>
+          <a:chExt cx="0" cy="0"/>
+        </a:xfrm>
+      </p:grpSpPr>
+      <p:sp>
+        <p:nvSpPr>
+          <p:cNvPr id="40" name="PlaceHolder 1"/>
+          <p:cNvSpPr>
+            <a:spLocks noGrp="1"/>
+          </p:cNvSpPr>
+          <p:nvPr>
+            <p:ph type="title"/>
+          </p:nvPr>
+        </p:nvSpPr>
+        <p:spPr>
+          <a:xfrm>
+            <a:off x="504000" y="226080"/>
+            <a:ext cx="9072000" cy="946440"/>
+          </a:xfrm>
+          <a:prstGeom prst="rect">
+            <a:avLst/>
+          </a:prstGeom>
+        </p:spPr>
+        <p:txBody>
+          <a:bodyPr lIns="0" rIns="0" tIns="0" bIns="0" anchor="ctr">
+            <a:spAutoFit/>
+          </a:bodyPr>
+          <a:p>
+            <a:pPr algn="ctr"/>
+            <a:endParaRPr b="0" lang="nl-NL" sz="4400" spc="-1" strike="noStrike">
+              <a:latin typeface="Arial"/>
+            </a:endParaRPr>
+          </a:p>
+        </p:txBody>
+      </p:sp>
+      <p:sp>
+        <p:nvSpPr>
+          <p:cNvPr id="41" name="PlaceHolder 2"/>
+          <p:cNvSpPr>
+            <a:spLocks noGrp="1"/>
+          </p:cNvSpPr>
+          <p:nvPr>
+            <p:ph type="subTitle"/>
+          </p:nvPr>
+        </p:nvSpPr>
+        <p:spPr>
+          <a:xfrm>
+            <a:off x="504000" y="1326600"/>
+            <a:ext cx="9072000" cy="3288600"/>
+          </a:xfrm>
+          <a:prstGeom prst="rect">
+            <a:avLst/>
+          </a:prstGeom>
+        </p:spPr>
+        <p:txBody>
+          <a:bodyPr lIns="0" rIns="0" tIns="0" bIns="0" anchor="ctr">
+            <a:spAutoFit/>
+          </a:bodyPr>
+          <a:p>
+            <a:pPr algn="ctr"/>
+            <a:endParaRPr b="0" lang="nl-NL" sz="3200" spc="-1" strike="noStrike">
+              <a:latin typeface="Arial"/>
+            </a:endParaRPr>
+          </a:p>
+        </p:txBody>
+      </p:sp>
+    </p:spTree>
+  </p:cSld>
+</p:sldLayout>
+</file>
+
+<file path=ppt/slideLayouts/slideLayout15.xml><?xml version="1.0" encoding="utf-8"?>
+<p:sldLayout xmlns:a="http://schemas.openxmlformats.org/drawingml/2006/main" xmlns:p="http://schemas.openxmlformats.org/presentationml/2006/main" xmlns:r="http://schemas.openxmlformats.org/officeDocument/2006/relationships" xmlns:p14="http://schemas.microsoft.com/office/powerpoint/2010/main" xmlns:p15="http://schemas.microsoft.com/office/powerpoint/2012/main" xmlns:mc="http://schemas.openxmlformats.org/markup-compatibility/2006" type="obj" preserve="1">
+  <p:cSld name="Title, Content">
+    <p:spTree>
+      <p:nvGrpSpPr>
+        <p:cNvPr id="1" name=""/>
+        <p:cNvGrpSpPr/>
+        <p:nvPr/>
+      </p:nvGrpSpPr>
+      <p:grpSpPr>
+        <a:xfrm>
+          <a:off x="0" y="0"/>
+          <a:ext cx="0" cy="0"/>
+          <a:chOff x="0" y="0"/>
+          <a:chExt cx="0" cy="0"/>
+        </a:xfrm>
+      </p:grpSpPr>
+      <p:sp>
+        <p:nvSpPr>
+          <p:cNvPr id="42" name="PlaceHolder 1"/>
+          <p:cNvSpPr>
+            <a:spLocks noGrp="1"/>
+          </p:cNvSpPr>
+          <p:nvPr>
+            <p:ph type="title"/>
+          </p:nvPr>
+        </p:nvSpPr>
+        <p:spPr>
+          <a:xfrm>
+            <a:off x="504000" y="226080"/>
+            <a:ext cx="9072000" cy="946440"/>
+          </a:xfrm>
+          <a:prstGeom prst="rect">
+            <a:avLst/>
+          </a:prstGeom>
+        </p:spPr>
+        <p:txBody>
+          <a:bodyPr lIns="0" rIns="0" tIns="0" bIns="0" anchor="ctr">
+            <a:spAutoFit/>
+          </a:bodyPr>
+          <a:p>
+            <a:pPr algn="ctr"/>
+            <a:endParaRPr b="0" lang="nl-NL" sz="4400" spc="-1" strike="noStrike">
+              <a:latin typeface="Arial"/>
+            </a:endParaRPr>
+          </a:p>
+        </p:txBody>
+      </p:sp>
+      <p:sp>
+        <p:nvSpPr>
+          <p:cNvPr id="43" name="PlaceHolder 2"/>
+          <p:cNvSpPr>
+            <a:spLocks noGrp="1"/>
+          </p:cNvSpPr>
+          <p:nvPr>
+            <p:ph type="body"/>
+          </p:nvPr>
+        </p:nvSpPr>
+        <p:spPr>
+          <a:xfrm>
+            <a:off x="504000" y="1326600"/>
+            <a:ext cx="9072000" cy="3288600"/>
+          </a:xfrm>
+          <a:prstGeom prst="rect">
+            <a:avLst/>
+          </a:prstGeom>
+        </p:spPr>
+        <p:txBody>
+          <a:bodyPr lIns="0" rIns="0" tIns="0" bIns="0">
+            <a:normAutofit/>
+          </a:bodyPr>
+          <a:p>
+            <a:endParaRPr b="0" lang="nl-NL" sz="3200" spc="-1" strike="noStrike">
+              <a:latin typeface="Arial"/>
+            </a:endParaRPr>
+          </a:p>
+        </p:txBody>
+      </p:sp>
+    </p:spTree>
+  </p:cSld>
+</p:sldLayout>
+</file>
+
+<file path=ppt/slideLayouts/slideLayout16.xml><?xml version="1.0" encoding="utf-8"?>
+<p:sldLayout xmlns:a="http://schemas.openxmlformats.org/drawingml/2006/main" xmlns:p="http://schemas.openxmlformats.org/presentationml/2006/main" xmlns:r="http://schemas.openxmlformats.org/officeDocument/2006/relationships" xmlns:p14="http://schemas.microsoft.com/office/powerpoint/2010/main" xmlns:p15="http://schemas.microsoft.com/office/powerpoint/2012/main" xmlns:mc="http://schemas.openxmlformats.org/markup-compatibility/2006" type="twoObj" preserve="1">
+  <p:cSld name="Title, 2 Content">
+    <p:spTree>
+      <p:nvGrpSpPr>
+        <p:cNvPr id="1" name=""/>
+        <p:cNvGrpSpPr/>
+        <p:nvPr/>
+      </p:nvGrpSpPr>
+      <p:grpSpPr>
+        <a:xfrm>
+          <a:off x="0" y="0"/>
+          <a:ext cx="0" cy="0"/>
+          <a:chOff x="0" y="0"/>
+          <a:chExt cx="0" cy="0"/>
+        </a:xfrm>
+      </p:grpSpPr>
+      <p:sp>
+        <p:nvSpPr>
+          <p:cNvPr id="44" name="PlaceHolder 1"/>
+          <p:cNvSpPr>
+            <a:spLocks noGrp="1"/>
+          </p:cNvSpPr>
+          <p:nvPr>
+            <p:ph type="title"/>
+          </p:nvPr>
+        </p:nvSpPr>
+        <p:spPr>
+          <a:xfrm>
+            <a:off x="504000" y="226080"/>
+            <a:ext cx="9072000" cy="946440"/>
+          </a:xfrm>
+          <a:prstGeom prst="rect">
+            <a:avLst/>
+          </a:prstGeom>
+        </p:spPr>
+        <p:txBody>
+          <a:bodyPr lIns="0" rIns="0" tIns="0" bIns="0" anchor="ctr">
+            <a:spAutoFit/>
+          </a:bodyPr>
+          <a:p>
+            <a:pPr algn="ctr"/>
+            <a:endParaRPr b="0" lang="nl-NL" sz="4400" spc="-1" strike="noStrike">
+              <a:latin typeface="Arial"/>
+            </a:endParaRPr>
+          </a:p>
+        </p:txBody>
+      </p:sp>
+      <p:sp>
+        <p:nvSpPr>
+          <p:cNvPr id="45" name="PlaceHolder 2"/>
+          <p:cNvSpPr>
+            <a:spLocks noGrp="1"/>
+          </p:cNvSpPr>
+          <p:nvPr>
+            <p:ph type="body"/>
+          </p:nvPr>
+        </p:nvSpPr>
+        <p:spPr>
+          <a:xfrm>
+            <a:off x="504000" y="1326600"/>
+            <a:ext cx="4426920" cy="3288600"/>
+          </a:xfrm>
+          <a:prstGeom prst="rect">
+            <a:avLst/>
+          </a:prstGeom>
+        </p:spPr>
+        <p:txBody>
+          <a:bodyPr lIns="0" rIns="0" tIns="0" bIns="0">
+            <a:normAutofit/>
+          </a:bodyPr>
+          <a:p>
+            <a:endParaRPr b="0" lang="nl-NL" sz="3200" spc="-1" strike="noStrike">
+              <a:latin typeface="Arial"/>
+            </a:endParaRPr>
+          </a:p>
+        </p:txBody>
+      </p:sp>
+      <p:sp>
+        <p:nvSpPr>
+          <p:cNvPr id="46" name="PlaceHolder 3"/>
+          <p:cNvSpPr>
+            <a:spLocks noGrp="1"/>
+          </p:cNvSpPr>
+          <p:nvPr>
+            <p:ph type="body"/>
+          </p:nvPr>
+        </p:nvSpPr>
+        <p:spPr>
+          <a:xfrm>
+            <a:off x="5152680" y="1326600"/>
+            <a:ext cx="4426920" cy="3288600"/>
+          </a:xfrm>
+          <a:prstGeom prst="rect">
+            <a:avLst/>
+          </a:prstGeom>
+        </p:spPr>
+        <p:txBody>
+          <a:bodyPr lIns="0" rIns="0" tIns="0" bIns="0">
+            <a:normAutofit/>
+          </a:bodyPr>
+          <a:p>
+            <a:endParaRPr b="0" lang="nl-NL" sz="3200" spc="-1" strike="noStrike">
+              <a:latin typeface="Arial"/>
+            </a:endParaRPr>
+          </a:p>
+        </p:txBody>
+      </p:sp>
+    </p:spTree>
+  </p:cSld>
+</p:sldLayout>
+</file>
+
+<file path=ppt/slideLayouts/slideLayout17.xml><?xml version="1.0" encoding="utf-8"?>
+<p:sldLayout xmlns:a="http://schemas.openxmlformats.org/drawingml/2006/main" xmlns:p="http://schemas.openxmlformats.org/presentationml/2006/main" xmlns:r="http://schemas.openxmlformats.org/officeDocument/2006/relationships" xmlns:p14="http://schemas.microsoft.com/office/powerpoint/2010/main" xmlns:p15="http://schemas.microsoft.com/office/powerpoint/2012/main" xmlns:mc="http://schemas.openxmlformats.org/markup-compatibility/2006" type="titleOnly" preserve="1">
+  <p:cSld name="Title Only">
+    <p:spTree>
+      <p:nvGrpSpPr>
+        <p:cNvPr id="1" name=""/>
+        <p:cNvGrpSpPr/>
+        <p:nvPr/>
+      </p:nvGrpSpPr>
+      <p:grpSpPr>
+        <a:xfrm>
+          <a:off x="0" y="0"/>
+          <a:ext cx="0" cy="0"/>
+          <a:chOff x="0" y="0"/>
+          <a:chExt cx="0" cy="0"/>
+        </a:xfrm>
+      </p:grpSpPr>
+      <p:sp>
+        <p:nvSpPr>
+          <p:cNvPr id="47" name="PlaceHolder 1"/>
+          <p:cNvSpPr>
+            <a:spLocks noGrp="1"/>
+          </p:cNvSpPr>
+          <p:nvPr>
+            <p:ph type="title"/>
+          </p:nvPr>
+        </p:nvSpPr>
+        <p:spPr>
+          <a:xfrm>
+            <a:off x="504000" y="226080"/>
+            <a:ext cx="9072000" cy="946440"/>
+          </a:xfrm>
+          <a:prstGeom prst="rect">
+            <a:avLst/>
+          </a:prstGeom>
+        </p:spPr>
+        <p:txBody>
+          <a:bodyPr lIns="0" rIns="0" tIns="0" bIns="0" anchor="ctr">
+            <a:spAutoFit/>
+          </a:bodyPr>
+          <a:p>
+            <a:pPr algn="ctr"/>
+            <a:endParaRPr b="0" lang="nl-NL" sz="4400" spc="-1" strike="noStrike">
+              <a:latin typeface="Arial"/>
+            </a:endParaRPr>
+          </a:p>
+        </p:txBody>
+      </p:sp>
+    </p:spTree>
+  </p:cSld>
+</p:sldLayout>
+</file>
+
+<file path=ppt/slideLayouts/slideLayout18.xml><?xml version="1.0" encoding="utf-8"?>
+<p:sldLayout xmlns:a="http://schemas.openxmlformats.org/drawingml/2006/main" xmlns:p="http://schemas.openxmlformats.org/presentationml/2006/main" xmlns:r="http://schemas.openxmlformats.org/officeDocument/2006/relationships" xmlns:p14="http://schemas.microsoft.com/office/powerpoint/2010/main" xmlns:p15="http://schemas.microsoft.com/office/powerpoint/2012/main" xmlns:mc="http://schemas.openxmlformats.org/markup-compatibility/2006" type="objOnly" preserve="1">
+  <p:cSld name="Centered Text">
+    <p:spTree>
+      <p:nvGrpSpPr>
+        <p:cNvPr id="1" name=""/>
+        <p:cNvGrpSpPr/>
+        <p:nvPr/>
+      </p:nvGrpSpPr>
+      <p:grpSpPr>
+        <a:xfrm>
+          <a:off x="0" y="0"/>
+          <a:ext cx="0" cy="0"/>
+          <a:chOff x="0" y="0"/>
+          <a:chExt cx="0" cy="0"/>
+        </a:xfrm>
+      </p:grpSpPr>
+      <p:sp>
+        <p:nvSpPr>
+          <p:cNvPr id="48" name="PlaceHolder 1"/>
+          <p:cNvSpPr>
+            <a:spLocks noGrp="1"/>
+          </p:cNvSpPr>
+          <p:nvPr>
+            <p:ph type="subTitle"/>
+          </p:nvPr>
+        </p:nvSpPr>
+        <p:spPr>
+          <a:xfrm>
+            <a:off x="504000" y="226080"/>
+            <a:ext cx="9072000" cy="4388400"/>
+          </a:xfrm>
+          <a:prstGeom prst="rect">
+            <a:avLst/>
+          </a:prstGeom>
+        </p:spPr>
+        <p:txBody>
+          <a:bodyPr lIns="0" rIns="0" tIns="0" bIns="0" anchor="ctr">
+            <a:spAutoFit/>
+          </a:bodyPr>
+          <a:p>
+            <a:pPr algn="ctr"/>
+            <a:endParaRPr b="0" lang="nl-NL" sz="3200" spc="-1" strike="noStrike">
+              <a:latin typeface="Arial"/>
+            </a:endParaRPr>
+          </a:p>
+        </p:txBody>
+      </p:sp>
+    </p:spTree>
+  </p:cSld>
+</p:sldLayout>
+</file>
+
+<file path=ppt/slideLayouts/slideLayout19.xml><?xml version="1.0" encoding="utf-8"?>
+<p:sldLayout xmlns:a="http://schemas.openxmlformats.org/drawingml/2006/main" xmlns:p="http://schemas.openxmlformats.org/presentationml/2006/main" xmlns:r="http://schemas.openxmlformats.org/officeDocument/2006/relationships" xmlns:p14="http://schemas.microsoft.com/office/powerpoint/2010/main" xmlns:p15="http://schemas.microsoft.com/office/powerpoint/2012/main" xmlns:mc="http://schemas.openxmlformats.org/markup-compatibility/2006" type="twoObjAndObj" preserve="1">
+  <p:cSld name="Title, 2 Content and Content">
+    <p:spTree>
+      <p:nvGrpSpPr>
+        <p:cNvPr id="1" name=""/>
+        <p:cNvGrpSpPr/>
+        <p:nvPr/>
+      </p:nvGrpSpPr>
+      <p:grpSpPr>
+        <a:xfrm>
+          <a:off x="0" y="0"/>
+          <a:ext cx="0" cy="0"/>
+          <a:chOff x="0" y="0"/>
+          <a:chExt cx="0" cy="0"/>
+        </a:xfrm>
+      </p:grpSpPr>
+      <p:sp>
+        <p:nvSpPr>
+          <p:cNvPr id="49" name="PlaceHolder 1"/>
+          <p:cNvSpPr>
+            <a:spLocks noGrp="1"/>
+          </p:cNvSpPr>
+          <p:nvPr>
+            <p:ph type="title"/>
+          </p:nvPr>
+        </p:nvSpPr>
+        <p:spPr>
+          <a:xfrm>
+            <a:off x="504000" y="226080"/>
+            <a:ext cx="9072000" cy="946440"/>
+          </a:xfrm>
+          <a:prstGeom prst="rect">
+            <a:avLst/>
+          </a:prstGeom>
+        </p:spPr>
+        <p:txBody>
+          <a:bodyPr lIns="0" rIns="0" tIns="0" bIns="0" anchor="ctr">
+            <a:spAutoFit/>
+          </a:bodyPr>
+          <a:p>
+            <a:pPr algn="ctr"/>
+            <a:endParaRPr b="0" lang="nl-NL" sz="4400" spc="-1" strike="noStrike">
+              <a:latin typeface="Arial"/>
+            </a:endParaRPr>
+          </a:p>
+        </p:txBody>
+      </p:sp>
+      <p:sp>
+        <p:nvSpPr>
+          <p:cNvPr id="50" name="PlaceHolder 2"/>
+          <p:cNvSpPr>
+            <a:spLocks noGrp="1"/>
+          </p:cNvSpPr>
+          <p:nvPr>
+            <p:ph type="body"/>
+          </p:nvPr>
+        </p:nvSpPr>
+        <p:spPr>
+          <a:xfrm>
+            <a:off x="504000" y="1326600"/>
+            <a:ext cx="4426920" cy="1568520"/>
+          </a:xfrm>
+          <a:prstGeom prst="rect">
+            <a:avLst/>
+          </a:prstGeom>
+        </p:spPr>
+        <p:txBody>
+          <a:bodyPr lIns="0" rIns="0" tIns="0" bIns="0">
+            <a:normAutofit/>
+          </a:bodyPr>
+          <a:p>
+            <a:endParaRPr b="0" lang="nl-NL" sz="3200" spc="-1" strike="noStrike">
+              <a:latin typeface="Arial"/>
+            </a:endParaRPr>
+          </a:p>
+        </p:txBody>
+      </p:sp>
+      <p:sp>
+        <p:nvSpPr>
+          <p:cNvPr id="51" name="PlaceHolder 3"/>
+          <p:cNvSpPr>
+            <a:spLocks noGrp="1"/>
+          </p:cNvSpPr>
+          <p:nvPr>
+            <p:ph type="body"/>
+          </p:nvPr>
+        </p:nvSpPr>
+        <p:spPr>
+          <a:xfrm>
+            <a:off x="5152680" y="1326600"/>
+            <a:ext cx="4426920" cy="3288600"/>
+          </a:xfrm>
+          <a:prstGeom prst="rect">
+            <a:avLst/>
+          </a:prstGeom>
+        </p:spPr>
+        <p:txBody>
+          <a:bodyPr lIns="0" rIns="0" tIns="0" bIns="0">
+            <a:normAutofit/>
+          </a:bodyPr>
+          <a:p>
+            <a:endParaRPr b="0" lang="nl-NL" sz="3200" spc="-1" strike="noStrike">
+              <a:latin typeface="Arial"/>
+            </a:endParaRPr>
+          </a:p>
+        </p:txBody>
+      </p:sp>
+      <p:sp>
+        <p:nvSpPr>
+          <p:cNvPr id="52" name="PlaceHolder 4"/>
+          <p:cNvSpPr>
+            <a:spLocks noGrp="1"/>
+          </p:cNvSpPr>
+          <p:nvPr>
+            <p:ph type="body"/>
+          </p:nvPr>
+        </p:nvSpPr>
+        <p:spPr>
+          <a:xfrm>
+            <a:off x="504000" y="3044520"/>
+            <a:ext cx="4426920" cy="1568520"/>
           </a:xfrm>
           <a:prstGeom prst="rect">
             <a:avLst/>
@@ -595,7 +1147,7 @@
       </p:grpSpPr>
       <p:sp>
         <p:nvSpPr>
-          <p:cNvPr id="5" name="PlaceHolder 1"/>
+          <p:cNvPr id="2" name="PlaceHolder 1"/>
           <p:cNvSpPr>
             <a:spLocks noGrp="1"/>
           </p:cNvSpPr>
@@ -606,7 +1158,7 @@
         <p:spPr>
           <a:xfrm>
             <a:off x="504000" y="226080"/>
-            <a:ext cx="9071640" cy="946440"/>
+            <a:ext cx="9072000" cy="946440"/>
           </a:xfrm>
           <a:prstGeom prst="rect">
             <a:avLst/>
@@ -626,7 +1178,7 @@
       </p:sp>
       <p:sp>
         <p:nvSpPr>
-          <p:cNvPr id="6" name="PlaceHolder 2"/>
+          <p:cNvPr id="3" name="PlaceHolder 2"/>
           <p:cNvSpPr>
             <a:spLocks noGrp="1"/>
           </p:cNvSpPr>
@@ -637,7 +1189,7 @@
         <p:spPr>
           <a:xfrm>
             <a:off x="504000" y="1326600"/>
-            <a:ext cx="9071640" cy="3288240"/>
+            <a:ext cx="9072000" cy="3288600"/>
           </a:xfrm>
           <a:prstGeom prst="rect">
             <a:avLst/>
@@ -649,6 +1201,811 @@
           </a:bodyPr>
           <a:p>
             <a:pPr algn="ctr"/>
+            <a:endParaRPr b="0" lang="nl-NL" sz="3200" spc="-1" strike="noStrike">
+              <a:latin typeface="Arial"/>
+            </a:endParaRPr>
+          </a:p>
+        </p:txBody>
+      </p:sp>
+    </p:spTree>
+  </p:cSld>
+</p:sldLayout>
+</file>
+
+<file path=ppt/slideLayouts/slideLayout20.xml><?xml version="1.0" encoding="utf-8"?>
+<p:sldLayout xmlns:a="http://schemas.openxmlformats.org/drawingml/2006/main" xmlns:p="http://schemas.openxmlformats.org/presentationml/2006/main" xmlns:r="http://schemas.openxmlformats.org/officeDocument/2006/relationships" xmlns:p14="http://schemas.microsoft.com/office/powerpoint/2010/main" xmlns:p15="http://schemas.microsoft.com/office/powerpoint/2012/main" xmlns:mc="http://schemas.openxmlformats.org/markup-compatibility/2006" type="objAndTwoObj" preserve="1">
+  <p:cSld name="Title Content and 2 Content">
+    <p:spTree>
+      <p:nvGrpSpPr>
+        <p:cNvPr id="1" name=""/>
+        <p:cNvGrpSpPr/>
+        <p:nvPr/>
+      </p:nvGrpSpPr>
+      <p:grpSpPr>
+        <a:xfrm>
+          <a:off x="0" y="0"/>
+          <a:ext cx="0" cy="0"/>
+          <a:chOff x="0" y="0"/>
+          <a:chExt cx="0" cy="0"/>
+        </a:xfrm>
+      </p:grpSpPr>
+      <p:sp>
+        <p:nvSpPr>
+          <p:cNvPr id="53" name="PlaceHolder 1"/>
+          <p:cNvSpPr>
+            <a:spLocks noGrp="1"/>
+          </p:cNvSpPr>
+          <p:nvPr>
+            <p:ph type="title"/>
+          </p:nvPr>
+        </p:nvSpPr>
+        <p:spPr>
+          <a:xfrm>
+            <a:off x="504000" y="226080"/>
+            <a:ext cx="9072000" cy="946440"/>
+          </a:xfrm>
+          <a:prstGeom prst="rect">
+            <a:avLst/>
+          </a:prstGeom>
+        </p:spPr>
+        <p:txBody>
+          <a:bodyPr lIns="0" rIns="0" tIns="0" bIns="0" anchor="ctr">
+            <a:spAutoFit/>
+          </a:bodyPr>
+          <a:p>
+            <a:pPr algn="ctr"/>
+            <a:endParaRPr b="0" lang="nl-NL" sz="4400" spc="-1" strike="noStrike">
+              <a:latin typeface="Arial"/>
+            </a:endParaRPr>
+          </a:p>
+        </p:txBody>
+      </p:sp>
+      <p:sp>
+        <p:nvSpPr>
+          <p:cNvPr id="54" name="PlaceHolder 2"/>
+          <p:cNvSpPr>
+            <a:spLocks noGrp="1"/>
+          </p:cNvSpPr>
+          <p:nvPr>
+            <p:ph type="body"/>
+          </p:nvPr>
+        </p:nvSpPr>
+        <p:spPr>
+          <a:xfrm>
+            <a:off x="504000" y="1326600"/>
+            <a:ext cx="4426920" cy="3288600"/>
+          </a:xfrm>
+          <a:prstGeom prst="rect">
+            <a:avLst/>
+          </a:prstGeom>
+        </p:spPr>
+        <p:txBody>
+          <a:bodyPr lIns="0" rIns="0" tIns="0" bIns="0">
+            <a:normAutofit/>
+          </a:bodyPr>
+          <a:p>
+            <a:endParaRPr b="0" lang="nl-NL" sz="3200" spc="-1" strike="noStrike">
+              <a:latin typeface="Arial"/>
+            </a:endParaRPr>
+          </a:p>
+        </p:txBody>
+      </p:sp>
+      <p:sp>
+        <p:nvSpPr>
+          <p:cNvPr id="55" name="PlaceHolder 3"/>
+          <p:cNvSpPr>
+            <a:spLocks noGrp="1"/>
+          </p:cNvSpPr>
+          <p:nvPr>
+            <p:ph type="body"/>
+          </p:nvPr>
+        </p:nvSpPr>
+        <p:spPr>
+          <a:xfrm>
+            <a:off x="5152680" y="1326600"/>
+            <a:ext cx="4426920" cy="1568520"/>
+          </a:xfrm>
+          <a:prstGeom prst="rect">
+            <a:avLst/>
+          </a:prstGeom>
+        </p:spPr>
+        <p:txBody>
+          <a:bodyPr lIns="0" rIns="0" tIns="0" bIns="0">
+            <a:normAutofit/>
+          </a:bodyPr>
+          <a:p>
+            <a:endParaRPr b="0" lang="nl-NL" sz="3200" spc="-1" strike="noStrike">
+              <a:latin typeface="Arial"/>
+            </a:endParaRPr>
+          </a:p>
+        </p:txBody>
+      </p:sp>
+      <p:sp>
+        <p:nvSpPr>
+          <p:cNvPr id="56" name="PlaceHolder 4"/>
+          <p:cNvSpPr>
+            <a:spLocks noGrp="1"/>
+          </p:cNvSpPr>
+          <p:nvPr>
+            <p:ph type="body"/>
+          </p:nvPr>
+        </p:nvSpPr>
+        <p:spPr>
+          <a:xfrm>
+            <a:off x="5152680" y="3044520"/>
+            <a:ext cx="4426920" cy="1568520"/>
+          </a:xfrm>
+          <a:prstGeom prst="rect">
+            <a:avLst/>
+          </a:prstGeom>
+        </p:spPr>
+        <p:txBody>
+          <a:bodyPr lIns="0" rIns="0" tIns="0" bIns="0">
+            <a:normAutofit/>
+          </a:bodyPr>
+          <a:p>
+            <a:endParaRPr b="0" lang="nl-NL" sz="3200" spc="-1" strike="noStrike">
+              <a:latin typeface="Arial"/>
+            </a:endParaRPr>
+          </a:p>
+        </p:txBody>
+      </p:sp>
+    </p:spTree>
+  </p:cSld>
+</p:sldLayout>
+</file>
+
+<file path=ppt/slideLayouts/slideLayout21.xml><?xml version="1.0" encoding="utf-8"?>
+<p:sldLayout xmlns:a="http://schemas.openxmlformats.org/drawingml/2006/main" xmlns:p="http://schemas.openxmlformats.org/presentationml/2006/main" xmlns:r="http://schemas.openxmlformats.org/officeDocument/2006/relationships" xmlns:p14="http://schemas.microsoft.com/office/powerpoint/2010/main" xmlns:p15="http://schemas.microsoft.com/office/powerpoint/2012/main" xmlns:mc="http://schemas.openxmlformats.org/markup-compatibility/2006" type="twoObjOverTx" preserve="1">
+  <p:cSld name="Title, 2 Content over Content">
+    <p:spTree>
+      <p:nvGrpSpPr>
+        <p:cNvPr id="1" name=""/>
+        <p:cNvGrpSpPr/>
+        <p:nvPr/>
+      </p:nvGrpSpPr>
+      <p:grpSpPr>
+        <a:xfrm>
+          <a:off x="0" y="0"/>
+          <a:ext cx="0" cy="0"/>
+          <a:chOff x="0" y="0"/>
+          <a:chExt cx="0" cy="0"/>
+        </a:xfrm>
+      </p:grpSpPr>
+      <p:sp>
+        <p:nvSpPr>
+          <p:cNvPr id="57" name="PlaceHolder 1"/>
+          <p:cNvSpPr>
+            <a:spLocks noGrp="1"/>
+          </p:cNvSpPr>
+          <p:nvPr>
+            <p:ph type="title"/>
+          </p:nvPr>
+        </p:nvSpPr>
+        <p:spPr>
+          <a:xfrm>
+            <a:off x="504000" y="226080"/>
+            <a:ext cx="9072000" cy="946440"/>
+          </a:xfrm>
+          <a:prstGeom prst="rect">
+            <a:avLst/>
+          </a:prstGeom>
+        </p:spPr>
+        <p:txBody>
+          <a:bodyPr lIns="0" rIns="0" tIns="0" bIns="0" anchor="ctr">
+            <a:spAutoFit/>
+          </a:bodyPr>
+          <a:p>
+            <a:pPr algn="ctr"/>
+            <a:endParaRPr b="0" lang="nl-NL" sz="4400" spc="-1" strike="noStrike">
+              <a:latin typeface="Arial"/>
+            </a:endParaRPr>
+          </a:p>
+        </p:txBody>
+      </p:sp>
+      <p:sp>
+        <p:nvSpPr>
+          <p:cNvPr id="58" name="PlaceHolder 2"/>
+          <p:cNvSpPr>
+            <a:spLocks noGrp="1"/>
+          </p:cNvSpPr>
+          <p:nvPr>
+            <p:ph type="body"/>
+          </p:nvPr>
+        </p:nvSpPr>
+        <p:spPr>
+          <a:xfrm>
+            <a:off x="504000" y="1326600"/>
+            <a:ext cx="4426920" cy="1568520"/>
+          </a:xfrm>
+          <a:prstGeom prst="rect">
+            <a:avLst/>
+          </a:prstGeom>
+        </p:spPr>
+        <p:txBody>
+          <a:bodyPr lIns="0" rIns="0" tIns="0" bIns="0">
+            <a:normAutofit/>
+          </a:bodyPr>
+          <a:p>
+            <a:endParaRPr b="0" lang="nl-NL" sz="3200" spc="-1" strike="noStrike">
+              <a:latin typeface="Arial"/>
+            </a:endParaRPr>
+          </a:p>
+        </p:txBody>
+      </p:sp>
+      <p:sp>
+        <p:nvSpPr>
+          <p:cNvPr id="59" name="PlaceHolder 3"/>
+          <p:cNvSpPr>
+            <a:spLocks noGrp="1"/>
+          </p:cNvSpPr>
+          <p:nvPr>
+            <p:ph type="body"/>
+          </p:nvPr>
+        </p:nvSpPr>
+        <p:spPr>
+          <a:xfrm>
+            <a:off x="5152680" y="1326600"/>
+            <a:ext cx="4426920" cy="1568520"/>
+          </a:xfrm>
+          <a:prstGeom prst="rect">
+            <a:avLst/>
+          </a:prstGeom>
+        </p:spPr>
+        <p:txBody>
+          <a:bodyPr lIns="0" rIns="0" tIns="0" bIns="0">
+            <a:normAutofit/>
+          </a:bodyPr>
+          <a:p>
+            <a:endParaRPr b="0" lang="nl-NL" sz="3200" spc="-1" strike="noStrike">
+              <a:latin typeface="Arial"/>
+            </a:endParaRPr>
+          </a:p>
+        </p:txBody>
+      </p:sp>
+      <p:sp>
+        <p:nvSpPr>
+          <p:cNvPr id="60" name="PlaceHolder 4"/>
+          <p:cNvSpPr>
+            <a:spLocks noGrp="1"/>
+          </p:cNvSpPr>
+          <p:nvPr>
+            <p:ph type="body"/>
+          </p:nvPr>
+        </p:nvSpPr>
+        <p:spPr>
+          <a:xfrm>
+            <a:off x="504000" y="3044520"/>
+            <a:ext cx="9072000" cy="1568520"/>
+          </a:xfrm>
+          <a:prstGeom prst="rect">
+            <a:avLst/>
+          </a:prstGeom>
+        </p:spPr>
+        <p:txBody>
+          <a:bodyPr lIns="0" rIns="0" tIns="0" bIns="0">
+            <a:normAutofit/>
+          </a:bodyPr>
+          <a:p>
+            <a:endParaRPr b="0" lang="nl-NL" sz="3200" spc="-1" strike="noStrike">
+              <a:latin typeface="Arial"/>
+            </a:endParaRPr>
+          </a:p>
+        </p:txBody>
+      </p:sp>
+    </p:spTree>
+  </p:cSld>
+</p:sldLayout>
+</file>
+
+<file path=ppt/slideLayouts/slideLayout22.xml><?xml version="1.0" encoding="utf-8"?>
+<p:sldLayout xmlns:a="http://schemas.openxmlformats.org/drawingml/2006/main" xmlns:p="http://schemas.openxmlformats.org/presentationml/2006/main" xmlns:r="http://schemas.openxmlformats.org/officeDocument/2006/relationships" xmlns:p14="http://schemas.microsoft.com/office/powerpoint/2010/main" xmlns:p15="http://schemas.microsoft.com/office/powerpoint/2012/main" xmlns:mc="http://schemas.openxmlformats.org/markup-compatibility/2006" type="objOverTx" preserve="1">
+  <p:cSld name="Title, Content over Content">
+    <p:spTree>
+      <p:nvGrpSpPr>
+        <p:cNvPr id="1" name=""/>
+        <p:cNvGrpSpPr/>
+        <p:nvPr/>
+      </p:nvGrpSpPr>
+      <p:grpSpPr>
+        <a:xfrm>
+          <a:off x="0" y="0"/>
+          <a:ext cx="0" cy="0"/>
+          <a:chOff x="0" y="0"/>
+          <a:chExt cx="0" cy="0"/>
+        </a:xfrm>
+      </p:grpSpPr>
+      <p:sp>
+        <p:nvSpPr>
+          <p:cNvPr id="61" name="PlaceHolder 1"/>
+          <p:cNvSpPr>
+            <a:spLocks noGrp="1"/>
+          </p:cNvSpPr>
+          <p:nvPr>
+            <p:ph type="title"/>
+          </p:nvPr>
+        </p:nvSpPr>
+        <p:spPr>
+          <a:xfrm>
+            <a:off x="504000" y="226080"/>
+            <a:ext cx="9072000" cy="946440"/>
+          </a:xfrm>
+          <a:prstGeom prst="rect">
+            <a:avLst/>
+          </a:prstGeom>
+        </p:spPr>
+        <p:txBody>
+          <a:bodyPr lIns="0" rIns="0" tIns="0" bIns="0" anchor="ctr">
+            <a:spAutoFit/>
+          </a:bodyPr>
+          <a:p>
+            <a:pPr algn="ctr"/>
+            <a:endParaRPr b="0" lang="nl-NL" sz="4400" spc="-1" strike="noStrike">
+              <a:latin typeface="Arial"/>
+            </a:endParaRPr>
+          </a:p>
+        </p:txBody>
+      </p:sp>
+      <p:sp>
+        <p:nvSpPr>
+          <p:cNvPr id="62" name="PlaceHolder 2"/>
+          <p:cNvSpPr>
+            <a:spLocks noGrp="1"/>
+          </p:cNvSpPr>
+          <p:nvPr>
+            <p:ph type="body"/>
+          </p:nvPr>
+        </p:nvSpPr>
+        <p:spPr>
+          <a:xfrm>
+            <a:off x="504000" y="1326600"/>
+            <a:ext cx="9072000" cy="1568520"/>
+          </a:xfrm>
+          <a:prstGeom prst="rect">
+            <a:avLst/>
+          </a:prstGeom>
+        </p:spPr>
+        <p:txBody>
+          <a:bodyPr lIns="0" rIns="0" tIns="0" bIns="0">
+            <a:normAutofit/>
+          </a:bodyPr>
+          <a:p>
+            <a:endParaRPr b="0" lang="nl-NL" sz="3200" spc="-1" strike="noStrike">
+              <a:latin typeface="Arial"/>
+            </a:endParaRPr>
+          </a:p>
+        </p:txBody>
+      </p:sp>
+      <p:sp>
+        <p:nvSpPr>
+          <p:cNvPr id="63" name="PlaceHolder 3"/>
+          <p:cNvSpPr>
+            <a:spLocks noGrp="1"/>
+          </p:cNvSpPr>
+          <p:nvPr>
+            <p:ph type="body"/>
+          </p:nvPr>
+        </p:nvSpPr>
+        <p:spPr>
+          <a:xfrm>
+            <a:off x="504000" y="3044520"/>
+            <a:ext cx="9072000" cy="1568520"/>
+          </a:xfrm>
+          <a:prstGeom prst="rect">
+            <a:avLst/>
+          </a:prstGeom>
+        </p:spPr>
+        <p:txBody>
+          <a:bodyPr lIns="0" rIns="0" tIns="0" bIns="0">
+            <a:normAutofit/>
+          </a:bodyPr>
+          <a:p>
+            <a:endParaRPr b="0" lang="nl-NL" sz="3200" spc="-1" strike="noStrike">
+              <a:latin typeface="Arial"/>
+            </a:endParaRPr>
+          </a:p>
+        </p:txBody>
+      </p:sp>
+    </p:spTree>
+  </p:cSld>
+</p:sldLayout>
+</file>
+
+<file path=ppt/slideLayouts/slideLayout23.xml><?xml version="1.0" encoding="utf-8"?>
+<p:sldLayout xmlns:a="http://schemas.openxmlformats.org/drawingml/2006/main" xmlns:p="http://schemas.openxmlformats.org/presentationml/2006/main" xmlns:r="http://schemas.openxmlformats.org/officeDocument/2006/relationships" xmlns:p14="http://schemas.microsoft.com/office/powerpoint/2010/main" xmlns:p15="http://schemas.microsoft.com/office/powerpoint/2012/main" xmlns:mc="http://schemas.openxmlformats.org/markup-compatibility/2006" type="fourObj" preserve="1">
+  <p:cSld name="Title, 4 Content">
+    <p:spTree>
+      <p:nvGrpSpPr>
+        <p:cNvPr id="1" name=""/>
+        <p:cNvGrpSpPr/>
+        <p:nvPr/>
+      </p:nvGrpSpPr>
+      <p:grpSpPr>
+        <a:xfrm>
+          <a:off x="0" y="0"/>
+          <a:ext cx="0" cy="0"/>
+          <a:chOff x="0" y="0"/>
+          <a:chExt cx="0" cy="0"/>
+        </a:xfrm>
+      </p:grpSpPr>
+      <p:sp>
+        <p:nvSpPr>
+          <p:cNvPr id="64" name="PlaceHolder 1"/>
+          <p:cNvSpPr>
+            <a:spLocks noGrp="1"/>
+          </p:cNvSpPr>
+          <p:nvPr>
+            <p:ph type="title"/>
+          </p:nvPr>
+        </p:nvSpPr>
+        <p:spPr>
+          <a:xfrm>
+            <a:off x="504000" y="226080"/>
+            <a:ext cx="9072000" cy="946440"/>
+          </a:xfrm>
+          <a:prstGeom prst="rect">
+            <a:avLst/>
+          </a:prstGeom>
+        </p:spPr>
+        <p:txBody>
+          <a:bodyPr lIns="0" rIns="0" tIns="0" bIns="0" anchor="ctr">
+            <a:spAutoFit/>
+          </a:bodyPr>
+          <a:p>
+            <a:pPr algn="ctr"/>
+            <a:endParaRPr b="0" lang="nl-NL" sz="4400" spc="-1" strike="noStrike">
+              <a:latin typeface="Arial"/>
+            </a:endParaRPr>
+          </a:p>
+        </p:txBody>
+      </p:sp>
+      <p:sp>
+        <p:nvSpPr>
+          <p:cNvPr id="65" name="PlaceHolder 2"/>
+          <p:cNvSpPr>
+            <a:spLocks noGrp="1"/>
+          </p:cNvSpPr>
+          <p:nvPr>
+            <p:ph type="body"/>
+          </p:nvPr>
+        </p:nvSpPr>
+        <p:spPr>
+          <a:xfrm>
+            <a:off x="504000" y="1326600"/>
+            <a:ext cx="4426920" cy="1568520"/>
+          </a:xfrm>
+          <a:prstGeom prst="rect">
+            <a:avLst/>
+          </a:prstGeom>
+        </p:spPr>
+        <p:txBody>
+          <a:bodyPr lIns="0" rIns="0" tIns="0" bIns="0">
+            <a:normAutofit/>
+          </a:bodyPr>
+          <a:p>
+            <a:endParaRPr b="0" lang="nl-NL" sz="3200" spc="-1" strike="noStrike">
+              <a:latin typeface="Arial"/>
+            </a:endParaRPr>
+          </a:p>
+        </p:txBody>
+      </p:sp>
+      <p:sp>
+        <p:nvSpPr>
+          <p:cNvPr id="66" name="PlaceHolder 3"/>
+          <p:cNvSpPr>
+            <a:spLocks noGrp="1"/>
+          </p:cNvSpPr>
+          <p:nvPr>
+            <p:ph type="body"/>
+          </p:nvPr>
+        </p:nvSpPr>
+        <p:spPr>
+          <a:xfrm>
+            <a:off x="5152680" y="1326600"/>
+            <a:ext cx="4426920" cy="1568520"/>
+          </a:xfrm>
+          <a:prstGeom prst="rect">
+            <a:avLst/>
+          </a:prstGeom>
+        </p:spPr>
+        <p:txBody>
+          <a:bodyPr lIns="0" rIns="0" tIns="0" bIns="0">
+            <a:normAutofit/>
+          </a:bodyPr>
+          <a:p>
+            <a:endParaRPr b="0" lang="nl-NL" sz="3200" spc="-1" strike="noStrike">
+              <a:latin typeface="Arial"/>
+            </a:endParaRPr>
+          </a:p>
+        </p:txBody>
+      </p:sp>
+      <p:sp>
+        <p:nvSpPr>
+          <p:cNvPr id="67" name="PlaceHolder 4"/>
+          <p:cNvSpPr>
+            <a:spLocks noGrp="1"/>
+          </p:cNvSpPr>
+          <p:nvPr>
+            <p:ph type="body"/>
+          </p:nvPr>
+        </p:nvSpPr>
+        <p:spPr>
+          <a:xfrm>
+            <a:off x="504000" y="3044520"/>
+            <a:ext cx="4426920" cy="1568520"/>
+          </a:xfrm>
+          <a:prstGeom prst="rect">
+            <a:avLst/>
+          </a:prstGeom>
+        </p:spPr>
+        <p:txBody>
+          <a:bodyPr lIns="0" rIns="0" tIns="0" bIns="0">
+            <a:normAutofit/>
+          </a:bodyPr>
+          <a:p>
+            <a:endParaRPr b="0" lang="nl-NL" sz="3200" spc="-1" strike="noStrike">
+              <a:latin typeface="Arial"/>
+            </a:endParaRPr>
+          </a:p>
+        </p:txBody>
+      </p:sp>
+      <p:sp>
+        <p:nvSpPr>
+          <p:cNvPr id="68" name="PlaceHolder 5"/>
+          <p:cNvSpPr>
+            <a:spLocks noGrp="1"/>
+          </p:cNvSpPr>
+          <p:nvPr>
+            <p:ph type="body"/>
+          </p:nvPr>
+        </p:nvSpPr>
+        <p:spPr>
+          <a:xfrm>
+            <a:off x="5152680" y="3044520"/>
+            <a:ext cx="4426920" cy="1568520"/>
+          </a:xfrm>
+          <a:prstGeom prst="rect">
+            <a:avLst/>
+          </a:prstGeom>
+        </p:spPr>
+        <p:txBody>
+          <a:bodyPr lIns="0" rIns="0" tIns="0" bIns="0">
+            <a:normAutofit/>
+          </a:bodyPr>
+          <a:p>
+            <a:endParaRPr b="0" lang="nl-NL" sz="3200" spc="-1" strike="noStrike">
+              <a:latin typeface="Arial"/>
+            </a:endParaRPr>
+          </a:p>
+        </p:txBody>
+      </p:sp>
+    </p:spTree>
+  </p:cSld>
+</p:sldLayout>
+</file>
+
+<file path=ppt/slideLayouts/slideLayout24.xml><?xml version="1.0" encoding="utf-8"?>
+<p:sldLayout xmlns:a="http://schemas.openxmlformats.org/drawingml/2006/main" xmlns:p="http://schemas.openxmlformats.org/presentationml/2006/main" xmlns:r="http://schemas.openxmlformats.org/officeDocument/2006/relationships" xmlns:p14="http://schemas.microsoft.com/office/powerpoint/2010/main" xmlns:p15="http://schemas.microsoft.com/office/powerpoint/2012/main" xmlns:mc="http://schemas.openxmlformats.org/markup-compatibility/2006" type="blank" preserve="1">
+  <p:cSld name="Title, 6 Content">
+    <p:spTree>
+      <p:nvGrpSpPr>
+        <p:cNvPr id="1" name=""/>
+        <p:cNvGrpSpPr/>
+        <p:nvPr/>
+      </p:nvGrpSpPr>
+      <p:grpSpPr>
+        <a:xfrm>
+          <a:off x="0" y="0"/>
+          <a:ext cx="0" cy="0"/>
+          <a:chOff x="0" y="0"/>
+          <a:chExt cx="0" cy="0"/>
+        </a:xfrm>
+      </p:grpSpPr>
+      <p:sp>
+        <p:nvSpPr>
+          <p:cNvPr id="69" name="PlaceHolder 1"/>
+          <p:cNvSpPr>
+            <a:spLocks noGrp="1"/>
+          </p:cNvSpPr>
+          <p:nvPr>
+            <p:ph type="title"/>
+          </p:nvPr>
+        </p:nvSpPr>
+        <p:spPr>
+          <a:xfrm>
+            <a:off x="504000" y="226080"/>
+            <a:ext cx="9072000" cy="946440"/>
+          </a:xfrm>
+          <a:prstGeom prst="rect">
+            <a:avLst/>
+          </a:prstGeom>
+        </p:spPr>
+        <p:txBody>
+          <a:bodyPr lIns="0" rIns="0" tIns="0" bIns="0" anchor="ctr">
+            <a:spAutoFit/>
+          </a:bodyPr>
+          <a:p>
+            <a:pPr algn="ctr"/>
+            <a:endParaRPr b="0" lang="nl-NL" sz="4400" spc="-1" strike="noStrike">
+              <a:latin typeface="Arial"/>
+            </a:endParaRPr>
+          </a:p>
+        </p:txBody>
+      </p:sp>
+      <p:sp>
+        <p:nvSpPr>
+          <p:cNvPr id="70" name="PlaceHolder 2"/>
+          <p:cNvSpPr>
+            <a:spLocks noGrp="1"/>
+          </p:cNvSpPr>
+          <p:nvPr>
+            <p:ph type="body"/>
+          </p:nvPr>
+        </p:nvSpPr>
+        <p:spPr>
+          <a:xfrm>
+            <a:off x="504000" y="1326600"/>
+            <a:ext cx="2921040" cy="1568520"/>
+          </a:xfrm>
+          <a:prstGeom prst="rect">
+            <a:avLst/>
+          </a:prstGeom>
+        </p:spPr>
+        <p:txBody>
+          <a:bodyPr lIns="0" rIns="0" tIns="0" bIns="0">
+            <a:normAutofit/>
+          </a:bodyPr>
+          <a:p>
+            <a:endParaRPr b="0" lang="nl-NL" sz="3200" spc="-1" strike="noStrike">
+              <a:latin typeface="Arial"/>
+            </a:endParaRPr>
+          </a:p>
+        </p:txBody>
+      </p:sp>
+      <p:sp>
+        <p:nvSpPr>
+          <p:cNvPr id="71" name="PlaceHolder 3"/>
+          <p:cNvSpPr>
+            <a:spLocks noGrp="1"/>
+          </p:cNvSpPr>
+          <p:nvPr>
+            <p:ph type="body"/>
+          </p:nvPr>
+        </p:nvSpPr>
+        <p:spPr>
+          <a:xfrm>
+            <a:off x="3571560" y="1326600"/>
+            <a:ext cx="2921040" cy="1568520"/>
+          </a:xfrm>
+          <a:prstGeom prst="rect">
+            <a:avLst/>
+          </a:prstGeom>
+        </p:spPr>
+        <p:txBody>
+          <a:bodyPr lIns="0" rIns="0" tIns="0" bIns="0">
+            <a:normAutofit/>
+          </a:bodyPr>
+          <a:p>
+            <a:endParaRPr b="0" lang="nl-NL" sz="3200" spc="-1" strike="noStrike">
+              <a:latin typeface="Arial"/>
+            </a:endParaRPr>
+          </a:p>
+        </p:txBody>
+      </p:sp>
+      <p:sp>
+        <p:nvSpPr>
+          <p:cNvPr id="72" name="PlaceHolder 4"/>
+          <p:cNvSpPr>
+            <a:spLocks noGrp="1"/>
+          </p:cNvSpPr>
+          <p:nvPr>
+            <p:ph type="body"/>
+          </p:nvPr>
+        </p:nvSpPr>
+        <p:spPr>
+          <a:xfrm>
+            <a:off x="6639120" y="1326600"/>
+            <a:ext cx="2921040" cy="1568520"/>
+          </a:xfrm>
+          <a:prstGeom prst="rect">
+            <a:avLst/>
+          </a:prstGeom>
+        </p:spPr>
+        <p:txBody>
+          <a:bodyPr lIns="0" rIns="0" tIns="0" bIns="0">
+            <a:normAutofit/>
+          </a:bodyPr>
+          <a:p>
+            <a:endParaRPr b="0" lang="nl-NL" sz="3200" spc="-1" strike="noStrike">
+              <a:latin typeface="Arial"/>
+            </a:endParaRPr>
+          </a:p>
+        </p:txBody>
+      </p:sp>
+      <p:sp>
+        <p:nvSpPr>
+          <p:cNvPr id="73" name="PlaceHolder 5"/>
+          <p:cNvSpPr>
+            <a:spLocks noGrp="1"/>
+          </p:cNvSpPr>
+          <p:nvPr>
+            <p:ph type="body"/>
+          </p:nvPr>
+        </p:nvSpPr>
+        <p:spPr>
+          <a:xfrm>
+            <a:off x="504000" y="3044520"/>
+            <a:ext cx="2921040" cy="1568520"/>
+          </a:xfrm>
+          <a:prstGeom prst="rect">
+            <a:avLst/>
+          </a:prstGeom>
+        </p:spPr>
+        <p:txBody>
+          <a:bodyPr lIns="0" rIns="0" tIns="0" bIns="0">
+            <a:normAutofit/>
+          </a:bodyPr>
+          <a:p>
+            <a:endParaRPr b="0" lang="nl-NL" sz="3200" spc="-1" strike="noStrike">
+              <a:latin typeface="Arial"/>
+            </a:endParaRPr>
+          </a:p>
+        </p:txBody>
+      </p:sp>
+      <p:sp>
+        <p:nvSpPr>
+          <p:cNvPr id="74" name="PlaceHolder 6"/>
+          <p:cNvSpPr>
+            <a:spLocks noGrp="1"/>
+          </p:cNvSpPr>
+          <p:nvPr>
+            <p:ph type="body"/>
+          </p:nvPr>
+        </p:nvSpPr>
+        <p:spPr>
+          <a:xfrm>
+            <a:off x="3571560" y="3044520"/>
+            <a:ext cx="2921040" cy="1568520"/>
+          </a:xfrm>
+          <a:prstGeom prst="rect">
+            <a:avLst/>
+          </a:prstGeom>
+        </p:spPr>
+        <p:txBody>
+          <a:bodyPr lIns="0" rIns="0" tIns="0" bIns="0">
+            <a:normAutofit/>
+          </a:bodyPr>
+          <a:p>
+            <a:endParaRPr b="0" lang="nl-NL" sz="3200" spc="-1" strike="noStrike">
+              <a:latin typeface="Arial"/>
+            </a:endParaRPr>
+          </a:p>
+        </p:txBody>
+      </p:sp>
+      <p:sp>
+        <p:nvSpPr>
+          <p:cNvPr id="75" name="PlaceHolder 7"/>
+          <p:cNvSpPr>
+            <a:spLocks noGrp="1"/>
+          </p:cNvSpPr>
+          <p:nvPr>
+            <p:ph type="body"/>
+          </p:nvPr>
+        </p:nvSpPr>
+        <p:spPr>
+          <a:xfrm>
+            <a:off x="6639120" y="3044520"/>
+            <a:ext cx="2921040" cy="1568520"/>
+          </a:xfrm>
+          <a:prstGeom prst="rect">
+            <a:avLst/>
+          </a:prstGeom>
+        </p:spPr>
+        <p:txBody>
+          <a:bodyPr lIns="0" rIns="0" tIns="0" bIns="0">
+            <a:normAutofit/>
+          </a:bodyPr>
+          <a:p>
             <a:endParaRPr b="0" lang="nl-NL" sz="3200" spc="-1" strike="noStrike">
               <a:latin typeface="Arial"/>
             </a:endParaRPr>
@@ -679,7 +2036,7 @@
       </p:grpSpPr>
       <p:sp>
         <p:nvSpPr>
-          <p:cNvPr id="7" name="PlaceHolder 1"/>
+          <p:cNvPr id="4" name="PlaceHolder 1"/>
           <p:cNvSpPr>
             <a:spLocks noGrp="1"/>
           </p:cNvSpPr>
@@ -690,7 +2047,7 @@
         <p:spPr>
           <a:xfrm>
             <a:off x="504000" y="226080"/>
-            <a:ext cx="9071640" cy="946440"/>
+            <a:ext cx="9072000" cy="946440"/>
           </a:xfrm>
           <a:prstGeom prst="rect">
             <a:avLst/>
@@ -710,7 +2067,7 @@
       </p:sp>
       <p:sp>
         <p:nvSpPr>
-          <p:cNvPr id="8" name="PlaceHolder 2"/>
+          <p:cNvPr id="5" name="PlaceHolder 2"/>
           <p:cNvSpPr>
             <a:spLocks noGrp="1"/>
           </p:cNvSpPr>
@@ -721,7 +2078,7 @@
         <p:spPr>
           <a:xfrm>
             <a:off x="504000" y="1326600"/>
-            <a:ext cx="9071640" cy="3288240"/>
+            <a:ext cx="9072000" cy="3288600"/>
           </a:xfrm>
           <a:prstGeom prst="rect">
             <a:avLst/>
@@ -746,6 +2103,119 @@
 <file path=ppt/slideLayouts/slideLayout4.xml><?xml version="1.0" encoding="utf-8"?>
 <p:sldLayout xmlns:a="http://schemas.openxmlformats.org/drawingml/2006/main" xmlns:p="http://schemas.openxmlformats.org/presentationml/2006/main" xmlns:r="http://schemas.openxmlformats.org/officeDocument/2006/relationships" xmlns:p14="http://schemas.microsoft.com/office/powerpoint/2010/main" xmlns:p15="http://schemas.microsoft.com/office/powerpoint/2012/main" xmlns:mc="http://schemas.openxmlformats.org/markup-compatibility/2006" type="twoObj" preserve="1">
   <p:cSld name="Title, 2 Content">
+    <p:spTree>
+      <p:nvGrpSpPr>
+        <p:cNvPr id="1" name=""/>
+        <p:cNvGrpSpPr/>
+        <p:nvPr/>
+      </p:nvGrpSpPr>
+      <p:grpSpPr>
+        <a:xfrm>
+          <a:off x="0" y="0"/>
+          <a:ext cx="0" cy="0"/>
+          <a:chOff x="0" y="0"/>
+          <a:chExt cx="0" cy="0"/>
+        </a:xfrm>
+      </p:grpSpPr>
+      <p:sp>
+        <p:nvSpPr>
+          <p:cNvPr id="6" name="PlaceHolder 1"/>
+          <p:cNvSpPr>
+            <a:spLocks noGrp="1"/>
+          </p:cNvSpPr>
+          <p:nvPr>
+            <p:ph type="title"/>
+          </p:nvPr>
+        </p:nvSpPr>
+        <p:spPr>
+          <a:xfrm>
+            <a:off x="504000" y="226080"/>
+            <a:ext cx="9072000" cy="946440"/>
+          </a:xfrm>
+          <a:prstGeom prst="rect">
+            <a:avLst/>
+          </a:prstGeom>
+        </p:spPr>
+        <p:txBody>
+          <a:bodyPr lIns="0" rIns="0" tIns="0" bIns="0" anchor="ctr">
+            <a:spAutoFit/>
+          </a:bodyPr>
+          <a:p>
+            <a:pPr algn="ctr"/>
+            <a:endParaRPr b="0" lang="nl-NL" sz="4400" spc="-1" strike="noStrike">
+              <a:latin typeface="Arial"/>
+            </a:endParaRPr>
+          </a:p>
+        </p:txBody>
+      </p:sp>
+      <p:sp>
+        <p:nvSpPr>
+          <p:cNvPr id="7" name="PlaceHolder 2"/>
+          <p:cNvSpPr>
+            <a:spLocks noGrp="1"/>
+          </p:cNvSpPr>
+          <p:nvPr>
+            <p:ph type="body"/>
+          </p:nvPr>
+        </p:nvSpPr>
+        <p:spPr>
+          <a:xfrm>
+            <a:off x="504000" y="1326600"/>
+            <a:ext cx="4426920" cy="3288600"/>
+          </a:xfrm>
+          <a:prstGeom prst="rect">
+            <a:avLst/>
+          </a:prstGeom>
+        </p:spPr>
+        <p:txBody>
+          <a:bodyPr lIns="0" rIns="0" tIns="0" bIns="0">
+            <a:normAutofit/>
+          </a:bodyPr>
+          <a:p>
+            <a:endParaRPr b="0" lang="nl-NL" sz="3200" spc="-1" strike="noStrike">
+              <a:latin typeface="Arial"/>
+            </a:endParaRPr>
+          </a:p>
+        </p:txBody>
+      </p:sp>
+      <p:sp>
+        <p:nvSpPr>
+          <p:cNvPr id="8" name="PlaceHolder 3"/>
+          <p:cNvSpPr>
+            <a:spLocks noGrp="1"/>
+          </p:cNvSpPr>
+          <p:nvPr>
+            <p:ph type="body"/>
+          </p:nvPr>
+        </p:nvSpPr>
+        <p:spPr>
+          <a:xfrm>
+            <a:off x="5152680" y="1326600"/>
+            <a:ext cx="4426920" cy="3288600"/>
+          </a:xfrm>
+          <a:prstGeom prst="rect">
+            <a:avLst/>
+          </a:prstGeom>
+        </p:spPr>
+        <p:txBody>
+          <a:bodyPr lIns="0" rIns="0" tIns="0" bIns="0">
+            <a:normAutofit/>
+          </a:bodyPr>
+          <a:p>
+            <a:endParaRPr b="0" lang="nl-NL" sz="3200" spc="-1" strike="noStrike">
+              <a:latin typeface="Arial"/>
+            </a:endParaRPr>
+          </a:p>
+        </p:txBody>
+      </p:sp>
+    </p:spTree>
+  </p:cSld>
+</p:sldLayout>
+</file>
+
+<file path=ppt/slideLayouts/slideLayout5.xml><?xml version="1.0" encoding="utf-8"?>
+<p:sldLayout xmlns:a="http://schemas.openxmlformats.org/drawingml/2006/main" xmlns:p="http://schemas.openxmlformats.org/presentationml/2006/main" xmlns:r="http://schemas.openxmlformats.org/officeDocument/2006/relationships" xmlns:p14="http://schemas.microsoft.com/office/powerpoint/2010/main" xmlns:p15="http://schemas.microsoft.com/office/powerpoint/2012/main" xmlns:mc="http://schemas.openxmlformats.org/markup-compatibility/2006" type="titleOnly" preserve="1">
+  <p:cSld name="Title Only">
     <p:spTree>
       <p:nvGrpSpPr>
         <p:cNvPr id="1" name=""/>
@@ -773,120 +2243,7 @@
         <p:spPr>
           <a:xfrm>
             <a:off x="504000" y="226080"/>
-            <a:ext cx="9071640" cy="946440"/>
-          </a:xfrm>
-          <a:prstGeom prst="rect">
-            <a:avLst/>
-          </a:prstGeom>
-        </p:spPr>
-        <p:txBody>
-          <a:bodyPr lIns="0" rIns="0" tIns="0" bIns="0" anchor="ctr">
-            <a:spAutoFit/>
-          </a:bodyPr>
-          <a:p>
-            <a:pPr algn="ctr"/>
-            <a:endParaRPr b="0" lang="nl-NL" sz="4400" spc="-1" strike="noStrike">
-              <a:latin typeface="Arial"/>
-            </a:endParaRPr>
-          </a:p>
-        </p:txBody>
-      </p:sp>
-      <p:sp>
-        <p:nvSpPr>
-          <p:cNvPr id="10" name="PlaceHolder 2"/>
-          <p:cNvSpPr>
-            <a:spLocks noGrp="1"/>
-          </p:cNvSpPr>
-          <p:nvPr>
-            <p:ph type="body"/>
-          </p:nvPr>
-        </p:nvSpPr>
-        <p:spPr>
-          <a:xfrm>
-            <a:off x="504000" y="1326600"/>
-            <a:ext cx="4426920" cy="3288240"/>
-          </a:xfrm>
-          <a:prstGeom prst="rect">
-            <a:avLst/>
-          </a:prstGeom>
-        </p:spPr>
-        <p:txBody>
-          <a:bodyPr lIns="0" rIns="0" tIns="0" bIns="0">
-            <a:normAutofit/>
-          </a:bodyPr>
-          <a:p>
-            <a:endParaRPr b="0" lang="nl-NL" sz="3200" spc="-1" strike="noStrike">
-              <a:latin typeface="Arial"/>
-            </a:endParaRPr>
-          </a:p>
-        </p:txBody>
-      </p:sp>
-      <p:sp>
-        <p:nvSpPr>
-          <p:cNvPr id="11" name="PlaceHolder 3"/>
-          <p:cNvSpPr>
-            <a:spLocks noGrp="1"/>
-          </p:cNvSpPr>
-          <p:nvPr>
-            <p:ph type="body"/>
-          </p:nvPr>
-        </p:nvSpPr>
-        <p:spPr>
-          <a:xfrm>
-            <a:off x="5152680" y="1326600"/>
-            <a:ext cx="4426920" cy="3288240"/>
-          </a:xfrm>
-          <a:prstGeom prst="rect">
-            <a:avLst/>
-          </a:prstGeom>
-        </p:spPr>
-        <p:txBody>
-          <a:bodyPr lIns="0" rIns="0" tIns="0" bIns="0">
-            <a:normAutofit/>
-          </a:bodyPr>
-          <a:p>
-            <a:endParaRPr b="0" lang="nl-NL" sz="3200" spc="-1" strike="noStrike">
-              <a:latin typeface="Arial"/>
-            </a:endParaRPr>
-          </a:p>
-        </p:txBody>
-      </p:sp>
-    </p:spTree>
-  </p:cSld>
-</p:sldLayout>
-</file>
-
-<file path=ppt/slideLayouts/slideLayout5.xml><?xml version="1.0" encoding="utf-8"?>
-<p:sldLayout xmlns:a="http://schemas.openxmlformats.org/drawingml/2006/main" xmlns:p="http://schemas.openxmlformats.org/presentationml/2006/main" xmlns:r="http://schemas.openxmlformats.org/officeDocument/2006/relationships" xmlns:p14="http://schemas.microsoft.com/office/powerpoint/2010/main" xmlns:p15="http://schemas.microsoft.com/office/powerpoint/2012/main" xmlns:mc="http://schemas.openxmlformats.org/markup-compatibility/2006" type="titleOnly" preserve="1">
-  <p:cSld name="Title Only">
-    <p:spTree>
-      <p:nvGrpSpPr>
-        <p:cNvPr id="1" name=""/>
-        <p:cNvGrpSpPr/>
-        <p:nvPr/>
-      </p:nvGrpSpPr>
-      <p:grpSpPr>
-        <a:xfrm>
-          <a:off x="0" y="0"/>
-          <a:ext cx="0" cy="0"/>
-          <a:chOff x="0" y="0"/>
-          <a:chExt cx="0" cy="0"/>
-        </a:xfrm>
-      </p:grpSpPr>
-      <p:sp>
-        <p:nvSpPr>
-          <p:cNvPr id="12" name="PlaceHolder 1"/>
-          <p:cNvSpPr>
-            <a:spLocks noGrp="1"/>
-          </p:cNvSpPr>
-          <p:nvPr>
-            <p:ph type="title"/>
-          </p:nvPr>
-        </p:nvSpPr>
-        <p:spPr>
-          <a:xfrm>
-            <a:off x="504000" y="226080"/>
-            <a:ext cx="9071640" cy="946440"/>
+            <a:ext cx="9072000" cy="946440"/>
           </a:xfrm>
           <a:prstGeom prst="rect">
             <a:avLst/>
@@ -928,7 +2285,7 @@
       </p:grpSpPr>
       <p:sp>
         <p:nvSpPr>
-          <p:cNvPr id="13" name="PlaceHolder 1"/>
+          <p:cNvPr id="10" name="PlaceHolder 1"/>
           <p:cNvSpPr>
             <a:spLocks noGrp="1"/>
           </p:cNvSpPr>
@@ -939,7 +2296,7 @@
         <p:spPr>
           <a:xfrm>
             <a:off x="504000" y="226080"/>
-            <a:ext cx="9071640" cy="4388400"/>
+            <a:ext cx="9072000" cy="4388400"/>
           </a:xfrm>
           <a:prstGeom prst="rect">
             <a:avLst/>
@@ -981,7 +2338,7 @@
       </p:grpSpPr>
       <p:sp>
         <p:nvSpPr>
-          <p:cNvPr id="14" name="PlaceHolder 1"/>
+          <p:cNvPr id="11" name="PlaceHolder 1"/>
           <p:cNvSpPr>
             <a:spLocks noGrp="1"/>
           </p:cNvSpPr>
@@ -992,7 +2349,7 @@
         <p:spPr>
           <a:xfrm>
             <a:off x="504000" y="226080"/>
-            <a:ext cx="9071640" cy="946440"/>
+            <a:ext cx="9072000" cy="946440"/>
           </a:xfrm>
           <a:prstGeom prst="rect">
             <a:avLst/>
@@ -1012,7 +2369,7 @@
       </p:sp>
       <p:sp>
         <p:nvSpPr>
-          <p:cNvPr id="15" name="PlaceHolder 2"/>
+          <p:cNvPr id="12" name="PlaceHolder 2"/>
           <p:cNvSpPr>
             <a:spLocks noGrp="1"/>
           </p:cNvSpPr>
@@ -1023,7 +2380,7 @@
         <p:spPr>
           <a:xfrm>
             <a:off x="504000" y="1326600"/>
-            <a:ext cx="4426920" cy="1568160"/>
+            <a:ext cx="4426920" cy="1568520"/>
           </a:xfrm>
           <a:prstGeom prst="rect">
             <a:avLst/>
@@ -1042,7 +2399,7 @@
       </p:sp>
       <p:sp>
         <p:nvSpPr>
-          <p:cNvPr id="16" name="PlaceHolder 3"/>
+          <p:cNvPr id="13" name="PlaceHolder 3"/>
           <p:cNvSpPr>
             <a:spLocks noGrp="1"/>
           </p:cNvSpPr>
@@ -1053,7 +2410,7 @@
         <p:spPr>
           <a:xfrm>
             <a:off x="5152680" y="1326600"/>
-            <a:ext cx="4426920" cy="3288240"/>
+            <a:ext cx="4426920" cy="3288600"/>
           </a:xfrm>
           <a:prstGeom prst="rect">
             <a:avLst/>
@@ -1072,7 +2429,7 @@
       </p:sp>
       <p:sp>
         <p:nvSpPr>
-          <p:cNvPr id="17" name="PlaceHolder 4"/>
+          <p:cNvPr id="14" name="PlaceHolder 4"/>
           <p:cNvSpPr>
             <a:spLocks noGrp="1"/>
           </p:cNvSpPr>
@@ -1082,8 +2439,8 @@
         </p:nvSpPr>
         <p:spPr>
           <a:xfrm>
-            <a:off x="504000" y="3044160"/>
-            <a:ext cx="4426920" cy="1568160"/>
+            <a:off x="504000" y="3044520"/>
+            <a:ext cx="4426920" cy="1568520"/>
           </a:xfrm>
           <a:prstGeom prst="rect">
             <a:avLst/>
@@ -1124,7 +2481,7 @@
       </p:grpSpPr>
       <p:sp>
         <p:nvSpPr>
-          <p:cNvPr id="18" name="PlaceHolder 1"/>
+          <p:cNvPr id="15" name="PlaceHolder 1"/>
           <p:cNvSpPr>
             <a:spLocks noGrp="1"/>
           </p:cNvSpPr>
@@ -1135,7 +2492,7 @@
         <p:spPr>
           <a:xfrm>
             <a:off x="504000" y="226080"/>
-            <a:ext cx="9071640" cy="946440"/>
+            <a:ext cx="9072000" cy="946440"/>
           </a:xfrm>
           <a:prstGeom prst="rect">
             <a:avLst/>
@@ -1155,7 +2512,7 @@
       </p:sp>
       <p:sp>
         <p:nvSpPr>
-          <p:cNvPr id="19" name="PlaceHolder 2"/>
+          <p:cNvPr id="16" name="PlaceHolder 2"/>
           <p:cNvSpPr>
             <a:spLocks noGrp="1"/>
           </p:cNvSpPr>
@@ -1166,7 +2523,7 @@
         <p:spPr>
           <a:xfrm>
             <a:off x="504000" y="1326600"/>
-            <a:ext cx="4426920" cy="3288240"/>
+            <a:ext cx="4426920" cy="3288600"/>
           </a:xfrm>
           <a:prstGeom prst="rect">
             <a:avLst/>
@@ -1185,7 +2542,7 @@
       </p:sp>
       <p:sp>
         <p:nvSpPr>
-          <p:cNvPr id="20" name="PlaceHolder 3"/>
+          <p:cNvPr id="17" name="PlaceHolder 3"/>
           <p:cNvSpPr>
             <a:spLocks noGrp="1"/>
           </p:cNvSpPr>
@@ -1196,7 +2553,7 @@
         <p:spPr>
           <a:xfrm>
             <a:off x="5152680" y="1326600"/>
-            <a:ext cx="4426920" cy="1568160"/>
+            <a:ext cx="4426920" cy="1568520"/>
           </a:xfrm>
           <a:prstGeom prst="rect">
             <a:avLst/>
@@ -1215,7 +2572,7 @@
       </p:sp>
       <p:sp>
         <p:nvSpPr>
-          <p:cNvPr id="21" name="PlaceHolder 4"/>
+          <p:cNvPr id="18" name="PlaceHolder 4"/>
           <p:cNvSpPr>
             <a:spLocks noGrp="1"/>
           </p:cNvSpPr>
@@ -1225,8 +2582,8 @@
         </p:nvSpPr>
         <p:spPr>
           <a:xfrm>
-            <a:off x="5152680" y="3044160"/>
-            <a:ext cx="4426920" cy="1568160"/>
+            <a:off x="5152680" y="3044520"/>
+            <a:ext cx="4426920" cy="1568520"/>
           </a:xfrm>
           <a:prstGeom prst="rect">
             <a:avLst/>
@@ -1267,7 +2624,7 @@
       </p:grpSpPr>
       <p:sp>
         <p:nvSpPr>
-          <p:cNvPr id="22" name="PlaceHolder 1"/>
+          <p:cNvPr id="19" name="PlaceHolder 1"/>
           <p:cNvSpPr>
             <a:spLocks noGrp="1"/>
           </p:cNvSpPr>
@@ -1278,7 +2635,7 @@
         <p:spPr>
           <a:xfrm>
             <a:off x="504000" y="226080"/>
-            <a:ext cx="9071640" cy="946440"/>
+            <a:ext cx="9072000" cy="946440"/>
           </a:xfrm>
           <a:prstGeom prst="rect">
             <a:avLst/>
@@ -1298,7 +2655,7 @@
       </p:sp>
       <p:sp>
         <p:nvSpPr>
-          <p:cNvPr id="23" name="PlaceHolder 2"/>
+          <p:cNvPr id="20" name="PlaceHolder 2"/>
           <p:cNvSpPr>
             <a:spLocks noGrp="1"/>
           </p:cNvSpPr>
@@ -1309,7 +2666,7 @@
         <p:spPr>
           <a:xfrm>
             <a:off x="504000" y="1326600"/>
-            <a:ext cx="4426920" cy="1568160"/>
+            <a:ext cx="4426920" cy="1568520"/>
           </a:xfrm>
           <a:prstGeom prst="rect">
             <a:avLst/>
@@ -1328,7 +2685,7 @@
       </p:sp>
       <p:sp>
         <p:nvSpPr>
-          <p:cNvPr id="24" name="PlaceHolder 3"/>
+          <p:cNvPr id="21" name="PlaceHolder 3"/>
           <p:cNvSpPr>
             <a:spLocks noGrp="1"/>
           </p:cNvSpPr>
@@ -1339,7 +2696,7 @@
         <p:spPr>
           <a:xfrm>
             <a:off x="5152680" y="1326600"/>
-            <a:ext cx="4426920" cy="1568160"/>
+            <a:ext cx="4426920" cy="1568520"/>
           </a:xfrm>
           <a:prstGeom prst="rect">
             <a:avLst/>
@@ -1358,7 +2715,7 @@
       </p:sp>
       <p:sp>
         <p:nvSpPr>
-          <p:cNvPr id="25" name="PlaceHolder 4"/>
+          <p:cNvPr id="22" name="PlaceHolder 4"/>
           <p:cNvSpPr>
             <a:spLocks noGrp="1"/>
           </p:cNvSpPr>
@@ -1368,8 +2725,8 @@
         </p:nvSpPr>
         <p:spPr>
           <a:xfrm>
-            <a:off x="504000" y="3044160"/>
-            <a:ext cx="9071640" cy="1568160"/>
+            <a:off x="504000" y="3044520"/>
+            <a:ext cx="9072000" cy="1568520"/>
           </a:xfrm>
           <a:prstGeom prst="rect">
             <a:avLst/>
@@ -1420,8 +2777,8 @@
         </p:nvSpPr>
         <p:spPr>
           <a:xfrm>
-            <a:off x="504000" y="226080"/>
-            <a:ext cx="9071640" cy="946440"/>
+            <a:off x="504000" y="225720"/>
+            <a:ext cx="9071280" cy="946800"/>
           </a:xfrm>
           <a:prstGeom prst="rect">
             <a:avLst/>
@@ -1429,17 +2786,16 @@
         </p:spPr>
         <p:txBody>
           <a:bodyPr lIns="0" rIns="0" tIns="0" bIns="0" anchor="ctr">
-            <a:noAutofit/>
+            <a:spAutoFit/>
           </a:bodyPr>
           <a:p>
-            <a:pPr algn="ctr"/>
-            <a:r>
-              <a:rPr b="0" lang="nl-NL" sz="4400" spc="-1" strike="noStrike">
+            <a:r>
+              <a:rPr b="0" lang="nl-NL" sz="1800" spc="-1" strike="noStrike">
                 <a:latin typeface="Arial"/>
               </a:rPr>
               <a:t>Klik om de opmaak van de titeltekst te bewerken</a:t>
             </a:r>
-            <a:endParaRPr b="0" lang="nl-NL" sz="4400" spc="-1" strike="noStrike">
+            <a:endParaRPr b="0" lang="nl-NL" sz="1800" spc="-1" strike="noStrike">
               <a:latin typeface="Arial"/>
             </a:endParaRPr>
           </a:p>
@@ -1458,7 +2814,7 @@
         <p:spPr>
           <a:xfrm>
             <a:off x="504000" y="1326600"/>
-            <a:ext cx="9071640" cy="3288240"/>
+            <a:ext cx="9072000" cy="3288600"/>
           </a:xfrm>
           <a:prstGeom prst="rect">
             <a:avLst/>
@@ -1620,116 +2976,6 @@
             </a:r>
             <a:endParaRPr b="0" lang="nl-NL" sz="2000" spc="-1" strike="noStrike">
               <a:latin typeface="Arial"/>
-            </a:endParaRPr>
-          </a:p>
-        </p:txBody>
-      </p:sp>
-      <p:sp>
-        <p:nvSpPr>
-          <p:cNvPr id="2" name="PlaceHolder 3"/>
-          <p:cNvSpPr>
-            <a:spLocks noGrp="1"/>
-          </p:cNvSpPr>
-          <p:nvPr>
-            <p:ph type="dt"/>
-          </p:nvPr>
-        </p:nvSpPr>
-        <p:spPr>
-          <a:xfrm>
-            <a:off x="504000" y="5165280"/>
-            <a:ext cx="2348280" cy="390600"/>
-          </a:xfrm>
-          <a:prstGeom prst="rect">
-            <a:avLst/>
-          </a:prstGeom>
-        </p:spPr>
-        <p:txBody>
-          <a:bodyPr lIns="0" rIns="0" tIns="0" bIns="0">
-            <a:noAutofit/>
-          </a:bodyPr>
-          <a:p>
-            <a:r>
-              <a:rPr b="0" lang="nl-NL" sz="1400" spc="-1" strike="noStrike">
-                <a:latin typeface="Times New Roman"/>
-              </a:rPr>
-              <a:t>&lt;datum/tijd&gt;</a:t>
-            </a:r>
-            <a:endParaRPr b="0" lang="nl-NL" sz="1400" spc="-1" strike="noStrike">
-              <a:latin typeface="Times New Roman"/>
-            </a:endParaRPr>
-          </a:p>
-        </p:txBody>
-      </p:sp>
-      <p:sp>
-        <p:nvSpPr>
-          <p:cNvPr id="3" name="PlaceHolder 4"/>
-          <p:cNvSpPr>
-            <a:spLocks noGrp="1"/>
-          </p:cNvSpPr>
-          <p:nvPr>
-            <p:ph type="ftr"/>
-          </p:nvPr>
-        </p:nvSpPr>
-        <p:spPr>
-          <a:xfrm>
-            <a:off x="3447360" y="5165280"/>
-            <a:ext cx="3195000" cy="390600"/>
-          </a:xfrm>
-          <a:prstGeom prst="rect">
-            <a:avLst/>
-          </a:prstGeom>
-        </p:spPr>
-        <p:txBody>
-          <a:bodyPr lIns="0" rIns="0" tIns="0" bIns="0">
-            <a:noAutofit/>
-          </a:bodyPr>
-          <a:p>
-            <a:pPr algn="ctr"/>
-            <a:r>
-              <a:rPr b="0" lang="nl-NL" sz="1400" spc="-1" strike="noStrike">
-                <a:latin typeface="Times New Roman"/>
-              </a:rPr>
-              <a:t>&lt;voettekst&gt;</a:t>
-            </a:r>
-            <a:endParaRPr b="0" lang="nl-NL" sz="1400" spc="-1" strike="noStrike">
-              <a:latin typeface="Times New Roman"/>
-            </a:endParaRPr>
-          </a:p>
-        </p:txBody>
-      </p:sp>
-      <p:sp>
-        <p:nvSpPr>
-          <p:cNvPr id="4" name="PlaceHolder 5"/>
-          <p:cNvSpPr>
-            <a:spLocks noGrp="1"/>
-          </p:cNvSpPr>
-          <p:nvPr>
-            <p:ph type="sldNum"/>
-          </p:nvPr>
-        </p:nvSpPr>
-        <p:spPr>
-          <a:xfrm>
-            <a:off x="7227360" y="5165280"/>
-            <a:ext cx="2348280" cy="390600"/>
-          </a:xfrm>
-          <a:prstGeom prst="rect">
-            <a:avLst/>
-          </a:prstGeom>
-        </p:spPr>
-        <p:txBody>
-          <a:bodyPr lIns="0" rIns="0" tIns="0" bIns="0">
-            <a:noAutofit/>
-          </a:bodyPr>
-          <a:p>
-            <a:pPr algn="r"/>
-            <a:fld id="{4B2C7AF0-B19A-40B9-9358-0099E6E4B311}" type="slidenum">
-              <a:rPr b="0" lang="nl-NL" sz="1400" spc="-1" strike="noStrike">
-                <a:latin typeface="Times New Roman"/>
-              </a:rPr>
-              <a:t>&lt;getal&gt;</a:t>
-            </a:fld>
-            <a:endParaRPr b="0" lang="nl-NL" sz="1400" spc="-1" strike="noStrike">
-              <a:latin typeface="Times New Roman"/>
             </a:endParaRPr>
           </a:p>
         </p:txBody>
@@ -1750,6 +2996,259 @@
     <p:sldLayoutId id="2147483658" r:id="rId11"/>
     <p:sldLayoutId id="2147483659" r:id="rId12"/>
     <p:sldLayoutId id="2147483660" r:id="rId13"/>
+  </p:sldLayoutIdLst>
+</p:sldMaster>
+</file>
+
+<file path=ppt/slideMasters/slideMaster2.xml><?xml version="1.0" encoding="utf-8"?>
+<p:sldMaster xmlns:a="http://schemas.openxmlformats.org/drawingml/2006/main" xmlns:p="http://schemas.openxmlformats.org/presentationml/2006/main" xmlns:r="http://schemas.openxmlformats.org/officeDocument/2006/relationships" xmlns:p14="http://schemas.microsoft.com/office/powerpoint/2010/main" xmlns:p15="http://schemas.microsoft.com/office/powerpoint/2012/main" xmlns:mc="http://schemas.openxmlformats.org/markup-compatibility/2006">
+  <p:cSld>
+    <p:spTree>
+      <p:nvGrpSpPr>
+        <p:cNvPr id="1" name=""/>
+        <p:cNvGrpSpPr/>
+        <p:nvPr/>
+      </p:nvGrpSpPr>
+      <p:grpSpPr>
+        <a:xfrm>
+          <a:off x="0" y="0"/>
+          <a:ext cx="0" cy="0"/>
+          <a:chOff x="0" y="0"/>
+          <a:chExt cx="0" cy="0"/>
+        </a:xfrm>
+      </p:grpSpPr>
+      <p:sp>
+        <p:nvSpPr>
+          <p:cNvPr id="38" name="PlaceHolder 1"/>
+          <p:cNvSpPr>
+            <a:spLocks noGrp="1"/>
+          </p:cNvSpPr>
+          <p:nvPr>
+            <p:ph type="title"/>
+          </p:nvPr>
+        </p:nvSpPr>
+        <p:spPr>
+          <a:xfrm>
+            <a:off x="504000" y="226080"/>
+            <a:ext cx="9072000" cy="946440"/>
+          </a:xfrm>
+          <a:prstGeom prst="rect">
+            <a:avLst/>
+          </a:prstGeom>
+        </p:spPr>
+        <p:txBody>
+          <a:bodyPr lIns="0" rIns="0" tIns="0" bIns="0" anchor="ctr">
+            <a:noAutofit/>
+          </a:bodyPr>
+          <a:p>
+            <a:pPr algn="ctr"/>
+            <a:r>
+              <a:rPr b="0" lang="nl-NL" sz="4400" spc="-1" strike="noStrike">
+                <a:latin typeface="Arial"/>
+              </a:rPr>
+              <a:t>Klik om de opmaak van de titeltekst te bewerken</a:t>
+            </a:r>
+            <a:endParaRPr b="0" lang="nl-NL" sz="4400" spc="-1" strike="noStrike">
+              <a:latin typeface="Arial"/>
+            </a:endParaRPr>
+          </a:p>
+        </p:txBody>
+      </p:sp>
+      <p:sp>
+        <p:nvSpPr>
+          <p:cNvPr id="39" name="PlaceHolder 2"/>
+          <p:cNvSpPr>
+            <a:spLocks noGrp="1"/>
+          </p:cNvSpPr>
+          <p:nvPr>
+            <p:ph type="body"/>
+          </p:nvPr>
+        </p:nvSpPr>
+        <p:spPr>
+          <a:xfrm>
+            <a:off x="504000" y="1326600"/>
+            <a:ext cx="9072000" cy="3288600"/>
+          </a:xfrm>
+          <a:prstGeom prst="rect">
+            <a:avLst/>
+          </a:prstGeom>
+        </p:spPr>
+        <p:txBody>
+          <a:bodyPr lIns="0" rIns="0" tIns="0" bIns="0">
+            <a:normAutofit/>
+          </a:bodyPr>
+          <a:p>
+            <a:pPr marL="432000" indent="-324000">
+              <a:spcBef>
+                <a:spcPts val="1417"/>
+              </a:spcBef>
+              <a:buClr>
+                <a:srgbClr val="000000"/>
+              </a:buClr>
+              <a:buSzPct val="45000"/>
+              <a:buFont typeface="Wingdings" charset="2"/>
+              <a:buChar char=""/>
+            </a:pPr>
+            <a:r>
+              <a:rPr b="0" lang="nl-NL" sz="3200" spc="-1" strike="noStrike">
+                <a:latin typeface="Arial"/>
+              </a:rPr>
+              <a:t>Klik om de opmaak van de overzichtstekst te bewerken</a:t>
+            </a:r>
+            <a:endParaRPr b="0" lang="nl-NL" sz="3200" spc="-1" strike="noStrike">
+              <a:latin typeface="Arial"/>
+            </a:endParaRPr>
+          </a:p>
+          <a:p>
+            <a:pPr lvl="1" marL="864000" indent="-324000">
+              <a:spcBef>
+                <a:spcPts val="1134"/>
+              </a:spcBef>
+              <a:buClr>
+                <a:srgbClr val="000000"/>
+              </a:buClr>
+              <a:buSzPct val="75000"/>
+              <a:buFont typeface="Symbol" charset="2"/>
+              <a:buChar char=""/>
+            </a:pPr>
+            <a:r>
+              <a:rPr b="0" lang="nl-NL" sz="2800" spc="-1" strike="noStrike">
+                <a:latin typeface="Arial"/>
+              </a:rPr>
+              <a:t>Tweede overzichtsniveau</a:t>
+            </a:r>
+            <a:endParaRPr b="0" lang="nl-NL" sz="2800" spc="-1" strike="noStrike">
+              <a:latin typeface="Arial"/>
+            </a:endParaRPr>
+          </a:p>
+          <a:p>
+            <a:pPr lvl="2" marL="1296000" indent="-288000">
+              <a:spcBef>
+                <a:spcPts val="850"/>
+              </a:spcBef>
+              <a:buClr>
+                <a:srgbClr val="000000"/>
+              </a:buClr>
+              <a:buSzPct val="45000"/>
+              <a:buFont typeface="Wingdings" charset="2"/>
+              <a:buChar char=""/>
+            </a:pPr>
+            <a:r>
+              <a:rPr b="0" lang="nl-NL" sz="2400" spc="-1" strike="noStrike">
+                <a:latin typeface="Arial"/>
+              </a:rPr>
+              <a:t>Derde overzichtsniveau</a:t>
+            </a:r>
+            <a:endParaRPr b="0" lang="nl-NL" sz="2400" spc="-1" strike="noStrike">
+              <a:latin typeface="Arial"/>
+            </a:endParaRPr>
+          </a:p>
+          <a:p>
+            <a:pPr lvl="3" marL="1728000" indent="-216000">
+              <a:spcBef>
+                <a:spcPts val="567"/>
+              </a:spcBef>
+              <a:buClr>
+                <a:srgbClr val="000000"/>
+              </a:buClr>
+              <a:buSzPct val="75000"/>
+              <a:buFont typeface="Symbol" charset="2"/>
+              <a:buChar char=""/>
+            </a:pPr>
+            <a:r>
+              <a:rPr b="0" lang="nl-NL" sz="2000" spc="-1" strike="noStrike">
+                <a:latin typeface="Arial"/>
+              </a:rPr>
+              <a:t>Vierde overzichtsniveau</a:t>
+            </a:r>
+            <a:endParaRPr b="0" lang="nl-NL" sz="2000" spc="-1" strike="noStrike">
+              <a:latin typeface="Arial"/>
+            </a:endParaRPr>
+          </a:p>
+          <a:p>
+            <a:pPr lvl="4" marL="2160000" indent="-216000">
+              <a:spcBef>
+                <a:spcPts val="283"/>
+              </a:spcBef>
+              <a:buClr>
+                <a:srgbClr val="000000"/>
+              </a:buClr>
+              <a:buSzPct val="45000"/>
+              <a:buFont typeface="Wingdings" charset="2"/>
+              <a:buChar char=""/>
+            </a:pPr>
+            <a:r>
+              <a:rPr b="0" lang="nl-NL" sz="2000" spc="-1" strike="noStrike">
+                <a:latin typeface="Arial"/>
+              </a:rPr>
+              <a:t>Vijfde overzichtsniveau</a:t>
+            </a:r>
+            <a:endParaRPr b="0" lang="nl-NL" sz="2000" spc="-1" strike="noStrike">
+              <a:latin typeface="Arial"/>
+            </a:endParaRPr>
+          </a:p>
+          <a:p>
+            <a:pPr lvl="5" marL="2592000" indent="-216000">
+              <a:spcBef>
+                <a:spcPts val="283"/>
+              </a:spcBef>
+              <a:buClr>
+                <a:srgbClr val="000000"/>
+              </a:buClr>
+              <a:buSzPct val="45000"/>
+              <a:buFont typeface="Wingdings" charset="2"/>
+              <a:buChar char=""/>
+            </a:pPr>
+            <a:r>
+              <a:rPr b="0" lang="nl-NL" sz="2000" spc="-1" strike="noStrike">
+                <a:latin typeface="Arial"/>
+              </a:rPr>
+              <a:t>Zesde overzichtsniveau</a:t>
+            </a:r>
+            <a:endParaRPr b="0" lang="nl-NL" sz="2000" spc="-1" strike="noStrike">
+              <a:latin typeface="Arial"/>
+            </a:endParaRPr>
+          </a:p>
+          <a:p>
+            <a:pPr lvl="6" marL="3024000" indent="-216000">
+              <a:spcBef>
+                <a:spcPts val="283"/>
+              </a:spcBef>
+              <a:buClr>
+                <a:srgbClr val="000000"/>
+              </a:buClr>
+              <a:buSzPct val="45000"/>
+              <a:buFont typeface="Wingdings" charset="2"/>
+              <a:buChar char=""/>
+            </a:pPr>
+            <a:r>
+              <a:rPr b="0" lang="nl-NL" sz="2000" spc="-1" strike="noStrike">
+                <a:latin typeface="Arial"/>
+              </a:rPr>
+              <a:t>Zevende overzichtsniveau</a:t>
+            </a:r>
+            <a:endParaRPr b="0" lang="nl-NL" sz="2000" spc="-1" strike="noStrike">
+              <a:latin typeface="Arial"/>
+            </a:endParaRPr>
+          </a:p>
+        </p:txBody>
+      </p:sp>
+    </p:spTree>
+  </p:cSld>
+  <p:clrMap bg1="lt1" bg2="lt2" tx1="dk1" tx2="dk2" accent1="accent1" accent2="accent2" accent3="accent3" accent4="accent4" accent5="accent5" accent6="accent6" hlink="hlink" folHlink="folHlink"/>
+  <p:sldLayoutIdLst>
+    <p:sldLayoutId id="2147483662" r:id="rId2"/>
+    <p:sldLayoutId id="2147483663" r:id="rId3"/>
+    <p:sldLayoutId id="2147483664" r:id="rId4"/>
+    <p:sldLayoutId id="2147483665" r:id="rId5"/>
+    <p:sldLayoutId id="2147483666" r:id="rId6"/>
+    <p:sldLayoutId id="2147483667" r:id="rId7"/>
+    <p:sldLayoutId id="2147483668" r:id="rId8"/>
+    <p:sldLayoutId id="2147483669" r:id="rId9"/>
+    <p:sldLayoutId id="2147483670" r:id="rId10"/>
+    <p:sldLayoutId id="2147483671" r:id="rId11"/>
+    <p:sldLayoutId id="2147483672" r:id="rId12"/>
+    <p:sldLayoutId id="2147483673" r:id="rId13"/>
   </p:sldLayoutIdLst>
 </p:sldMaster>
 </file>
@@ -1773,14 +3272,14 @@
       </p:grpSpPr>
       <p:sp>
         <p:nvSpPr>
-          <p:cNvPr id="41" name="TextShape 1"/>
-          <p:cNvSpPr txBox="1"/>
+          <p:cNvPr id="76" name="CustomShape 1"/>
+          <p:cNvSpPr/>
           <p:nvPr/>
         </p:nvSpPr>
         <p:spPr>
           <a:xfrm>
-            <a:off x="504000" y="226080"/>
-            <a:ext cx="9071640" cy="946440"/>
+            <a:off x="504000" y="363600"/>
+            <a:ext cx="9071280" cy="671040"/>
           </a:xfrm>
           <a:prstGeom prst="rect">
             <a:avLst/>
@@ -1790,12 +3289,22 @@
             <a:noFill/>
           </a:ln>
         </p:spPr>
+        <p:style>
+          <a:lnRef idx="0"/>
+          <a:fillRef idx="0"/>
+          <a:effectRef idx="0"/>
+          <a:fontRef idx="minor"/>
+        </p:style>
         <p:txBody>
           <a:bodyPr lIns="0" rIns="0" tIns="0" bIns="0" anchor="ctr">
             <a:spAutoFit/>
           </a:bodyPr>
           <a:p>
-            <a:pPr algn="ctr"/>
+            <a:pPr algn="ctr">
+              <a:lnSpc>
+                <a:spcPct val="100000"/>
+              </a:lnSpc>
+            </a:pPr>
             <a:r>
               <a:rPr b="0" lang="nl-NL" sz="4400" spc="-1" strike="noStrike">
                 <a:latin typeface="Arial"/>
@@ -1810,14 +3319,14 @@
       </p:sp>
       <p:sp>
         <p:nvSpPr>
-          <p:cNvPr id="42" name="TextShape 2"/>
-          <p:cNvSpPr txBox="1"/>
+          <p:cNvPr id="77" name="CustomShape 2"/>
+          <p:cNvSpPr/>
           <p:nvPr/>
         </p:nvSpPr>
         <p:spPr>
           <a:xfrm>
-            <a:off x="504000" y="1326600"/>
-            <a:ext cx="9071640" cy="3288240"/>
+            <a:off x="504000" y="1507680"/>
+            <a:ext cx="9071280" cy="2925360"/>
           </a:xfrm>
           <a:prstGeom prst="rect">
             <a:avLst/>
@@ -1827,42 +3336,72 @@
             <a:noFill/>
           </a:ln>
         </p:spPr>
+        <p:style>
+          <a:lnRef idx="0"/>
+          <a:fillRef idx="0"/>
+          <a:effectRef idx="0"/>
+          <a:fontRef idx="minor"/>
+        </p:style>
         <p:txBody>
           <a:bodyPr lIns="0" rIns="0" tIns="0" bIns="0" anchor="ctr">
             <a:spAutoFit/>
           </a:bodyPr>
           <a:p>
-            <a:pPr algn="ctr"/>
-            <a:endParaRPr b="0" lang="nl-NL" sz="3200" spc="-1" strike="noStrike">
-              <a:latin typeface="Arial"/>
-            </a:endParaRPr>
-          </a:p>
-          <a:p>
-            <a:pPr algn="ctr"/>
-            <a:endParaRPr b="0" lang="nl-NL" sz="3200" spc="-1" strike="noStrike">
-              <a:latin typeface="Arial"/>
-            </a:endParaRPr>
-          </a:p>
-          <a:p>
-            <a:pPr algn="ctr"/>
-            <a:endParaRPr b="0" lang="nl-NL" sz="3200" spc="-1" strike="noStrike">
-              <a:latin typeface="Arial"/>
-            </a:endParaRPr>
-          </a:p>
-          <a:p>
-            <a:pPr algn="ctr"/>
-            <a:endParaRPr b="0" lang="nl-NL" sz="3200" spc="-1" strike="noStrike">
-              <a:latin typeface="Arial"/>
-            </a:endParaRPr>
-          </a:p>
-          <a:p>
-            <a:pPr algn="ctr"/>
-            <a:endParaRPr b="0" lang="nl-NL" sz="3200" spc="-1" strike="noStrike">
-              <a:latin typeface="Arial"/>
-            </a:endParaRPr>
-          </a:p>
-          <a:p>
-            <a:pPr algn="ctr"/>
+            <a:pPr algn="ctr">
+              <a:lnSpc>
+                <a:spcPct val="100000"/>
+              </a:lnSpc>
+            </a:pPr>
+            <a:endParaRPr b="0" lang="nl-NL" sz="1800" spc="-1" strike="noStrike">
+              <a:latin typeface="Arial"/>
+            </a:endParaRPr>
+          </a:p>
+          <a:p>
+            <a:pPr algn="ctr">
+              <a:lnSpc>
+                <a:spcPct val="100000"/>
+              </a:lnSpc>
+            </a:pPr>
+            <a:endParaRPr b="0" lang="nl-NL" sz="1800" spc="-1" strike="noStrike">
+              <a:latin typeface="Arial"/>
+            </a:endParaRPr>
+          </a:p>
+          <a:p>
+            <a:pPr algn="ctr">
+              <a:lnSpc>
+                <a:spcPct val="100000"/>
+              </a:lnSpc>
+            </a:pPr>
+            <a:endParaRPr b="0" lang="nl-NL" sz="1800" spc="-1" strike="noStrike">
+              <a:latin typeface="Arial"/>
+            </a:endParaRPr>
+          </a:p>
+          <a:p>
+            <a:pPr algn="ctr">
+              <a:lnSpc>
+                <a:spcPct val="100000"/>
+              </a:lnSpc>
+            </a:pPr>
+            <a:endParaRPr b="0" lang="nl-NL" sz="1800" spc="-1" strike="noStrike">
+              <a:latin typeface="Arial"/>
+            </a:endParaRPr>
+          </a:p>
+          <a:p>
+            <a:pPr algn="ctr">
+              <a:lnSpc>
+                <a:spcPct val="100000"/>
+              </a:lnSpc>
+            </a:pPr>
+            <a:endParaRPr b="0" lang="nl-NL" sz="1800" spc="-1" strike="noStrike">
+              <a:latin typeface="Arial"/>
+            </a:endParaRPr>
+          </a:p>
+          <a:p>
+            <a:pPr algn="ctr">
+              <a:lnSpc>
+                <a:spcPct val="100000"/>
+              </a:lnSpc>
+            </a:pPr>
             <a:r>
               <a:rPr b="0" lang="nl-NL" sz="3200" spc="-1" strike="noStrike">
                 <a:latin typeface="Arial"/>
@@ -1877,7 +3416,7 @@
       </p:sp>
       <p:pic>
         <p:nvPicPr>
-          <p:cNvPr id="43" name="" descr=""/>
+          <p:cNvPr id="78" name="" descr=""/>
           <p:cNvPicPr/>
           <p:nvPr/>
         </p:nvPicPr>
@@ -1888,7 +3427,7 @@
         <p:spPr>
           <a:xfrm>
             <a:off x="1098360" y="1449720"/>
-            <a:ext cx="2501640" cy="2006280"/>
+            <a:ext cx="2501280" cy="2005920"/>
           </a:xfrm>
           <a:prstGeom prst="rect">
             <a:avLst/>
@@ -1900,7 +3439,7 @@
       </p:pic>
       <p:pic>
         <p:nvPicPr>
-          <p:cNvPr id="44" name="" descr=""/>
+          <p:cNvPr id="79" name="" descr=""/>
           <p:cNvPicPr/>
           <p:nvPr/>
         </p:nvPicPr>
@@ -1911,7 +3450,7 @@
         <p:spPr>
           <a:xfrm>
             <a:off x="6840000" y="1384200"/>
-            <a:ext cx="2412720" cy="1999800"/>
+            <a:ext cx="2412360" cy="1999440"/>
           </a:xfrm>
           <a:prstGeom prst="rect">
             <a:avLst/>
@@ -1923,7 +3462,7 @@
       </p:pic>
       <p:pic>
         <p:nvPicPr>
-          <p:cNvPr id="45" name="" descr=""/>
+          <p:cNvPr id="80" name="" descr=""/>
           <p:cNvPicPr/>
           <p:nvPr/>
         </p:nvPicPr>
@@ -1934,7 +3473,7 @@
         <p:spPr>
           <a:xfrm>
             <a:off x="4341240" y="1512000"/>
-            <a:ext cx="1418760" cy="1777320"/>
+            <a:ext cx="1418400" cy="1776960"/>
           </a:xfrm>
           <a:prstGeom prst="rect">
             <a:avLst/>
@@ -1946,7 +3485,7 @@
       </p:pic>
       <p:pic>
         <p:nvPicPr>
-          <p:cNvPr id="46" name="" descr=""/>
+          <p:cNvPr id="81" name="" descr=""/>
           <p:cNvPicPr/>
           <p:nvPr/>
         </p:nvPicPr>
@@ -1957,7 +3496,7 @@
         <p:spPr>
           <a:xfrm>
             <a:off x="3671640" y="4654800"/>
-            <a:ext cx="2432160" cy="810720"/>
+            <a:ext cx="2431800" cy="810360"/>
           </a:xfrm>
           <a:prstGeom prst="rect">
             <a:avLst/>
@@ -1999,14 +3538,14 @@
       </p:grpSpPr>
       <p:sp>
         <p:nvSpPr>
-          <p:cNvPr id="78" name="CustomShape 1"/>
+          <p:cNvPr id="113" name="CustomShape 1"/>
           <p:cNvSpPr/>
           <p:nvPr/>
         </p:nvSpPr>
         <p:spPr>
           <a:xfrm>
             <a:off x="503640" y="363240"/>
-            <a:ext cx="9065160" cy="665640"/>
+            <a:ext cx="9064800" cy="665280"/>
           </a:xfrm>
           <a:prstGeom prst="rect">
             <a:avLst/>
@@ -2050,14 +3589,14 @@
       </p:sp>
       <p:sp>
         <p:nvSpPr>
-          <p:cNvPr id="79" name="CustomShape 2"/>
+          <p:cNvPr id="114" name="CustomShape 2"/>
           <p:cNvSpPr/>
           <p:nvPr/>
         </p:nvSpPr>
         <p:spPr>
           <a:xfrm>
             <a:off x="503640" y="1326240"/>
-            <a:ext cx="9065160" cy="3282120"/>
+            <a:ext cx="9064800" cy="3281760"/>
           </a:xfrm>
           <a:prstGeom prst="rect">
             <a:avLst/>
@@ -2130,7 +3669,7 @@
             </a:endParaRPr>
           </a:p>
           <a:p>
-            <a:pPr marL="432000" indent="-318240">
+            <a:pPr marL="432000" indent="-317880">
               <a:lnSpc>
                 <a:spcPct val="100000"/>
               </a:lnSpc>
@@ -2201,14 +3740,14 @@
       </p:sp>
       <p:sp>
         <p:nvSpPr>
-          <p:cNvPr id="80" name="CustomShape 3"/>
+          <p:cNvPr id="115" name="CustomShape 3"/>
           <p:cNvSpPr/>
           <p:nvPr/>
         </p:nvSpPr>
         <p:spPr>
           <a:xfrm>
             <a:off x="1871640" y="1152000"/>
-            <a:ext cx="6547320" cy="1304640"/>
+            <a:ext cx="6546960" cy="1304280"/>
           </a:xfrm>
           <a:prstGeom prst="rect">
             <a:avLst/>
@@ -2252,14 +3791,14 @@
       </p:sp>
       <p:sp>
         <p:nvSpPr>
-          <p:cNvPr id="81" name="CustomShape 4"/>
+          <p:cNvPr id="116" name="CustomShape 4"/>
           <p:cNvSpPr/>
           <p:nvPr/>
         </p:nvSpPr>
         <p:spPr>
           <a:xfrm>
             <a:off x="863640" y="2197440"/>
-            <a:ext cx="8708760" cy="1184760"/>
+            <a:ext cx="8708400" cy="1184400"/>
           </a:xfrm>
           <a:prstGeom prst="rect">
             <a:avLst/>
@@ -2353,7 +3892,7 @@
       </p:sp>
       <p:pic>
         <p:nvPicPr>
-          <p:cNvPr id="82" name="" descr=""/>
+          <p:cNvPr id="117" name="" descr=""/>
           <p:cNvPicPr/>
           <p:nvPr/>
         </p:nvPicPr>
@@ -2364,7 +3903,7 @@
         <p:spPr>
           <a:xfrm>
             <a:off x="7558200" y="3625560"/>
-            <a:ext cx="2374560" cy="1770840"/>
+            <a:ext cx="2374200" cy="1770480"/>
           </a:xfrm>
           <a:prstGeom prst="rect">
             <a:avLst/>
@@ -2406,14 +3945,14 @@
       </p:grpSpPr>
       <p:sp>
         <p:nvSpPr>
-          <p:cNvPr id="83" name="CustomShape 1"/>
+          <p:cNvPr id="118" name="CustomShape 1"/>
           <p:cNvSpPr/>
           <p:nvPr/>
         </p:nvSpPr>
         <p:spPr>
           <a:xfrm>
             <a:off x="503640" y="363600"/>
-            <a:ext cx="9065160" cy="665640"/>
+            <a:ext cx="9064800" cy="665280"/>
           </a:xfrm>
           <a:prstGeom prst="rect">
             <a:avLst/>
@@ -2457,14 +3996,14 @@
       </p:sp>
       <p:sp>
         <p:nvSpPr>
-          <p:cNvPr id="84" name="CustomShape 2"/>
+          <p:cNvPr id="119" name="CustomShape 2"/>
           <p:cNvSpPr/>
           <p:nvPr/>
         </p:nvSpPr>
         <p:spPr>
           <a:xfrm>
             <a:off x="1007640" y="1367640"/>
-            <a:ext cx="7557120" cy="910440"/>
+            <a:ext cx="7556760" cy="910080"/>
           </a:xfrm>
           <a:prstGeom prst="rect">
             <a:avLst/>
@@ -2558,7 +4097,7 @@
       </p:sp>
       <p:pic>
         <p:nvPicPr>
-          <p:cNvPr id="85" name="" descr=""/>
+          <p:cNvPr id="120" name="" descr=""/>
           <p:cNvPicPr/>
           <p:nvPr/>
         </p:nvPicPr>
@@ -2569,7 +4108,7 @@
         <p:spPr>
           <a:xfrm>
             <a:off x="1050840" y="3153600"/>
-            <a:ext cx="1394280" cy="1450800"/>
+            <a:ext cx="1393920" cy="1450440"/>
           </a:xfrm>
           <a:prstGeom prst="rect">
             <a:avLst/>
@@ -2581,7 +4120,7 @@
       </p:pic>
       <p:pic>
         <p:nvPicPr>
-          <p:cNvPr id="86" name="" descr=""/>
+          <p:cNvPr id="121" name="" descr=""/>
           <p:cNvPicPr/>
           <p:nvPr/>
         </p:nvPicPr>
@@ -2592,7 +4131,7 @@
         <p:spPr>
           <a:xfrm>
             <a:off x="6767280" y="3527280"/>
-            <a:ext cx="1581480" cy="1742400"/>
+            <a:ext cx="1581120" cy="1742040"/>
           </a:xfrm>
           <a:prstGeom prst="rect">
             <a:avLst/>
@@ -2604,14 +4143,14 @@
       </p:pic>
       <p:sp>
         <p:nvSpPr>
-          <p:cNvPr id="87" name="CustomShape 3"/>
+          <p:cNvPr id="122" name="CustomShape 3"/>
           <p:cNvSpPr/>
           <p:nvPr/>
         </p:nvSpPr>
         <p:spPr>
           <a:xfrm>
             <a:off x="6407280" y="2677320"/>
-            <a:ext cx="3021120" cy="361800"/>
+            <a:ext cx="3020760" cy="361440"/>
           </a:xfrm>
           <a:prstGeom prst="rect">
             <a:avLst/>
@@ -2655,14 +4194,14 @@
       </p:sp>
       <p:sp>
         <p:nvSpPr>
-          <p:cNvPr id="88" name="CustomShape 4"/>
+          <p:cNvPr id="123" name="CustomShape 4"/>
           <p:cNvSpPr/>
           <p:nvPr/>
         </p:nvSpPr>
         <p:spPr>
           <a:xfrm>
             <a:off x="935640" y="2663640"/>
-            <a:ext cx="2671200" cy="636120"/>
+            <a:ext cx="2670840" cy="635760"/>
           </a:xfrm>
           <a:prstGeom prst="rect">
             <a:avLst/>
@@ -2726,7 +4265,7 @@
       </p:sp>
       <p:pic>
         <p:nvPicPr>
-          <p:cNvPr id="89" name="" descr=""/>
+          <p:cNvPr id="124" name="" descr=""/>
           <p:cNvPicPr/>
           <p:nvPr/>
         </p:nvPicPr>
@@ -2737,7 +4276,7 @@
         <p:spPr>
           <a:xfrm>
             <a:off x="2375640" y="4028040"/>
-            <a:ext cx="1533600" cy="1368720"/>
+            <a:ext cx="1533240" cy="1368360"/>
           </a:xfrm>
           <a:prstGeom prst="rect">
             <a:avLst/>
@@ -2749,14 +4288,14 @@
       </p:pic>
       <p:sp>
         <p:nvSpPr>
-          <p:cNvPr id="90" name="CustomShape 5"/>
+          <p:cNvPr id="125" name="CustomShape 5"/>
           <p:cNvSpPr/>
           <p:nvPr/>
         </p:nvSpPr>
         <p:spPr>
           <a:xfrm>
             <a:off x="2365560" y="3681360"/>
-            <a:ext cx="3031200" cy="361800"/>
+            <a:ext cx="3030840" cy="361440"/>
           </a:xfrm>
           <a:prstGeom prst="rect">
             <a:avLst/>
@@ -2830,14 +4369,14 @@
       </p:grpSpPr>
       <p:sp>
         <p:nvSpPr>
-          <p:cNvPr id="91" name="CustomShape 1"/>
+          <p:cNvPr id="126" name="CustomShape 1"/>
           <p:cNvSpPr/>
           <p:nvPr/>
         </p:nvSpPr>
         <p:spPr>
           <a:xfrm>
             <a:off x="503640" y="363600"/>
-            <a:ext cx="9065160" cy="665640"/>
+            <a:ext cx="9064800" cy="665280"/>
           </a:xfrm>
           <a:prstGeom prst="rect">
             <a:avLst/>
@@ -2881,7 +4420,7 @@
       </p:sp>
       <p:pic>
         <p:nvPicPr>
-          <p:cNvPr id="92" name="" descr=""/>
+          <p:cNvPr id="127" name="" descr=""/>
           <p:cNvPicPr/>
           <p:nvPr/>
         </p:nvPicPr>
@@ -2892,7 +4431,7 @@
         <p:spPr>
           <a:xfrm>
             <a:off x="937800" y="1772280"/>
-            <a:ext cx="4530960" cy="974880"/>
+            <a:ext cx="4530600" cy="974520"/>
           </a:xfrm>
           <a:prstGeom prst="rect">
             <a:avLst/>
@@ -2904,14 +4443,14 @@
       </p:pic>
       <p:sp>
         <p:nvSpPr>
-          <p:cNvPr id="93" name="CustomShape 2"/>
+          <p:cNvPr id="128" name="CustomShape 2"/>
           <p:cNvSpPr/>
           <p:nvPr/>
         </p:nvSpPr>
         <p:spPr>
           <a:xfrm>
             <a:off x="863640" y="1367640"/>
-            <a:ext cx="4677120" cy="361800"/>
+            <a:ext cx="4676760" cy="361440"/>
           </a:xfrm>
           <a:prstGeom prst="rect">
             <a:avLst/>
@@ -2955,7 +4494,7 @@
       </p:sp>
       <p:pic>
         <p:nvPicPr>
-          <p:cNvPr id="94" name="" descr=""/>
+          <p:cNvPr id="129" name="" descr=""/>
           <p:cNvPicPr/>
           <p:nvPr/>
         </p:nvPicPr>
@@ -2966,7 +4505,7 @@
         <p:spPr>
           <a:xfrm>
             <a:off x="1007640" y="3383280"/>
-            <a:ext cx="2668320" cy="2085480"/>
+            <a:ext cx="2667960" cy="2085120"/>
           </a:xfrm>
           <a:prstGeom prst="rect">
             <a:avLst/>
@@ -2978,14 +4517,14 @@
       </p:pic>
       <p:sp>
         <p:nvSpPr>
-          <p:cNvPr id="95" name="CustomShape 3"/>
+          <p:cNvPr id="130" name="CustomShape 3"/>
           <p:cNvSpPr/>
           <p:nvPr/>
         </p:nvSpPr>
         <p:spPr>
           <a:xfrm>
             <a:off x="863640" y="2987280"/>
-            <a:ext cx="4677120" cy="361800"/>
+            <a:ext cx="4676760" cy="361440"/>
           </a:xfrm>
           <a:prstGeom prst="rect">
             <a:avLst/>
@@ -3059,14 +4598,14 @@
       </p:grpSpPr>
       <p:sp>
         <p:nvSpPr>
-          <p:cNvPr id="96" name="CustomShape 1"/>
+          <p:cNvPr id="131" name="CustomShape 1"/>
           <p:cNvSpPr/>
           <p:nvPr/>
         </p:nvSpPr>
         <p:spPr>
           <a:xfrm>
             <a:off x="503640" y="363960"/>
-            <a:ext cx="9065160" cy="665640"/>
+            <a:ext cx="9064800" cy="665280"/>
           </a:xfrm>
           <a:prstGeom prst="rect">
             <a:avLst/>
@@ -3110,7 +4649,7 @@
       </p:sp>
       <p:pic>
         <p:nvPicPr>
-          <p:cNvPr id="97" name="" descr=""/>
+          <p:cNvPr id="132" name="" descr=""/>
           <p:cNvPicPr/>
           <p:nvPr/>
         </p:nvPicPr>
@@ -3121,7 +4660,7 @@
         <p:spPr>
           <a:xfrm>
             <a:off x="667440" y="1626480"/>
-            <a:ext cx="1777680" cy="1970280"/>
+            <a:ext cx="1777320" cy="1969920"/>
           </a:xfrm>
           <a:prstGeom prst="rect">
             <a:avLst/>
@@ -3133,14 +4672,14 @@
       </p:pic>
       <p:sp>
         <p:nvSpPr>
-          <p:cNvPr id="98" name="CustomShape 2"/>
+          <p:cNvPr id="133" name="CustomShape 2"/>
           <p:cNvSpPr/>
           <p:nvPr/>
         </p:nvSpPr>
         <p:spPr>
           <a:xfrm>
             <a:off x="611640" y="1237320"/>
-            <a:ext cx="2769120" cy="361800"/>
+            <a:ext cx="2768760" cy="361440"/>
           </a:xfrm>
           <a:prstGeom prst="rect">
             <a:avLst/>
@@ -3184,7 +4723,7 @@
       </p:sp>
       <p:pic>
         <p:nvPicPr>
-          <p:cNvPr id="99" name="" descr=""/>
+          <p:cNvPr id="134" name="" descr=""/>
           <p:cNvPicPr/>
           <p:nvPr/>
         </p:nvPicPr>
@@ -3195,7 +4734,7 @@
         <p:spPr>
           <a:xfrm>
             <a:off x="3131640" y="1727640"/>
-            <a:ext cx="2295720" cy="3705120"/>
+            <a:ext cx="2295360" cy="3704760"/>
           </a:xfrm>
           <a:prstGeom prst="rect">
             <a:avLst/>
@@ -3207,14 +4746,14 @@
       </p:pic>
       <p:sp>
         <p:nvSpPr>
-          <p:cNvPr id="100" name="CustomShape 3"/>
+          <p:cNvPr id="135" name="CustomShape 3"/>
           <p:cNvSpPr/>
           <p:nvPr/>
         </p:nvSpPr>
         <p:spPr>
           <a:xfrm>
             <a:off x="3023640" y="1327680"/>
-            <a:ext cx="3993120" cy="362520"/>
+            <a:ext cx="3992760" cy="362160"/>
           </a:xfrm>
           <a:prstGeom prst="rect">
             <a:avLst/>
@@ -3258,7 +4797,7 @@
       </p:sp>
       <p:pic>
         <p:nvPicPr>
-          <p:cNvPr id="101" name="" descr=""/>
+          <p:cNvPr id="136" name="" descr=""/>
           <p:cNvPicPr/>
           <p:nvPr/>
         </p:nvPicPr>
@@ -3269,7 +4808,7 @@
         <p:spPr>
           <a:xfrm>
             <a:off x="6423480" y="1868400"/>
-            <a:ext cx="3508920" cy="1224720"/>
+            <a:ext cx="3508560" cy="1224360"/>
           </a:xfrm>
           <a:prstGeom prst="rect">
             <a:avLst/>
@@ -3281,14 +4820,14 @@
       </p:pic>
       <p:sp>
         <p:nvSpPr>
-          <p:cNvPr id="102" name="CustomShape 4"/>
+          <p:cNvPr id="137" name="CustomShape 4"/>
           <p:cNvSpPr/>
           <p:nvPr/>
         </p:nvSpPr>
         <p:spPr>
           <a:xfrm>
             <a:off x="6479280" y="1328040"/>
-            <a:ext cx="2373480" cy="362520"/>
+            <a:ext cx="2373120" cy="362160"/>
           </a:xfrm>
           <a:prstGeom prst="rect">
             <a:avLst/>
@@ -3332,14 +4871,14 @@
       </p:sp>
       <p:sp>
         <p:nvSpPr>
-          <p:cNvPr id="103" name="CustomShape 5"/>
+          <p:cNvPr id="138" name="CustomShape 5"/>
           <p:cNvSpPr/>
           <p:nvPr/>
         </p:nvSpPr>
         <p:spPr>
           <a:xfrm>
             <a:off x="6335280" y="3815280"/>
-            <a:ext cx="2661480" cy="1005840"/>
+            <a:ext cx="2661120" cy="1005480"/>
           </a:xfrm>
           <a:prstGeom prst="rect">
             <a:avLst/>
@@ -3417,14 +4956,14 @@
       </p:grpSpPr>
       <p:sp>
         <p:nvSpPr>
-          <p:cNvPr id="104" name="TextShape 1"/>
-          <p:cNvSpPr txBox="1"/>
+          <p:cNvPr id="139" name="CustomShape 1"/>
+          <p:cNvSpPr/>
           <p:nvPr/>
         </p:nvSpPr>
         <p:spPr>
           <a:xfrm>
             <a:off x="576000" y="325800"/>
-            <a:ext cx="9576000" cy="542880"/>
+            <a:ext cx="9575640" cy="577080"/>
           </a:xfrm>
           <a:prstGeom prst="rect">
             <a:avLst/>
@@ -3434,11 +4973,22 @@
             <a:noFill/>
           </a:ln>
         </p:spPr>
+        <p:style>
+          <a:lnRef idx="0"/>
+          <a:fillRef idx="0"/>
+          <a:effectRef idx="0"/>
+          <a:fontRef idx="minor"/>
+        </p:style>
         <p:txBody>
           <a:bodyPr lIns="90000" rIns="90000" tIns="45000" bIns="45000">
             <a:spAutoFit/>
           </a:bodyPr>
           <a:p>
+            <a:pPr>
+              <a:lnSpc>
+                <a:spcPct val="100000"/>
+              </a:lnSpc>
+            </a:pPr>
             <a:r>
               <a:rPr b="0" lang="nl-NL" sz="3200" spc="-1" strike="noStrike">
                 <a:latin typeface="Arial"/>
@@ -3453,14 +5003,14 @@
       </p:sp>
       <p:sp>
         <p:nvSpPr>
-          <p:cNvPr id="105" name="TextShape 2"/>
-          <p:cNvSpPr txBox="1"/>
+          <p:cNvPr id="140" name="CustomShape 2"/>
+          <p:cNvSpPr/>
           <p:nvPr/>
         </p:nvSpPr>
         <p:spPr>
           <a:xfrm>
             <a:off x="432000" y="4109760"/>
-            <a:ext cx="8496000" cy="1114200"/>
+            <a:ext cx="8495640" cy="913320"/>
           </a:xfrm>
           <a:prstGeom prst="rect">
             <a:avLst/>
@@ -3470,16 +5020,32 @@
             <a:noFill/>
           </a:ln>
         </p:spPr>
+        <p:style>
+          <a:lnRef idx="0"/>
+          <a:fillRef idx="0"/>
+          <a:effectRef idx="0"/>
+          <a:fontRef idx="minor"/>
+        </p:style>
         <p:txBody>
           <a:bodyPr lIns="90000" rIns="90000" tIns="45000" bIns="45000">
             <a:spAutoFit/>
           </a:bodyPr>
           <a:p>
+            <a:pPr>
+              <a:lnSpc>
+                <a:spcPct val="100000"/>
+              </a:lnSpc>
+            </a:pPr>
             <a:endParaRPr b="0" lang="nl-NL" sz="1800" spc="-1" strike="noStrike">
               <a:latin typeface="Arial"/>
             </a:endParaRPr>
           </a:p>
           <a:p>
+            <a:pPr>
+              <a:lnSpc>
+                <a:spcPct val="100000"/>
+              </a:lnSpc>
+            </a:pPr>
             <a:r>
               <a:rPr b="0" lang="nl-NL" sz="1800" spc="-1" strike="noStrike">
                 <a:latin typeface="Arial"/>
@@ -3491,6 +5057,11 @@
             </a:endParaRPr>
           </a:p>
           <a:p>
+            <a:pPr>
+              <a:lnSpc>
+                <a:spcPct val="100000"/>
+              </a:lnSpc>
+            </a:pPr>
             <a:r>
               <a:rPr b="0" lang="nl-NL" sz="1800" spc="-1" strike="noStrike">
                 <a:latin typeface="Arial"/>
@@ -3511,14 +5082,14 @@
       </p:sp>
       <p:sp>
         <p:nvSpPr>
-          <p:cNvPr id="106" name="TextShape 3"/>
-          <p:cNvSpPr txBox="1"/>
+          <p:cNvPr id="141" name="CustomShape 3"/>
+          <p:cNvSpPr/>
           <p:nvPr/>
         </p:nvSpPr>
         <p:spPr>
           <a:xfrm>
             <a:off x="432000" y="933840"/>
-            <a:ext cx="7992000" cy="1370160"/>
+            <a:ext cx="7991640" cy="1461240"/>
           </a:xfrm>
           <a:prstGeom prst="rect">
             <a:avLst/>
@@ -3528,11 +5099,22 @@
             <a:noFill/>
           </a:ln>
         </p:spPr>
+        <p:style>
+          <a:lnRef idx="0"/>
+          <a:fillRef idx="0"/>
+          <a:effectRef idx="0"/>
+          <a:fontRef idx="minor"/>
+        </p:style>
         <p:txBody>
           <a:bodyPr lIns="90000" rIns="90000" tIns="45000" bIns="45000">
             <a:spAutoFit/>
           </a:bodyPr>
           <a:p>
+            <a:pPr>
+              <a:lnSpc>
+                <a:spcPct val="100000"/>
+              </a:lnSpc>
+            </a:pPr>
             <a:r>
               <a:rPr b="0" lang="nl-NL" sz="1800" spc="-1" strike="noStrike">
                 <a:latin typeface="Arial"/>
@@ -3550,11 +5132,21 @@
             </a:endParaRPr>
           </a:p>
           <a:p>
+            <a:pPr>
+              <a:lnSpc>
+                <a:spcPct val="100000"/>
+              </a:lnSpc>
+            </a:pPr>
             <a:endParaRPr b="0" lang="nl-NL" sz="1800" spc="-1" strike="noStrike">
               <a:latin typeface="Arial"/>
             </a:endParaRPr>
           </a:p>
           <a:p>
+            <a:pPr>
+              <a:lnSpc>
+                <a:spcPct val="100000"/>
+              </a:lnSpc>
+            </a:pPr>
             <a:r>
               <a:rPr b="0" lang="nl-NL" sz="1800" spc="-1" strike="noStrike">
                 <a:latin typeface="Arial"/>
@@ -3578,6 +5170,11 @@
             </a:endParaRPr>
           </a:p>
           <a:p>
+            <a:pPr>
+              <a:lnSpc>
+                <a:spcPct val="100000"/>
+              </a:lnSpc>
+            </a:pPr>
             <a:r>
               <a:rPr b="0" i="1" lang="nl-NL" sz="1800" spc="-1" strike="noStrike">
                 <a:latin typeface="Arial"/>
@@ -3595,6 +5192,11 @@
             </a:endParaRPr>
           </a:p>
           <a:p>
+            <a:pPr>
+              <a:lnSpc>
+                <a:spcPct val="100000"/>
+              </a:lnSpc>
+            </a:pPr>
             <a:endParaRPr b="0" lang="nl-NL" sz="1800" spc="-1" strike="noStrike">
               <a:latin typeface="Arial"/>
             </a:endParaRPr>
@@ -3603,7 +5205,7 @@
       </p:sp>
       <p:pic>
         <p:nvPicPr>
-          <p:cNvPr id="107" name="" descr=""/>
+          <p:cNvPr id="142" name="" descr=""/>
           <p:cNvPicPr/>
           <p:nvPr/>
         </p:nvPicPr>
@@ -3614,7 +5216,7 @@
         <p:spPr>
           <a:xfrm>
             <a:off x="2304000" y="2304000"/>
-            <a:ext cx="3725280" cy="1704600"/>
+            <a:ext cx="3724920" cy="1704240"/>
           </a:xfrm>
           <a:prstGeom prst="rect">
             <a:avLst/>
@@ -3626,7 +5228,7 @@
       </p:pic>
       <p:pic>
         <p:nvPicPr>
-          <p:cNvPr id="108" name="" descr=""/>
+          <p:cNvPr id="143" name="" descr=""/>
           <p:cNvPicPr/>
           <p:nvPr/>
         </p:nvPicPr>
@@ -3637,7 +5239,7 @@
         <p:spPr>
           <a:xfrm>
             <a:off x="720000" y="4896000"/>
-            <a:ext cx="1228680" cy="648720"/>
+            <a:ext cx="1228320" cy="648360"/>
           </a:xfrm>
           <a:prstGeom prst="rect">
             <a:avLst/>
@@ -3679,14 +5281,14 @@
       </p:grpSpPr>
       <p:sp>
         <p:nvSpPr>
-          <p:cNvPr id="109" name="CustomShape 1"/>
+          <p:cNvPr id="144" name="CustomShape 1"/>
           <p:cNvSpPr/>
           <p:nvPr/>
         </p:nvSpPr>
         <p:spPr>
           <a:xfrm>
             <a:off x="503640" y="365400"/>
-            <a:ext cx="9065160" cy="665640"/>
+            <a:ext cx="9064800" cy="665280"/>
           </a:xfrm>
           <a:prstGeom prst="rect">
             <a:avLst/>
@@ -3730,7 +5332,7 @@
       </p:sp>
       <p:pic>
         <p:nvPicPr>
-          <p:cNvPr id="110" name="" descr=""/>
+          <p:cNvPr id="145" name="" descr=""/>
           <p:cNvPicPr/>
           <p:nvPr/>
         </p:nvPicPr>
@@ -3741,7 +5343,7 @@
         <p:spPr>
           <a:xfrm>
             <a:off x="576000" y="1728000"/>
-            <a:ext cx="4032000" cy="3321720"/>
+            <a:ext cx="4031640" cy="3321360"/>
           </a:xfrm>
           <a:prstGeom prst="rect">
             <a:avLst/>
@@ -3753,7 +5355,7 @@
       </p:pic>
       <p:graphicFrame>
         <p:nvGraphicFramePr>
-          <p:cNvPr id="111" name="Table 2"/>
+          <p:cNvPr id="146" name="Table 2"/>
           <p:cNvGraphicFramePr/>
           <p:nvPr/>
         </p:nvGraphicFramePr>
@@ -3775,10 +5377,15 @@
               <a:tr h="368280">
                 <a:tc>
                   <a:txBody>
-                    <a:bodyPr lIns="90000" rIns="90000" tIns="46800" bIns="46800">
+                    <a:bodyPr lIns="90000" rIns="90000">
                       <a:noAutofit/>
                     </a:bodyPr>
                     <a:p>
+                      <a:pPr>
+                        <a:lnSpc>
+                          <a:spcPct val="100000"/>
+                        </a:lnSpc>
+                      </a:pPr>
                       <a:r>
                         <a:rPr b="0" lang="nl-NL" sz="1800" spc="-1" strike="noStrike">
                           <a:latin typeface="Arial"/>
@@ -3818,10 +5425,15 @@
                 </a:tc>
                 <a:tc>
                   <a:txBody>
-                    <a:bodyPr lIns="90000" rIns="90000" tIns="46800" bIns="46800">
+                    <a:bodyPr lIns="90000" rIns="90000">
                       <a:noAutofit/>
                     </a:bodyPr>
                     <a:p>
+                      <a:pPr>
+                        <a:lnSpc>
+                          <a:spcPct val="100000"/>
+                        </a:lnSpc>
+                      </a:pPr>
                       <a:r>
                         <a:rPr b="0" lang="nl-NL" sz="1800" spc="-1" strike="noStrike">
                           <a:latin typeface="Arial"/>
@@ -3861,10 +5473,15 @@
                 </a:tc>
                 <a:tc>
                   <a:txBody>
-                    <a:bodyPr lIns="90000" rIns="90000" tIns="46800" bIns="46800">
+                    <a:bodyPr lIns="90000" rIns="90000">
                       <a:noAutofit/>
                     </a:bodyPr>
                     <a:p>
+                      <a:pPr>
+                        <a:lnSpc>
+                          <a:spcPct val="100000"/>
+                        </a:lnSpc>
+                      </a:pPr>
                       <a:r>
                         <a:rPr b="0" lang="nl-NL" sz="1800" spc="-1" strike="noStrike">
                           <a:latin typeface="Arial"/>
@@ -3904,10 +5521,15 @@
                 </a:tc>
                 <a:tc>
                   <a:txBody>
-                    <a:bodyPr lIns="90000" rIns="90000" tIns="46800" bIns="46800">
+                    <a:bodyPr lIns="90000" rIns="90000">
                       <a:noAutofit/>
                     </a:bodyPr>
                     <a:p>
+                      <a:pPr>
+                        <a:lnSpc>
+                          <a:spcPct val="100000"/>
+                        </a:lnSpc>
+                      </a:pPr>
                       <a:r>
                         <a:rPr b="0" lang="nl-NL" sz="1800" spc="-1" strike="noStrike">
                           <a:latin typeface="Arial"/>
@@ -3947,10 +5569,15 @@
                 </a:tc>
                 <a:tc>
                   <a:txBody>
-                    <a:bodyPr lIns="90000" rIns="90000" tIns="46800" bIns="46800">
+                    <a:bodyPr lIns="90000" rIns="90000">
                       <a:noAutofit/>
                     </a:bodyPr>
                     <a:p>
+                      <a:pPr>
+                        <a:lnSpc>
+                          <a:spcPct val="100000"/>
+                        </a:lnSpc>
+                      </a:pPr>
                       <a:r>
                         <a:rPr b="0" lang="nl-NL" sz="1800" spc="-1" strike="noStrike">
                           <a:latin typeface="Arial"/>
@@ -3992,10 +5619,15 @@
               <a:tr h="368280">
                 <a:tc>
                   <a:txBody>
-                    <a:bodyPr lIns="90000" rIns="90000" tIns="46800" bIns="46800">
+                    <a:bodyPr lIns="90000" rIns="90000">
                       <a:noAutofit/>
                     </a:bodyPr>
                     <a:p>
+                      <a:pPr>
+                        <a:lnSpc>
+                          <a:spcPct val="100000"/>
+                        </a:lnSpc>
+                      </a:pPr>
                       <a:r>
                         <a:rPr b="0" lang="nl-NL" sz="1800" spc="-1" strike="noStrike">
                           <a:latin typeface="Arial"/>
@@ -4035,10 +5667,15 @@
                 </a:tc>
                 <a:tc>
                   <a:txBody>
-                    <a:bodyPr lIns="90000" rIns="90000" tIns="46800" bIns="46800">
+                    <a:bodyPr lIns="90000" rIns="90000">
                       <a:noAutofit/>
                     </a:bodyPr>
                     <a:p>
+                      <a:pPr>
+                        <a:lnSpc>
+                          <a:spcPct val="100000"/>
+                        </a:lnSpc>
+                      </a:pPr>
                       <a:r>
                         <a:rPr b="0" lang="nl-NL" sz="1800" spc="-1" strike="noStrike">
                           <a:latin typeface="Arial"/>
@@ -4078,10 +5715,15 @@
                 </a:tc>
                 <a:tc>
                   <a:txBody>
-                    <a:bodyPr lIns="90000" rIns="90000" tIns="46800" bIns="46800">
+                    <a:bodyPr lIns="90000" rIns="90000">
                       <a:noAutofit/>
                     </a:bodyPr>
                     <a:p>
+                      <a:pPr>
+                        <a:lnSpc>
+                          <a:spcPct val="100000"/>
+                        </a:lnSpc>
+                      </a:pPr>
                       <a:r>
                         <a:rPr b="0" lang="nl-NL" sz="1800" spc="-1" strike="noStrike">
                           <a:latin typeface="Arial"/>
@@ -4121,10 +5763,15 @@
                 </a:tc>
                 <a:tc>
                   <a:txBody>
-                    <a:bodyPr lIns="90000" rIns="90000" tIns="46800" bIns="46800">
+                    <a:bodyPr lIns="90000" rIns="90000">
                       <a:noAutofit/>
                     </a:bodyPr>
                     <a:p>
+                      <a:pPr>
+                        <a:lnSpc>
+                          <a:spcPct val="100000"/>
+                        </a:lnSpc>
+                      </a:pPr>
                       <a:r>
                         <a:rPr b="0" lang="nl-NL" sz="1800" spc="-1" strike="noStrike">
                           <a:latin typeface="Arial"/>
@@ -4164,10 +5811,15 @@
                 </a:tc>
                 <a:tc>
                   <a:txBody>
-                    <a:bodyPr lIns="90000" rIns="90000" tIns="46800" bIns="46800">
+                    <a:bodyPr lIns="90000" rIns="90000">
                       <a:noAutofit/>
                     </a:bodyPr>
                     <a:p>
+                      <a:pPr>
+                        <a:lnSpc>
+                          <a:spcPct val="100000"/>
+                        </a:lnSpc>
+                      </a:pPr>
                       <a:r>
                         <a:rPr b="0" lang="nl-NL" sz="1800" spc="-1" strike="noStrike">
                           <a:latin typeface="Arial"/>
@@ -4209,10 +5861,15 @@
               <a:tr h="368280">
                 <a:tc>
                   <a:txBody>
-                    <a:bodyPr lIns="90000" rIns="90000" tIns="46800" bIns="46800">
+                    <a:bodyPr lIns="90000" rIns="90000">
                       <a:noAutofit/>
                     </a:bodyPr>
                     <a:p>
+                      <a:pPr>
+                        <a:lnSpc>
+                          <a:spcPct val="100000"/>
+                        </a:lnSpc>
+                      </a:pPr>
                       <a:r>
                         <a:rPr b="0" lang="nl-NL" sz="1800" spc="-1" strike="noStrike">
                           <a:latin typeface="Arial"/>
@@ -4252,10 +5909,15 @@
                 </a:tc>
                 <a:tc>
                   <a:txBody>
-                    <a:bodyPr lIns="90000" rIns="90000" tIns="46800" bIns="46800">
+                    <a:bodyPr lIns="90000" rIns="90000">
                       <a:noAutofit/>
                     </a:bodyPr>
                     <a:p>
+                      <a:pPr>
+                        <a:lnSpc>
+                          <a:spcPct val="100000"/>
+                        </a:lnSpc>
+                      </a:pPr>
                       <a:r>
                         <a:rPr b="0" lang="nl-NL" sz="1800" spc="-1" strike="noStrike">
                           <a:latin typeface="Arial"/>
@@ -4295,10 +5957,15 @@
                 </a:tc>
                 <a:tc>
                   <a:txBody>
-                    <a:bodyPr lIns="90000" rIns="90000" tIns="46800" bIns="46800">
+                    <a:bodyPr lIns="90000" rIns="90000">
                       <a:noAutofit/>
                     </a:bodyPr>
                     <a:p>
+                      <a:pPr>
+                        <a:lnSpc>
+                          <a:spcPct val="100000"/>
+                        </a:lnSpc>
+                      </a:pPr>
                       <a:r>
                         <a:rPr b="0" lang="nl-NL" sz="1800" spc="-1" strike="noStrike">
                           <a:latin typeface="Arial"/>
@@ -4338,10 +6005,15 @@
                 </a:tc>
                 <a:tc>
                   <a:txBody>
-                    <a:bodyPr lIns="90000" rIns="90000" tIns="46800" bIns="46800">
+                    <a:bodyPr lIns="90000" rIns="90000">
                       <a:noAutofit/>
                     </a:bodyPr>
                     <a:p>
+                      <a:pPr>
+                        <a:lnSpc>
+                          <a:spcPct val="100000"/>
+                        </a:lnSpc>
+                      </a:pPr>
                       <a:r>
                         <a:rPr b="0" lang="nl-NL" sz="1800" spc="-1" strike="noStrike">
                           <a:latin typeface="Arial"/>
@@ -4381,10 +6053,15 @@
                 </a:tc>
                 <a:tc>
                   <a:txBody>
-                    <a:bodyPr lIns="90000" rIns="90000" tIns="46800" bIns="46800">
+                    <a:bodyPr lIns="90000" rIns="90000">
                       <a:noAutofit/>
                     </a:bodyPr>
                     <a:p>
+                      <a:pPr>
+                        <a:lnSpc>
+                          <a:spcPct val="100000"/>
+                        </a:lnSpc>
+                      </a:pPr>
                       <a:r>
                         <a:rPr b="0" lang="nl-NL" sz="1800" spc="-1" strike="noStrike">
                           <a:latin typeface="Arial"/>
@@ -4426,10 +6103,15 @@
               <a:tr h="368280">
                 <a:tc>
                   <a:txBody>
-                    <a:bodyPr lIns="90000" rIns="90000" tIns="46800" bIns="46800">
+                    <a:bodyPr lIns="90000" rIns="90000">
                       <a:noAutofit/>
                     </a:bodyPr>
                     <a:p>
+                      <a:pPr>
+                        <a:lnSpc>
+                          <a:spcPct val="100000"/>
+                        </a:lnSpc>
+                      </a:pPr>
                       <a:r>
                         <a:rPr b="0" lang="nl-NL" sz="1800" spc="-1" strike="noStrike">
                           <a:latin typeface="Arial"/>
@@ -4469,10 +6151,15 @@
                 </a:tc>
                 <a:tc>
                   <a:txBody>
-                    <a:bodyPr lIns="90000" rIns="90000" tIns="46800" bIns="46800">
+                    <a:bodyPr lIns="90000" rIns="90000">
                       <a:noAutofit/>
                     </a:bodyPr>
                     <a:p>
+                      <a:pPr>
+                        <a:lnSpc>
+                          <a:spcPct val="100000"/>
+                        </a:lnSpc>
+                      </a:pPr>
                       <a:r>
                         <a:rPr b="0" lang="nl-NL" sz="1800" spc="-1" strike="noStrike">
                           <a:latin typeface="Arial"/>
@@ -4512,10 +6199,15 @@
                 </a:tc>
                 <a:tc>
                   <a:txBody>
-                    <a:bodyPr lIns="90000" rIns="90000" tIns="46800" bIns="46800">
+                    <a:bodyPr lIns="90000" rIns="90000">
                       <a:noAutofit/>
                     </a:bodyPr>
                     <a:p>
+                      <a:pPr>
+                        <a:lnSpc>
+                          <a:spcPct val="100000"/>
+                        </a:lnSpc>
+                      </a:pPr>
                       <a:r>
                         <a:rPr b="0" lang="nl-NL" sz="1800" spc="-1" strike="noStrike">
                           <a:latin typeface="Arial"/>
@@ -4555,10 +6247,15 @@
                 </a:tc>
                 <a:tc>
                   <a:txBody>
-                    <a:bodyPr lIns="90000" rIns="90000" tIns="46800" bIns="46800">
+                    <a:bodyPr lIns="90000" rIns="90000">
                       <a:noAutofit/>
                     </a:bodyPr>
                     <a:p>
+                      <a:pPr>
+                        <a:lnSpc>
+                          <a:spcPct val="100000"/>
+                        </a:lnSpc>
+                      </a:pPr>
                       <a:r>
                         <a:rPr b="0" lang="nl-NL" sz="1800" spc="-1" strike="noStrike">
                           <a:latin typeface="Arial"/>
@@ -4598,10 +6295,15 @@
                 </a:tc>
                 <a:tc>
                   <a:txBody>
-                    <a:bodyPr lIns="90000" rIns="90000" tIns="46800" bIns="46800">
+                    <a:bodyPr lIns="90000" rIns="90000">
                       <a:noAutofit/>
                     </a:bodyPr>
                     <a:p>
+                      <a:pPr>
+                        <a:lnSpc>
+                          <a:spcPct val="100000"/>
+                        </a:lnSpc>
+                      </a:pPr>
                       <a:r>
                         <a:rPr b="0" lang="nl-NL" sz="1800" spc="-1" strike="noStrike">
                           <a:latin typeface="Arial"/>
@@ -4643,10 +6345,15 @@
               <a:tr h="367560">
                 <a:tc>
                   <a:txBody>
-                    <a:bodyPr lIns="90000" rIns="90000" tIns="46800" bIns="46800">
+                    <a:bodyPr lIns="90000" rIns="90000">
                       <a:noAutofit/>
                     </a:bodyPr>
                     <a:p>
+                      <a:pPr>
+                        <a:lnSpc>
+                          <a:spcPct val="100000"/>
+                        </a:lnSpc>
+                      </a:pPr>
                       <a:r>
                         <a:rPr b="0" lang="nl-NL" sz="1800" spc="-1" strike="noStrike">
                           <a:latin typeface="Arial"/>
@@ -4686,10 +6393,15 @@
                 </a:tc>
                 <a:tc>
                   <a:txBody>
-                    <a:bodyPr lIns="90000" rIns="90000" tIns="46800" bIns="46800">
+                    <a:bodyPr lIns="90000" rIns="90000">
                       <a:noAutofit/>
                     </a:bodyPr>
                     <a:p>
+                      <a:pPr>
+                        <a:lnSpc>
+                          <a:spcPct val="100000"/>
+                        </a:lnSpc>
+                      </a:pPr>
                       <a:r>
                         <a:rPr b="0" lang="nl-NL" sz="1800" spc="-1" strike="noStrike">
                           <a:latin typeface="Arial"/>
@@ -4729,10 +6441,15 @@
                 </a:tc>
                 <a:tc>
                   <a:txBody>
-                    <a:bodyPr lIns="90000" rIns="90000" tIns="46800" bIns="46800">
+                    <a:bodyPr lIns="90000" rIns="90000">
                       <a:noAutofit/>
                     </a:bodyPr>
                     <a:p>
+                      <a:pPr>
+                        <a:lnSpc>
+                          <a:spcPct val="100000"/>
+                        </a:lnSpc>
+                      </a:pPr>
                       <a:r>
                         <a:rPr b="0" lang="nl-NL" sz="1800" spc="-1" strike="noStrike">
                           <a:latin typeface="Arial"/>
@@ -4772,10 +6489,15 @@
                 </a:tc>
                 <a:tc>
                   <a:txBody>
-                    <a:bodyPr lIns="90000" rIns="90000" tIns="46800" bIns="46800">
+                    <a:bodyPr lIns="90000" rIns="90000">
                       <a:noAutofit/>
                     </a:bodyPr>
                     <a:p>
+                      <a:pPr>
+                        <a:lnSpc>
+                          <a:spcPct val="100000"/>
+                        </a:lnSpc>
+                      </a:pPr>
                       <a:r>
                         <a:rPr b="0" lang="nl-NL" sz="1800" spc="-1" strike="noStrike">
                           <a:latin typeface="Arial"/>
@@ -4815,10 +6537,15 @@
                 </a:tc>
                 <a:tc>
                   <a:txBody>
-                    <a:bodyPr lIns="90000" rIns="90000" tIns="46800" bIns="46800">
+                    <a:bodyPr lIns="90000" rIns="90000">
                       <a:noAutofit/>
                     </a:bodyPr>
                     <a:p>
+                      <a:pPr>
+                        <a:lnSpc>
+                          <a:spcPct val="100000"/>
+                        </a:lnSpc>
+                      </a:pPr>
                       <a:r>
                         <a:rPr b="0" lang="nl-NL" sz="1800" spc="-1" strike="noStrike">
                           <a:latin typeface="Arial"/>
@@ -4863,14 +6590,14 @@
       </p:graphicFrame>
       <p:sp>
         <p:nvSpPr>
-          <p:cNvPr id="112" name="TextShape 3"/>
-          <p:cNvSpPr txBox="1"/>
+          <p:cNvPr id="147" name="CustomShape 3"/>
+          <p:cNvSpPr/>
           <p:nvPr/>
         </p:nvSpPr>
         <p:spPr>
           <a:xfrm>
             <a:off x="5976000" y="1199520"/>
-            <a:ext cx="3528000" cy="346320"/>
+            <a:ext cx="3527640" cy="363960"/>
           </a:xfrm>
           <a:prstGeom prst="rect">
             <a:avLst/>
@@ -4880,11 +6607,22 @@
             <a:noFill/>
           </a:ln>
         </p:spPr>
+        <p:style>
+          <a:lnRef idx="0"/>
+          <a:fillRef idx="0"/>
+          <a:effectRef idx="0"/>
+          <a:fontRef idx="minor"/>
+        </p:style>
         <p:txBody>
           <a:bodyPr lIns="90000" rIns="90000" tIns="45000" bIns="45000">
             <a:spAutoFit/>
           </a:bodyPr>
           <a:p>
+            <a:pPr>
+              <a:lnSpc>
+                <a:spcPct val="100000"/>
+              </a:lnSpc>
+            </a:pPr>
             <a:r>
               <a:rPr b="0" lang="nl-NL" sz="1800" spc="-1" strike="noStrike">
                 <a:latin typeface="Arial"/>
@@ -4899,7 +6637,7 @@
       </p:sp>
       <p:pic>
         <p:nvPicPr>
-          <p:cNvPr id="113" name="" descr=""/>
+          <p:cNvPr id="148" name="" descr=""/>
           <p:cNvPicPr/>
           <p:nvPr/>
         </p:nvPicPr>
@@ -4910,7 +6648,7 @@
         <p:spPr>
           <a:xfrm>
             <a:off x="5851440" y="4320000"/>
-            <a:ext cx="3868560" cy="1089720"/>
+            <a:ext cx="3868200" cy="1089360"/>
           </a:xfrm>
           <a:prstGeom prst="rect">
             <a:avLst/>
@@ -4922,14 +6660,14 @@
       </p:pic>
       <p:sp>
         <p:nvSpPr>
-          <p:cNvPr id="114" name="TextShape 4"/>
-          <p:cNvSpPr txBox="1"/>
+          <p:cNvPr id="149" name="CustomShape 4"/>
+          <p:cNvSpPr/>
           <p:nvPr/>
         </p:nvSpPr>
         <p:spPr>
           <a:xfrm>
             <a:off x="5832000" y="3829680"/>
-            <a:ext cx="4104000" cy="602280"/>
+            <a:ext cx="4103640" cy="364680"/>
           </a:xfrm>
           <a:prstGeom prst="rect">
             <a:avLst/>
@@ -4939,11 +6677,22 @@
             <a:noFill/>
           </a:ln>
         </p:spPr>
+        <p:style>
+          <a:lnRef idx="0"/>
+          <a:fillRef idx="0"/>
+          <a:effectRef idx="0"/>
+          <a:fontRef idx="minor"/>
+        </p:style>
         <p:txBody>
           <a:bodyPr lIns="90000" rIns="90000" tIns="45000" bIns="45000">
             <a:spAutoFit/>
           </a:bodyPr>
           <a:p>
+            <a:pPr>
+              <a:lnSpc>
+                <a:spcPct val="100000"/>
+              </a:lnSpc>
+            </a:pPr>
             <a:r>
               <a:rPr b="0" lang="nl-NL" sz="1800" spc="-1" strike="noStrike">
                 <a:latin typeface="Arial"/>
@@ -4958,14 +6707,14 @@
       </p:sp>
       <p:sp>
         <p:nvSpPr>
-          <p:cNvPr id="115" name="TextShape 5"/>
-          <p:cNvSpPr txBox="1"/>
+          <p:cNvPr id="150" name="CustomShape 5"/>
+          <p:cNvSpPr/>
           <p:nvPr/>
         </p:nvSpPr>
         <p:spPr>
           <a:xfrm>
             <a:off x="648000" y="1368000"/>
-            <a:ext cx="3816000" cy="346320"/>
+            <a:ext cx="3815640" cy="363960"/>
           </a:xfrm>
           <a:prstGeom prst="rect">
             <a:avLst/>
@@ -4975,11 +6724,22 @@
             <a:noFill/>
           </a:ln>
         </p:spPr>
+        <p:style>
+          <a:lnRef idx="0"/>
+          <a:fillRef idx="0"/>
+          <a:effectRef idx="0"/>
+          <a:fontRef idx="minor"/>
+        </p:style>
         <p:txBody>
           <a:bodyPr lIns="90000" rIns="90000" tIns="45000" bIns="45000">
             <a:spAutoFit/>
           </a:bodyPr>
           <a:p>
+            <a:pPr>
+              <a:lnSpc>
+                <a:spcPct val="100000"/>
+              </a:lnSpc>
+            </a:pPr>
             <a:r>
               <a:rPr b="0" lang="nl-NL" sz="1800" spc="-1" strike="noStrike">
                 <a:latin typeface="Arial"/>
@@ -5024,14 +6784,14 @@
       </p:grpSpPr>
       <p:sp>
         <p:nvSpPr>
-          <p:cNvPr id="116" name="CustomShape 1"/>
+          <p:cNvPr id="151" name="CustomShape 1"/>
           <p:cNvSpPr/>
           <p:nvPr/>
         </p:nvSpPr>
         <p:spPr>
           <a:xfrm>
             <a:off x="503640" y="366120"/>
-            <a:ext cx="9065160" cy="665640"/>
+            <a:ext cx="9064800" cy="665280"/>
           </a:xfrm>
           <a:prstGeom prst="rect">
             <a:avLst/>
@@ -5075,14 +6835,14 @@
       </p:sp>
       <p:sp>
         <p:nvSpPr>
-          <p:cNvPr id="117" name="TextShape 2"/>
-          <p:cNvSpPr txBox="1"/>
+          <p:cNvPr id="152" name="CustomShape 2"/>
+          <p:cNvSpPr/>
           <p:nvPr/>
         </p:nvSpPr>
         <p:spPr>
           <a:xfrm>
             <a:off x="648000" y="1116000"/>
-            <a:ext cx="6264000" cy="2190240"/>
+            <a:ext cx="6263640" cy="2310840"/>
           </a:xfrm>
           <a:prstGeom prst="rect">
             <a:avLst/>
@@ -5092,11 +6852,22 @@
             <a:noFill/>
           </a:ln>
         </p:spPr>
+        <p:style>
+          <a:lnRef idx="0"/>
+          <a:fillRef idx="0"/>
+          <a:effectRef idx="0"/>
+          <a:fontRef idx="minor"/>
+        </p:style>
         <p:txBody>
           <a:bodyPr lIns="90000" rIns="90000" tIns="45000" bIns="45000">
             <a:spAutoFit/>
           </a:bodyPr>
           <a:p>
+            <a:pPr>
+              <a:lnSpc>
+                <a:spcPct val="100000"/>
+              </a:lnSpc>
+            </a:pPr>
             <a:r>
               <a:rPr b="1" lang="nl-NL" sz="1800" spc="-1" strike="noStrike">
                 <a:latin typeface="Arial"/>
@@ -5114,6 +6885,11 @@
             </a:endParaRPr>
           </a:p>
           <a:p>
+            <a:pPr>
+              <a:lnSpc>
+                <a:spcPct val="100000"/>
+              </a:lnSpc>
+            </a:pPr>
             <a:r>
               <a:rPr b="0" lang="nl-NL" sz="1600" spc="-1" strike="noStrike">
                 <a:latin typeface="Arial"/>
@@ -5125,11 +6901,21 @@
             </a:endParaRPr>
           </a:p>
           <a:p>
+            <a:pPr>
+              <a:lnSpc>
+                <a:spcPct val="100000"/>
+              </a:lnSpc>
+            </a:pPr>
             <a:endParaRPr b="0" lang="nl-NL" sz="1600" spc="-1" strike="noStrike">
               <a:latin typeface="Arial"/>
             </a:endParaRPr>
           </a:p>
           <a:p>
+            <a:pPr>
+              <a:lnSpc>
+                <a:spcPct val="100000"/>
+              </a:lnSpc>
+            </a:pPr>
             <a:r>
               <a:rPr b="0" lang="nl-NL" sz="1600" spc="-1" strike="noStrike">
                 <a:latin typeface="Arial"/>
@@ -5141,11 +6927,21 @@
             </a:endParaRPr>
           </a:p>
           <a:p>
+            <a:pPr>
+              <a:lnSpc>
+                <a:spcPct val="100000"/>
+              </a:lnSpc>
+            </a:pPr>
             <a:endParaRPr b="0" lang="nl-NL" sz="1600" spc="-1" strike="noStrike">
               <a:latin typeface="Arial"/>
             </a:endParaRPr>
           </a:p>
           <a:p>
+            <a:pPr>
+              <a:lnSpc>
+                <a:spcPct val="100000"/>
+              </a:lnSpc>
+            </a:pPr>
             <a:r>
               <a:rPr b="0" lang="nl-NL" sz="1600" spc="-1" strike="noStrike">
                 <a:latin typeface="Arial"/>
@@ -5181,11 +6977,21 @@
             </a:endParaRPr>
           </a:p>
           <a:p>
+            <a:pPr>
+              <a:lnSpc>
+                <a:spcPct val="100000"/>
+              </a:lnSpc>
+            </a:pPr>
             <a:endParaRPr b="0" lang="nl-NL" sz="1600" spc="-1" strike="noStrike">
               <a:latin typeface="Arial"/>
             </a:endParaRPr>
           </a:p>
           <a:p>
+            <a:pPr>
+              <a:lnSpc>
+                <a:spcPct val="100000"/>
+              </a:lnSpc>
+            </a:pPr>
             <a:r>
               <a:rPr b="0" lang="nl-NL" sz="1600" spc="-1" strike="noStrike">
                 <a:latin typeface="Arial"/>
@@ -5197,6 +7003,11 @@
             </a:endParaRPr>
           </a:p>
           <a:p>
+            <a:pPr>
+              <a:lnSpc>
+                <a:spcPct val="100000"/>
+              </a:lnSpc>
+            </a:pPr>
             <a:endParaRPr b="0" lang="nl-NL" sz="1600" spc="-1" strike="noStrike">
               <a:latin typeface="Arial"/>
             </a:endParaRPr>
@@ -5205,13 +7016,13 @@
       </p:sp>
       <p:graphicFrame>
         <p:nvGraphicFramePr>
-          <p:cNvPr id="118" name="Table 3"/>
+          <p:cNvPr id="153" name="Table 3"/>
           <p:cNvGraphicFramePr/>
           <p:nvPr/>
         </p:nvGraphicFramePr>
         <p:xfrm>
           <a:off x="7538760" y="4298760"/>
-          <a:ext cx="1756440" cy="1112040"/>
+          <a:ext cx="1756080" cy="1111680"/>
         </p:xfrm>
         <a:graphic>
           <a:graphicData uri="http://schemas.openxmlformats.org/drawingml/2006/table">
@@ -5227,10 +7038,15 @@
               <a:tr h="222840">
                 <a:tc>
                   <a:txBody>
-                    <a:bodyPr lIns="90000" rIns="90000" tIns="46800" bIns="46800">
+                    <a:bodyPr lIns="90000" rIns="90000">
                       <a:noAutofit/>
                     </a:bodyPr>
                     <a:p>
+                      <a:pPr>
+                        <a:lnSpc>
+                          <a:spcPct val="100000"/>
+                        </a:lnSpc>
+                      </a:pPr>
                       <a:r>
                         <a:rPr b="0" lang="nl-NL" sz="700" spc="-1" strike="noStrike">
                           <a:latin typeface="Arial"/>
@@ -5270,10 +7086,15 @@
                 </a:tc>
                 <a:tc>
                   <a:txBody>
-                    <a:bodyPr lIns="90000" rIns="90000" tIns="46800" bIns="46800">
+                    <a:bodyPr lIns="90000" rIns="90000">
                       <a:noAutofit/>
                     </a:bodyPr>
                     <a:p>
+                      <a:pPr>
+                        <a:lnSpc>
+                          <a:spcPct val="100000"/>
+                        </a:lnSpc>
+                      </a:pPr>
                       <a:r>
                         <a:rPr b="0" lang="nl-NL" sz="700" spc="-1" strike="noStrike">
                           <a:latin typeface="Arial"/>
@@ -5313,10 +7134,15 @@
                 </a:tc>
                 <a:tc>
                   <a:txBody>
-                    <a:bodyPr lIns="90000" rIns="90000" tIns="46800" bIns="46800">
+                    <a:bodyPr lIns="90000" rIns="90000">
                       <a:noAutofit/>
                     </a:bodyPr>
                     <a:p>
+                      <a:pPr>
+                        <a:lnSpc>
+                          <a:spcPct val="100000"/>
+                        </a:lnSpc>
+                      </a:pPr>
                       <a:r>
                         <a:rPr b="0" lang="nl-NL" sz="700" spc="-1" strike="noStrike">
                           <a:latin typeface="Arial"/>
@@ -5356,10 +7182,15 @@
                 </a:tc>
                 <a:tc>
                   <a:txBody>
-                    <a:bodyPr lIns="90000" rIns="90000" tIns="46800" bIns="46800">
+                    <a:bodyPr lIns="90000" rIns="90000">
                       <a:noAutofit/>
                     </a:bodyPr>
                     <a:p>
+                      <a:pPr>
+                        <a:lnSpc>
+                          <a:spcPct val="100000"/>
+                        </a:lnSpc>
+                      </a:pPr>
                       <a:r>
                         <a:rPr b="0" lang="nl-NL" sz="700" spc="-1" strike="noStrike">
                           <a:latin typeface="Arial"/>
@@ -5399,10 +7230,15 @@
                 </a:tc>
                 <a:tc>
                   <a:txBody>
-                    <a:bodyPr lIns="90000" rIns="90000" tIns="46800" bIns="46800">
+                    <a:bodyPr lIns="90000" rIns="90000">
                       <a:noAutofit/>
                     </a:bodyPr>
                     <a:p>
+                      <a:pPr>
+                        <a:lnSpc>
+                          <a:spcPct val="100000"/>
+                        </a:lnSpc>
+                      </a:pPr>
                       <a:r>
                         <a:rPr b="0" lang="nl-NL" sz="700" spc="-1" strike="noStrike">
                           <a:latin typeface="Arial"/>
@@ -5444,10 +7280,15 @@
               <a:tr h="222840">
                 <a:tc>
                   <a:txBody>
-                    <a:bodyPr lIns="90000" rIns="90000" tIns="46800" bIns="46800">
+                    <a:bodyPr lIns="90000" rIns="90000">
                       <a:noAutofit/>
                     </a:bodyPr>
                     <a:p>
+                      <a:pPr>
+                        <a:lnSpc>
+                          <a:spcPct val="100000"/>
+                        </a:lnSpc>
+                      </a:pPr>
                       <a:r>
                         <a:rPr b="0" lang="nl-NL" sz="700" spc="-1" strike="noStrike">
                           <a:latin typeface="Arial"/>
@@ -5487,10 +7328,15 @@
                 </a:tc>
                 <a:tc>
                   <a:txBody>
-                    <a:bodyPr lIns="90000" rIns="90000" tIns="46800" bIns="46800">
+                    <a:bodyPr lIns="90000" rIns="90000">
                       <a:noAutofit/>
                     </a:bodyPr>
                     <a:p>
+                      <a:pPr>
+                        <a:lnSpc>
+                          <a:spcPct val="100000"/>
+                        </a:lnSpc>
+                      </a:pPr>
                       <a:r>
                         <a:rPr b="0" lang="nl-NL" sz="700" spc="-1" strike="noStrike">
                           <a:latin typeface="Arial"/>
@@ -5530,10 +7376,15 @@
                 </a:tc>
                 <a:tc>
                   <a:txBody>
-                    <a:bodyPr lIns="90000" rIns="90000" tIns="46800" bIns="46800">
+                    <a:bodyPr lIns="90000" rIns="90000">
                       <a:noAutofit/>
                     </a:bodyPr>
                     <a:p>
+                      <a:pPr>
+                        <a:lnSpc>
+                          <a:spcPct val="100000"/>
+                        </a:lnSpc>
+                      </a:pPr>
                       <a:r>
                         <a:rPr b="0" lang="nl-NL" sz="700" spc="-1" strike="noStrike">
                           <a:latin typeface="Arial"/>
@@ -5573,10 +7424,15 @@
                 </a:tc>
                 <a:tc>
                   <a:txBody>
-                    <a:bodyPr lIns="90000" rIns="90000" tIns="46800" bIns="46800">
+                    <a:bodyPr lIns="90000" rIns="90000">
                       <a:noAutofit/>
                     </a:bodyPr>
                     <a:p>
+                      <a:pPr>
+                        <a:lnSpc>
+                          <a:spcPct val="100000"/>
+                        </a:lnSpc>
+                      </a:pPr>
                       <a:r>
                         <a:rPr b="0" lang="nl-NL" sz="700" spc="-1" strike="noStrike">
                           <a:latin typeface="Arial"/>
@@ -5616,10 +7472,15 @@
                 </a:tc>
                 <a:tc>
                   <a:txBody>
-                    <a:bodyPr lIns="90000" rIns="90000" tIns="46800" bIns="46800">
+                    <a:bodyPr lIns="90000" rIns="90000">
                       <a:noAutofit/>
                     </a:bodyPr>
                     <a:p>
+                      <a:pPr>
+                        <a:lnSpc>
+                          <a:spcPct val="100000"/>
+                        </a:lnSpc>
+                      </a:pPr>
                       <a:r>
                         <a:rPr b="0" lang="nl-NL" sz="700" spc="-1" strike="noStrike">
                           <a:latin typeface="Arial"/>
@@ -5661,10 +7522,15 @@
               <a:tr h="222840">
                 <a:tc>
                   <a:txBody>
-                    <a:bodyPr lIns="90000" rIns="90000" tIns="46800" bIns="46800">
+                    <a:bodyPr lIns="90000" rIns="90000">
                       <a:noAutofit/>
                     </a:bodyPr>
                     <a:p>
+                      <a:pPr>
+                        <a:lnSpc>
+                          <a:spcPct val="100000"/>
+                        </a:lnSpc>
+                      </a:pPr>
                       <a:r>
                         <a:rPr b="0" lang="nl-NL" sz="700" spc="-1" strike="noStrike">
                           <a:latin typeface="Arial"/>
@@ -5704,10 +7570,15 @@
                 </a:tc>
                 <a:tc>
                   <a:txBody>
-                    <a:bodyPr lIns="90000" rIns="90000" tIns="46800" bIns="46800">
+                    <a:bodyPr lIns="90000" rIns="90000">
                       <a:noAutofit/>
                     </a:bodyPr>
                     <a:p>
+                      <a:pPr>
+                        <a:lnSpc>
+                          <a:spcPct val="100000"/>
+                        </a:lnSpc>
+                      </a:pPr>
                       <a:r>
                         <a:rPr b="0" lang="nl-NL" sz="700" spc="-1" strike="noStrike">
                           <a:latin typeface="Arial"/>
@@ -5747,10 +7618,15 @@
                 </a:tc>
                 <a:tc>
                   <a:txBody>
-                    <a:bodyPr lIns="90000" rIns="90000" tIns="46800" bIns="46800">
+                    <a:bodyPr lIns="90000" rIns="90000">
                       <a:noAutofit/>
                     </a:bodyPr>
                     <a:p>
+                      <a:pPr>
+                        <a:lnSpc>
+                          <a:spcPct val="100000"/>
+                        </a:lnSpc>
+                      </a:pPr>
                       <a:r>
                         <a:rPr b="0" lang="nl-NL" sz="700" spc="-1" strike="noStrike">
                           <a:latin typeface="Arial"/>
@@ -5790,10 +7666,15 @@
                 </a:tc>
                 <a:tc>
                   <a:txBody>
-                    <a:bodyPr lIns="90000" rIns="90000" tIns="46800" bIns="46800">
+                    <a:bodyPr lIns="90000" rIns="90000">
                       <a:noAutofit/>
                     </a:bodyPr>
                     <a:p>
+                      <a:pPr>
+                        <a:lnSpc>
+                          <a:spcPct val="100000"/>
+                        </a:lnSpc>
+                      </a:pPr>
                       <a:r>
                         <a:rPr b="0" lang="nl-NL" sz="700" spc="-1" strike="noStrike">
                           <a:latin typeface="Arial"/>
@@ -5833,10 +7714,15 @@
                 </a:tc>
                 <a:tc>
                   <a:txBody>
-                    <a:bodyPr lIns="90000" rIns="90000" tIns="46800" bIns="46800">
+                    <a:bodyPr lIns="90000" rIns="90000">
                       <a:noAutofit/>
                     </a:bodyPr>
                     <a:p>
+                      <a:pPr>
+                        <a:lnSpc>
+                          <a:spcPct val="100000"/>
+                        </a:lnSpc>
+                      </a:pPr>
                       <a:r>
                         <a:rPr b="0" lang="nl-NL" sz="700" spc="-1" strike="noStrike">
                           <a:latin typeface="Arial"/>
@@ -5878,10 +7764,15 @@
               <a:tr h="222840">
                 <a:tc>
                   <a:txBody>
-                    <a:bodyPr lIns="90000" rIns="90000" tIns="46800" bIns="46800">
+                    <a:bodyPr lIns="90000" rIns="90000">
                       <a:noAutofit/>
                     </a:bodyPr>
                     <a:p>
+                      <a:pPr>
+                        <a:lnSpc>
+                          <a:spcPct val="100000"/>
+                        </a:lnSpc>
+                      </a:pPr>
                       <a:r>
                         <a:rPr b="0" lang="nl-NL" sz="700" spc="-1" strike="noStrike">
                           <a:latin typeface="Arial"/>
@@ -5921,10 +7812,15 @@
                 </a:tc>
                 <a:tc>
                   <a:txBody>
-                    <a:bodyPr lIns="90000" rIns="90000" tIns="46800" bIns="46800">
+                    <a:bodyPr lIns="90000" rIns="90000">
                       <a:noAutofit/>
                     </a:bodyPr>
                     <a:p>
+                      <a:pPr>
+                        <a:lnSpc>
+                          <a:spcPct val="100000"/>
+                        </a:lnSpc>
+                      </a:pPr>
                       <a:r>
                         <a:rPr b="0" lang="nl-NL" sz="700" spc="-1" strike="noStrike">
                           <a:latin typeface="Arial"/>
@@ -5964,10 +7860,15 @@
                 </a:tc>
                 <a:tc>
                   <a:txBody>
-                    <a:bodyPr lIns="90000" rIns="90000" tIns="46800" bIns="46800">
+                    <a:bodyPr lIns="90000" rIns="90000">
                       <a:noAutofit/>
                     </a:bodyPr>
                     <a:p>
+                      <a:pPr>
+                        <a:lnSpc>
+                          <a:spcPct val="100000"/>
+                        </a:lnSpc>
+                      </a:pPr>
                       <a:r>
                         <a:rPr b="0" lang="nl-NL" sz="700" spc="-1" strike="noStrike">
                           <a:latin typeface="Arial"/>
@@ -6007,10 +7908,15 @@
                 </a:tc>
                 <a:tc>
                   <a:txBody>
-                    <a:bodyPr lIns="90000" rIns="90000" tIns="46800" bIns="46800">
+                    <a:bodyPr lIns="90000" rIns="90000">
                       <a:noAutofit/>
                     </a:bodyPr>
                     <a:p>
+                      <a:pPr>
+                        <a:lnSpc>
+                          <a:spcPct val="100000"/>
+                        </a:lnSpc>
+                      </a:pPr>
                       <a:r>
                         <a:rPr b="0" lang="nl-NL" sz="700" spc="-1" strike="noStrike">
                           <a:latin typeface="Arial"/>
@@ -6050,10 +7956,15 @@
                 </a:tc>
                 <a:tc>
                   <a:txBody>
-                    <a:bodyPr lIns="90000" rIns="90000" tIns="46800" bIns="46800">
+                    <a:bodyPr lIns="90000" rIns="90000">
                       <a:noAutofit/>
                     </a:bodyPr>
                     <a:p>
+                      <a:pPr>
+                        <a:lnSpc>
+                          <a:spcPct val="100000"/>
+                        </a:lnSpc>
+                      </a:pPr>
                       <a:r>
                         <a:rPr b="0" lang="nl-NL" sz="700" spc="-1" strike="noStrike">
                           <a:latin typeface="Arial"/>
@@ -6092,13 +8003,18 @@
                   </a:tcPr>
                 </a:tc>
               </a:tr>
-              <a:tr h="220680">
+              <a:tr h="220320">
                 <a:tc>
                   <a:txBody>
-                    <a:bodyPr lIns="90000" rIns="90000" tIns="46800" bIns="46800">
+                    <a:bodyPr lIns="90000" rIns="90000">
                       <a:noAutofit/>
                     </a:bodyPr>
                     <a:p>
+                      <a:pPr>
+                        <a:lnSpc>
+                          <a:spcPct val="100000"/>
+                        </a:lnSpc>
+                      </a:pPr>
                       <a:r>
                         <a:rPr b="0" lang="nl-NL" sz="700" spc="-1" strike="noStrike">
                           <a:latin typeface="Arial"/>
@@ -6138,10 +8054,15 @@
                 </a:tc>
                 <a:tc>
                   <a:txBody>
-                    <a:bodyPr lIns="90000" rIns="90000" tIns="46800" bIns="46800">
+                    <a:bodyPr lIns="90000" rIns="90000">
                       <a:noAutofit/>
                     </a:bodyPr>
                     <a:p>
+                      <a:pPr>
+                        <a:lnSpc>
+                          <a:spcPct val="100000"/>
+                        </a:lnSpc>
+                      </a:pPr>
                       <a:r>
                         <a:rPr b="0" lang="nl-NL" sz="700" spc="-1" strike="noStrike">
                           <a:latin typeface="Arial"/>
@@ -6181,10 +8102,15 @@
                 </a:tc>
                 <a:tc>
                   <a:txBody>
-                    <a:bodyPr lIns="90000" rIns="90000" tIns="46800" bIns="46800">
+                    <a:bodyPr lIns="90000" rIns="90000">
                       <a:noAutofit/>
                     </a:bodyPr>
                     <a:p>
+                      <a:pPr>
+                        <a:lnSpc>
+                          <a:spcPct val="100000"/>
+                        </a:lnSpc>
+                      </a:pPr>
                       <a:r>
                         <a:rPr b="0" lang="nl-NL" sz="700" spc="-1" strike="noStrike">
                           <a:latin typeface="Arial"/>
@@ -6224,10 +8150,15 @@
                 </a:tc>
                 <a:tc>
                   <a:txBody>
-                    <a:bodyPr lIns="90000" rIns="90000" tIns="46800" bIns="46800">
+                    <a:bodyPr lIns="90000" rIns="90000">
                       <a:noAutofit/>
                     </a:bodyPr>
                     <a:p>
+                      <a:pPr>
+                        <a:lnSpc>
+                          <a:spcPct val="100000"/>
+                        </a:lnSpc>
+                      </a:pPr>
                       <a:r>
                         <a:rPr b="0" lang="nl-NL" sz="700" spc="-1" strike="noStrike">
                           <a:latin typeface="Arial"/>
@@ -6267,10 +8198,15 @@
                 </a:tc>
                 <a:tc>
                   <a:txBody>
-                    <a:bodyPr lIns="90000" rIns="90000" tIns="46800" bIns="46800">
+                    <a:bodyPr lIns="90000" rIns="90000">
                       <a:noAutofit/>
                     </a:bodyPr>
                     <a:p>
+                      <a:pPr>
+                        <a:lnSpc>
+                          <a:spcPct val="100000"/>
+                        </a:lnSpc>
+                      </a:pPr>
                       <a:r>
                         <a:rPr b="0" lang="nl-NL" sz="700" spc="-1" strike="noStrike">
                           <a:latin typeface="Arial"/>
@@ -6315,14 +8251,14 @@
       </p:graphicFrame>
       <p:sp>
         <p:nvSpPr>
-          <p:cNvPr id="119" name="TextShape 4"/>
-          <p:cNvSpPr txBox="1"/>
+          <p:cNvPr id="154" name="CustomShape 4"/>
+          <p:cNvSpPr/>
           <p:nvPr/>
         </p:nvSpPr>
         <p:spPr>
           <a:xfrm>
             <a:off x="6840000" y="3996000"/>
-            <a:ext cx="3096000" cy="325800"/>
+            <a:ext cx="3095640" cy="318600"/>
           </a:xfrm>
           <a:prstGeom prst="rect">
             <a:avLst/>
@@ -6332,18 +8268,29 @@
             <a:noFill/>
           </a:ln>
         </p:spPr>
+        <p:style>
+          <a:lnRef idx="0"/>
+          <a:fillRef idx="0"/>
+          <a:effectRef idx="0"/>
+          <a:fontRef idx="minor"/>
+        </p:style>
         <p:txBody>
           <a:bodyPr lIns="90000" rIns="90000" tIns="45000" bIns="45000">
             <a:spAutoFit/>
           </a:bodyPr>
           <a:p>
+            <a:pPr>
+              <a:lnSpc>
+                <a:spcPct val="100000"/>
+              </a:lnSpc>
+            </a:pPr>
             <a:r>
               <a:rPr b="1" lang="nl-NL" sz="1500" spc="-1" strike="noStrike">
                 <a:latin typeface="Arial"/>
               </a:rPr>
               <a:t>Geheugensteun: lichtjes matrix</a:t>
             </a:r>
-            <a:endParaRPr b="1" lang="nl-NL" sz="1500" spc="-1" strike="noStrike">
+            <a:endParaRPr b="0" lang="nl-NL" sz="1500" spc="-1" strike="noStrike">
               <a:latin typeface="Arial"/>
             </a:endParaRPr>
           </a:p>
@@ -6351,7 +8298,7 @@
       </p:sp>
       <p:pic>
         <p:nvPicPr>
-          <p:cNvPr id="120" name="" descr=""/>
+          <p:cNvPr id="155" name="" descr=""/>
           <p:cNvPicPr/>
           <p:nvPr/>
         </p:nvPicPr>
@@ -6362,7 +8309,7 @@
         <p:spPr>
           <a:xfrm>
             <a:off x="1449720" y="1872000"/>
-            <a:ext cx="998280" cy="244080"/>
+            <a:ext cx="997920" cy="243720"/>
           </a:xfrm>
           <a:prstGeom prst="rect">
             <a:avLst/>
@@ -6374,14 +8321,14 @@
       </p:pic>
       <p:sp>
         <p:nvSpPr>
-          <p:cNvPr id="121" name="TextShape 5"/>
-          <p:cNvSpPr txBox="1"/>
+          <p:cNvPr id="156" name="CustomShape 5"/>
+          <p:cNvSpPr/>
           <p:nvPr/>
         </p:nvSpPr>
         <p:spPr>
           <a:xfrm>
             <a:off x="612000" y="3420000"/>
-            <a:ext cx="6264000" cy="2190240"/>
+            <a:ext cx="6263640" cy="2310840"/>
           </a:xfrm>
           <a:prstGeom prst="rect">
             <a:avLst/>
@@ -6391,11 +8338,22 @@
             <a:noFill/>
           </a:ln>
         </p:spPr>
+        <p:style>
+          <a:lnRef idx="0"/>
+          <a:fillRef idx="0"/>
+          <a:effectRef idx="0"/>
+          <a:fontRef idx="minor"/>
+        </p:style>
         <p:txBody>
           <a:bodyPr lIns="90000" rIns="90000" tIns="45000" bIns="45000">
             <a:spAutoFit/>
           </a:bodyPr>
           <a:p>
+            <a:pPr>
+              <a:lnSpc>
+                <a:spcPct val="100000"/>
+              </a:lnSpc>
+            </a:pPr>
             <a:r>
               <a:rPr b="1" lang="nl-NL" sz="1800" spc="-1" strike="noStrike">
                 <a:latin typeface="Arial"/>
@@ -6413,6 +8371,11 @@
             </a:endParaRPr>
           </a:p>
           <a:p>
+            <a:pPr>
+              <a:lnSpc>
+                <a:spcPct val="100000"/>
+              </a:lnSpc>
+            </a:pPr>
             <a:r>
               <a:rPr b="0" lang="nl-NL" sz="1600" spc="-1" strike="noStrike">
                 <a:latin typeface="Arial"/>
@@ -6424,11 +8387,21 @@
             </a:endParaRPr>
           </a:p>
           <a:p>
+            <a:pPr>
+              <a:lnSpc>
+                <a:spcPct val="100000"/>
+              </a:lnSpc>
+            </a:pPr>
             <a:endParaRPr b="0" lang="nl-NL" sz="1600" spc="-1" strike="noStrike">
               <a:latin typeface="Arial"/>
             </a:endParaRPr>
           </a:p>
           <a:p>
+            <a:pPr>
+              <a:lnSpc>
+                <a:spcPct val="100000"/>
+              </a:lnSpc>
+            </a:pPr>
             <a:r>
               <a:rPr b="0" lang="nl-NL" sz="1600" spc="-1" strike="noStrike">
                 <a:latin typeface="Arial"/>
@@ -6476,11 +8449,21 @@
             </a:endParaRPr>
           </a:p>
           <a:p>
+            <a:pPr>
+              <a:lnSpc>
+                <a:spcPct val="100000"/>
+              </a:lnSpc>
+            </a:pPr>
             <a:endParaRPr b="0" lang="nl-NL" sz="1600" spc="-1" strike="noStrike">
               <a:latin typeface="Arial"/>
             </a:endParaRPr>
           </a:p>
           <a:p>
+            <a:pPr>
+              <a:lnSpc>
+                <a:spcPct val="100000"/>
+              </a:lnSpc>
+            </a:pPr>
             <a:r>
               <a:rPr b="0" lang="nl-NL" sz="1600" spc="-1" strike="noStrike">
                 <a:latin typeface="Arial"/>
@@ -6492,11 +8475,21 @@
             </a:endParaRPr>
           </a:p>
           <a:p>
+            <a:pPr>
+              <a:lnSpc>
+                <a:spcPct val="100000"/>
+              </a:lnSpc>
+            </a:pPr>
             <a:endParaRPr b="0" lang="nl-NL" sz="1600" spc="-1" strike="noStrike">
               <a:latin typeface="Arial"/>
             </a:endParaRPr>
           </a:p>
           <a:p>
+            <a:pPr>
+              <a:lnSpc>
+                <a:spcPct val="100000"/>
+              </a:lnSpc>
+            </a:pPr>
             <a:r>
               <a:rPr b="0" lang="nl-NL" sz="1600" spc="-1" strike="noStrike">
                 <a:latin typeface="Arial"/>
@@ -6508,6 +8501,11 @@
             </a:endParaRPr>
           </a:p>
           <a:p>
+            <a:pPr>
+              <a:lnSpc>
+                <a:spcPct val="100000"/>
+              </a:lnSpc>
+            </a:pPr>
             <a:endParaRPr b="0" lang="nl-NL" sz="1600" spc="-1" strike="noStrike">
               <a:latin typeface="Arial"/>
             </a:endParaRPr>
@@ -6516,7 +8514,7 @@
       </p:sp>
       <p:pic>
         <p:nvPicPr>
-          <p:cNvPr id="122" name="" descr=""/>
+          <p:cNvPr id="157" name="" descr=""/>
           <p:cNvPicPr/>
           <p:nvPr/>
         </p:nvPicPr>
@@ -6527,7 +8525,7 @@
         <p:spPr>
           <a:xfrm>
             <a:off x="2376000" y="4608000"/>
-            <a:ext cx="720000" cy="317160"/>
+            <a:ext cx="719640" cy="316800"/>
           </a:xfrm>
           <a:prstGeom prst="rect">
             <a:avLst/>
@@ -6539,14 +8537,14 @@
       </p:pic>
       <p:sp>
         <p:nvSpPr>
-          <p:cNvPr id="123" name="TextShape 6"/>
-          <p:cNvSpPr txBox="1"/>
+          <p:cNvPr id="158" name="CustomShape 6"/>
+          <p:cNvSpPr/>
           <p:nvPr/>
         </p:nvSpPr>
         <p:spPr>
           <a:xfrm>
             <a:off x="5112000" y="1116000"/>
-            <a:ext cx="5040000" cy="2005200"/>
+            <a:ext cx="5039640" cy="2343960"/>
           </a:xfrm>
           <a:prstGeom prst="rect">
             <a:avLst/>
@@ -6556,11 +8554,22 @@
             <a:noFill/>
           </a:ln>
         </p:spPr>
+        <p:style>
+          <a:lnRef idx="0"/>
+          <a:fillRef idx="0"/>
+          <a:effectRef idx="0"/>
+          <a:fontRef idx="minor"/>
+        </p:style>
         <p:txBody>
           <a:bodyPr lIns="90000" rIns="90000" tIns="45000" bIns="45000">
             <a:spAutoFit/>
           </a:bodyPr>
           <a:p>
+            <a:pPr>
+              <a:lnSpc>
+                <a:spcPct val="100000"/>
+              </a:lnSpc>
+            </a:pPr>
             <a:r>
               <a:rPr b="1" lang="nl-NL" sz="1800" spc="-1" strike="noStrike">
                 <a:latin typeface="Arial"/>
@@ -6584,6 +8593,11 @@
             </a:endParaRPr>
           </a:p>
           <a:p>
+            <a:pPr>
+              <a:lnSpc>
+                <a:spcPct val="100000"/>
+              </a:lnSpc>
+            </a:pPr>
             <a:r>
               <a:rPr b="0" lang="nl-NL" sz="1300" spc="-1" strike="noStrike">
                 <a:latin typeface="Arial"/>
@@ -6595,6 +8609,11 @@
             </a:endParaRPr>
           </a:p>
           <a:p>
+            <a:pPr>
+              <a:lnSpc>
+                <a:spcPct val="100000"/>
+              </a:lnSpc>
+            </a:pPr>
             <a:r>
               <a:rPr b="0" lang="nl-NL" sz="1300" spc="-1" strike="noStrike">
                 <a:latin typeface="Arial"/>
@@ -6606,6 +8625,11 @@
             </a:endParaRPr>
           </a:p>
           <a:p>
+            <a:pPr>
+              <a:lnSpc>
+                <a:spcPct val="100000"/>
+              </a:lnSpc>
+            </a:pPr>
             <a:r>
               <a:rPr b="0" lang="nl-NL" sz="1300" spc="-1" strike="noStrike">
                 <a:latin typeface="Arial"/>
@@ -6617,6 +8641,11 @@
             </a:endParaRPr>
           </a:p>
           <a:p>
+            <a:pPr>
+              <a:lnSpc>
+                <a:spcPct val="100000"/>
+              </a:lnSpc>
+            </a:pPr>
             <a:r>
               <a:rPr b="0" lang="nl-NL" sz="1300" spc="-1" strike="noStrike">
                 <a:latin typeface="Arial"/>
@@ -6634,6 +8663,11 @@
             </a:endParaRPr>
           </a:p>
           <a:p>
+            <a:pPr>
+              <a:lnSpc>
+                <a:spcPct val="100000"/>
+              </a:lnSpc>
+            </a:pPr>
             <a:r>
               <a:rPr b="0" lang="nl-NL" sz="1300" spc="-1" strike="noStrike">
                 <a:latin typeface="Arial"/>
@@ -6645,6 +8679,11 @@
             </a:endParaRPr>
           </a:p>
           <a:p>
+            <a:pPr>
+              <a:lnSpc>
+                <a:spcPct val="100000"/>
+              </a:lnSpc>
+            </a:pPr>
             <a:r>
               <a:rPr b="0" lang="nl-NL" sz="1300" spc="-1" strike="noStrike">
                 <a:latin typeface="Arial"/>
@@ -6662,6 +8701,11 @@
             </a:endParaRPr>
           </a:p>
           <a:p>
+            <a:pPr>
+              <a:lnSpc>
+                <a:spcPct val="100000"/>
+              </a:lnSpc>
+            </a:pPr>
             <a:r>
               <a:rPr b="0" lang="nl-NL" sz="1300" spc="-1" strike="noStrike">
                 <a:latin typeface="Arial"/>
@@ -6679,6 +8723,11 @@
             </a:endParaRPr>
           </a:p>
           <a:p>
+            <a:pPr>
+              <a:lnSpc>
+                <a:spcPct val="100000"/>
+              </a:lnSpc>
+            </a:pPr>
             <a:r>
               <a:rPr b="0" lang="nl-NL" sz="1300" spc="-1" strike="noStrike">
                 <a:latin typeface="Arial"/>
@@ -6696,6 +8745,33 @@
             </a:endParaRPr>
           </a:p>
           <a:p>
+            <a:pPr>
+              <a:lnSpc>
+                <a:spcPct val="100000"/>
+              </a:lnSpc>
+            </a:pPr>
+            <a:r>
+              <a:rPr b="0" lang="nl-NL" sz="1300" spc="-1" strike="noStrike">
+                <a:latin typeface="Arial"/>
+              </a:rPr>
+              <a:t>  </a:t>
+            </a:r>
+            <a:r>
+              <a:rPr b="0" lang="nl-NL" sz="1300" spc="-1" strike="noStrike">
+                <a:latin typeface="Arial"/>
+              </a:rPr>
+              <a:t>-- Videoclipje maximaal 2 minuten.</a:t>
+            </a:r>
+            <a:endParaRPr b="0" lang="nl-NL" sz="1300" spc="-1" strike="noStrike">
+              <a:latin typeface="Arial"/>
+            </a:endParaRPr>
+          </a:p>
+          <a:p>
+            <a:pPr>
+              <a:lnSpc>
+                <a:spcPct val="100000"/>
+              </a:lnSpc>
+            </a:pPr>
             <a:endParaRPr b="0" lang="nl-NL" sz="1300" spc="-1" strike="noStrike">
               <a:latin typeface="Arial"/>
             </a:endParaRPr>
@@ -6704,14 +8780,14 @@
       </p:sp>
       <p:sp>
         <p:nvSpPr>
-          <p:cNvPr id="124" name="TextShape 7"/>
-          <p:cNvSpPr txBox="1"/>
+          <p:cNvPr id="159" name="CustomShape 7"/>
+          <p:cNvSpPr/>
           <p:nvPr/>
         </p:nvSpPr>
         <p:spPr>
           <a:xfrm>
             <a:off x="7164000" y="4752000"/>
-            <a:ext cx="324000" cy="346320"/>
+            <a:ext cx="323640" cy="363960"/>
           </a:xfrm>
           <a:prstGeom prst="rect">
             <a:avLst/>
@@ -6721,11 +8797,22 @@
             <a:noFill/>
           </a:ln>
         </p:spPr>
+        <p:style>
+          <a:lnRef idx="0"/>
+          <a:fillRef idx="0"/>
+          <a:effectRef idx="0"/>
+          <a:fontRef idx="minor"/>
+        </p:style>
         <p:txBody>
           <a:bodyPr lIns="90000" rIns="90000" tIns="45000" bIns="45000">
             <a:spAutoFit/>
           </a:bodyPr>
           <a:p>
+            <a:pPr>
+              <a:lnSpc>
+                <a:spcPct val="100000"/>
+              </a:lnSpc>
+            </a:pPr>
             <a:r>
               <a:rPr b="0" lang="nl-NL" sz="1800" spc="-1" strike="noStrike">
                 <a:latin typeface="Arial"/>
@@ -6740,14 +8827,14 @@
       </p:sp>
       <p:sp>
         <p:nvSpPr>
-          <p:cNvPr id="125" name="TextShape 8"/>
-          <p:cNvSpPr txBox="1"/>
+          <p:cNvPr id="160" name="CustomShape 8"/>
+          <p:cNvSpPr/>
           <p:nvPr/>
         </p:nvSpPr>
         <p:spPr>
           <a:xfrm>
             <a:off x="8280000" y="5377680"/>
-            <a:ext cx="432000" cy="346320"/>
+            <a:ext cx="431640" cy="363960"/>
           </a:xfrm>
           <a:prstGeom prst="rect">
             <a:avLst/>
@@ -6757,11 +8844,22 @@
             <a:noFill/>
           </a:ln>
         </p:spPr>
+        <p:style>
+          <a:lnRef idx="0"/>
+          <a:fillRef idx="0"/>
+          <a:effectRef idx="0"/>
+          <a:fontRef idx="minor"/>
+        </p:style>
         <p:txBody>
           <a:bodyPr lIns="90000" rIns="90000" tIns="45000" bIns="45000">
             <a:spAutoFit/>
           </a:bodyPr>
           <a:p>
+            <a:pPr>
+              <a:lnSpc>
+                <a:spcPct val="100000"/>
+              </a:lnSpc>
+            </a:pPr>
             <a:r>
               <a:rPr b="0" lang="nl-NL" sz="1800" spc="-1" strike="noStrike">
                 <a:latin typeface="Arial"/>
@@ -6806,14 +8904,14 @@
       </p:grpSpPr>
       <p:sp>
         <p:nvSpPr>
-          <p:cNvPr id="126" name="CustomShape 1"/>
+          <p:cNvPr id="161" name="CustomShape 1"/>
           <p:cNvSpPr/>
           <p:nvPr/>
         </p:nvSpPr>
         <p:spPr>
           <a:xfrm>
             <a:off x="503640" y="28800"/>
-            <a:ext cx="9065160" cy="1334520"/>
+            <a:ext cx="9064800" cy="1334160"/>
           </a:xfrm>
           <a:prstGeom prst="rect">
             <a:avLst/>
@@ -6868,14 +8966,14 @@
       </p:sp>
       <p:sp>
         <p:nvSpPr>
-          <p:cNvPr id="127" name="CustomShape 2"/>
+          <p:cNvPr id="162" name="CustomShape 2"/>
           <p:cNvSpPr/>
           <p:nvPr/>
         </p:nvSpPr>
         <p:spPr>
           <a:xfrm>
             <a:off x="503640" y="1326240"/>
-            <a:ext cx="9065160" cy="3282120"/>
+            <a:ext cx="9064800" cy="3281760"/>
           </a:xfrm>
           <a:prstGeom prst="rect">
             <a:avLst/>
@@ -6894,7 +8992,7 @@
       </p:sp>
       <p:pic>
         <p:nvPicPr>
-          <p:cNvPr id="128" name="" descr=""/>
+          <p:cNvPr id="163" name="" descr=""/>
           <p:cNvPicPr/>
           <p:nvPr/>
         </p:nvPicPr>
@@ -6905,7 +9003,7 @@
         <p:spPr>
           <a:xfrm>
             <a:off x="3784320" y="1933560"/>
-            <a:ext cx="1899000" cy="1733400"/>
+            <a:ext cx="1898640" cy="1733040"/>
           </a:xfrm>
           <a:prstGeom prst="rect">
             <a:avLst/>
@@ -6947,14 +9045,14 @@
       </p:grpSpPr>
       <p:sp>
         <p:nvSpPr>
-          <p:cNvPr id="129" name="CustomShape 1"/>
+          <p:cNvPr id="164" name="CustomShape 1"/>
           <p:cNvSpPr/>
           <p:nvPr/>
         </p:nvSpPr>
         <p:spPr>
           <a:xfrm>
             <a:off x="503640" y="366120"/>
-            <a:ext cx="9065160" cy="665640"/>
+            <a:ext cx="9064800" cy="665280"/>
           </a:xfrm>
           <a:prstGeom prst="rect">
             <a:avLst/>
@@ -7028,13 +9126,13 @@
       </p:sp>
       <p:graphicFrame>
         <p:nvGraphicFramePr>
-          <p:cNvPr id="130" name="Table 2"/>
+          <p:cNvPr id="165" name="Table 2"/>
           <p:cNvGraphicFramePr/>
           <p:nvPr/>
         </p:nvGraphicFramePr>
         <p:xfrm>
           <a:off x="560880" y="3274560"/>
-          <a:ext cx="2640600" cy="1888920"/>
+          <a:ext cx="2640600" cy="1812240"/>
         </p:xfrm>
         <a:graphic>
           <a:graphicData uri="http://schemas.openxmlformats.org/drawingml/2006/table">
@@ -7047,7 +9145,7 @@
                 <a:gridCol w="528120"/>
                 <a:gridCol w="528480"/>
               </a:tblGrid>
-              <a:tr h="340200">
+              <a:tr h="347760">
                 <a:tc>
                   <a:tcPr marL="90000" marR="90000">
                     <a:lnL w="720">
@@ -7184,7 +9282,7 @@
                   </a:tcPr>
                 </a:tc>
               </a:tr>
-              <a:tr h="368280">
+              <a:tr h="347760">
                 <a:tc>
                   <a:tcPr marL="90000" marR="90000">
                     <a:lnL w="720">
@@ -7321,13 +9419,18 @@
                   </a:tcPr>
                 </a:tc>
               </a:tr>
-              <a:tr h="368280">
+              <a:tr h="433080">
                 <a:tc>
                   <a:txBody>
-                    <a:bodyPr lIns="90000" rIns="90000" tIns="46800" bIns="46800">
+                    <a:bodyPr lIns="90000" rIns="90000">
                       <a:noAutofit/>
                     </a:bodyPr>
                     <a:p>
+                      <a:pPr>
+                        <a:lnSpc>
+                          <a:spcPct val="100000"/>
+                        </a:lnSpc>
+                      </a:pPr>
                       <a:r>
                         <a:rPr b="0" lang="nl-NL" sz="1200" spc="-1" strike="noStrike">
                           <a:latin typeface="Arial"/>
@@ -7339,6 +9442,11 @@
                       </a:endParaRPr>
                     </a:p>
                     <a:p>
+                      <a:pPr>
+                        <a:lnSpc>
+                          <a:spcPct val="100000"/>
+                        </a:lnSpc>
+                      </a:pPr>
                       <a:r>
                         <a:rPr b="0" lang="nl-NL" sz="1200" spc="-1" strike="noStrike">
                           <a:latin typeface="Arial"/>
@@ -7378,15 +9486,25 @@
                 </a:tc>
                 <a:tc>
                   <a:txBody>
-                    <a:bodyPr lIns="90000" rIns="90000" tIns="46800" bIns="46800">
+                    <a:bodyPr lIns="90000" rIns="90000">
                       <a:noAutofit/>
                     </a:bodyPr>
                     <a:p>
-                      <a:endParaRPr b="0" lang="nl-NL" sz="1200" spc="-1" strike="noStrike">
+                      <a:pPr>
+                        <a:lnSpc>
+                          <a:spcPct val="100000"/>
+                        </a:lnSpc>
+                      </a:pPr>
+                      <a:endParaRPr b="0" lang="nl-NL" sz="1800" spc="-1" strike="noStrike">
                         <a:latin typeface="Arial"/>
                       </a:endParaRPr>
                     </a:p>
                     <a:p>
+                      <a:pPr>
+                        <a:lnSpc>
+                          <a:spcPct val="100000"/>
+                        </a:lnSpc>
+                      </a:pPr>
                       <a:r>
                         <a:rPr b="0" lang="nl-NL" sz="1200" spc="-1" strike="noStrike">
                           <a:latin typeface="Arial"/>
@@ -7426,15 +9544,25 @@
                 </a:tc>
                 <a:tc>
                   <a:txBody>
-                    <a:bodyPr lIns="90000" rIns="90000" tIns="46800" bIns="46800">
+                    <a:bodyPr lIns="90000" rIns="90000">
                       <a:noAutofit/>
                     </a:bodyPr>
                     <a:p>
-                      <a:endParaRPr b="0" lang="nl-NL" sz="1200" spc="-1" strike="noStrike">
+                      <a:pPr>
+                        <a:lnSpc>
+                          <a:spcPct val="100000"/>
+                        </a:lnSpc>
+                      </a:pPr>
+                      <a:endParaRPr b="0" lang="nl-NL" sz="1800" spc="-1" strike="noStrike">
                         <a:latin typeface="Arial"/>
                       </a:endParaRPr>
                     </a:p>
                     <a:p>
+                      <a:pPr>
+                        <a:lnSpc>
+                          <a:spcPct val="100000"/>
+                        </a:lnSpc>
+                      </a:pPr>
                       <a:r>
                         <a:rPr b="0" lang="nl-NL" sz="1200" spc="-1" strike="noStrike">
                           <a:latin typeface="Arial"/>
@@ -7527,7 +9655,7 @@
                   </a:tcPr>
                 </a:tc>
               </a:tr>
-              <a:tr h="368280">
+              <a:tr h="433080">
                 <a:tc>
                   <a:tcPr marL="90000" marR="90000">
                     <a:lnL w="720">
@@ -7584,15 +9712,25 @@
                 </a:tc>
                 <a:tc>
                   <a:txBody>
-                    <a:bodyPr lIns="90000" rIns="90000" tIns="46800" bIns="46800">
+                    <a:bodyPr lIns="90000" rIns="90000">
                       <a:noAutofit/>
                     </a:bodyPr>
                     <a:p>
-                      <a:endParaRPr b="0" lang="nl-NL" sz="1200" spc="-1" strike="noStrike">
+                      <a:pPr>
+                        <a:lnSpc>
+                          <a:spcPct val="100000"/>
+                        </a:lnSpc>
+                      </a:pPr>
+                      <a:endParaRPr b="0" lang="nl-NL" sz="1800" spc="-1" strike="noStrike">
                         <a:latin typeface="Arial"/>
                       </a:endParaRPr>
                     </a:p>
                     <a:p>
+                      <a:pPr>
+                        <a:lnSpc>
+                          <a:spcPct val="100000"/>
+                        </a:lnSpc>
+                      </a:pPr>
                       <a:r>
                         <a:rPr b="0" lang="nl-NL" sz="1200" spc="-1" strike="noStrike">
                           <a:latin typeface="Arial"/>
@@ -7685,7 +9823,7 @@
                   </a:tcPr>
                 </a:tc>
               </a:tr>
-              <a:tr h="367560">
+              <a:tr h="433080">
                 <a:tc>
                   <a:tcPr marL="90000" marR="90000">
                     <a:lnL w="720">
@@ -7742,15 +9880,25 @@
                 </a:tc>
                 <a:tc>
                   <a:txBody>
-                    <a:bodyPr lIns="90000" rIns="90000" tIns="46800" bIns="46800">
+                    <a:bodyPr lIns="90000" rIns="90000">
                       <a:noAutofit/>
                     </a:bodyPr>
                     <a:p>
-                      <a:endParaRPr b="0" lang="nl-NL" sz="1200" spc="-1" strike="noStrike">
+                      <a:pPr>
+                        <a:lnSpc>
+                          <a:spcPct val="100000"/>
+                        </a:lnSpc>
+                      </a:pPr>
+                      <a:endParaRPr b="0" lang="nl-NL" sz="1800" spc="-1" strike="noStrike">
                         <a:latin typeface="Arial"/>
                       </a:endParaRPr>
                     </a:p>
                     <a:p>
+                      <a:pPr>
+                        <a:lnSpc>
+                          <a:spcPct val="100000"/>
+                        </a:lnSpc>
+                      </a:pPr>
                       <a:r>
                         <a:rPr b="0" lang="nl-NL" sz="1200" spc="-1" strike="noStrike">
                           <a:latin typeface="Arial"/>
@@ -7790,15 +9938,25 @@
                 </a:tc>
                 <a:tc>
                   <a:txBody>
-                    <a:bodyPr lIns="90000" rIns="90000" tIns="46800" bIns="46800">
+                    <a:bodyPr lIns="90000" rIns="90000">
                       <a:noAutofit/>
                     </a:bodyPr>
                     <a:p>
-                      <a:endParaRPr b="0" lang="nl-NL" sz="1200" spc="-1" strike="noStrike">
+                      <a:pPr>
+                        <a:lnSpc>
+                          <a:spcPct val="100000"/>
+                        </a:lnSpc>
+                      </a:pPr>
+                      <a:endParaRPr b="0" lang="nl-NL" sz="1800" spc="-1" strike="noStrike">
                         <a:latin typeface="Arial"/>
                       </a:endParaRPr>
                     </a:p>
                     <a:p>
+                      <a:pPr>
+                        <a:lnSpc>
+                          <a:spcPct val="100000"/>
+                        </a:lnSpc>
+                      </a:pPr>
                       <a:r>
                         <a:rPr b="0" lang="nl-NL" sz="1200" spc="-1" strike="noStrike">
                           <a:latin typeface="Arial"/>
@@ -7838,10 +9996,15 @@
                 </a:tc>
                 <a:tc>
                   <a:txBody>
-                    <a:bodyPr lIns="90000" rIns="90000" tIns="46800" bIns="46800">
+                    <a:bodyPr lIns="90000" rIns="90000">
                       <a:noAutofit/>
                     </a:bodyPr>
                     <a:p>
+                      <a:pPr>
+                        <a:lnSpc>
+                          <a:spcPct val="100000"/>
+                        </a:lnSpc>
+                      </a:pPr>
                       <a:r>
                         <a:rPr b="0" lang="nl-NL" sz="1100" spc="-1" strike="noStrike">
                           <a:latin typeface="Arial"/>
@@ -7853,6 +10016,11 @@
                       </a:endParaRPr>
                     </a:p>
                     <a:p>
+                      <a:pPr>
+                        <a:lnSpc>
+                          <a:spcPct val="100000"/>
+                        </a:lnSpc>
+                      </a:pPr>
                       <a:r>
                         <a:rPr b="0" lang="nl-NL" sz="1200" spc="-1" strike="noStrike">
                           <a:latin typeface="Arial"/>
@@ -7897,14 +10065,14 @@
       </p:graphicFrame>
       <p:sp>
         <p:nvSpPr>
-          <p:cNvPr id="131" name="TextShape 3"/>
-          <p:cNvSpPr txBox="1"/>
+          <p:cNvPr id="166" name="CustomShape 3"/>
+          <p:cNvSpPr/>
           <p:nvPr/>
         </p:nvSpPr>
         <p:spPr>
           <a:xfrm>
             <a:off x="648000" y="1476000"/>
-            <a:ext cx="6264000" cy="1730880"/>
+            <a:ext cx="6263640" cy="1824120"/>
           </a:xfrm>
           <a:prstGeom prst="rect">
             <a:avLst/>
@@ -7914,11 +10082,22 @@
             <a:noFill/>
           </a:ln>
         </p:spPr>
+        <p:style>
+          <a:lnRef idx="0"/>
+          <a:fillRef idx="0"/>
+          <a:effectRef idx="0"/>
+          <a:fontRef idx="minor"/>
+        </p:style>
         <p:txBody>
           <a:bodyPr lIns="90000" rIns="90000" tIns="45000" bIns="45000">
             <a:spAutoFit/>
           </a:bodyPr>
           <a:p>
+            <a:pPr>
+              <a:lnSpc>
+                <a:spcPct val="100000"/>
+              </a:lnSpc>
+            </a:pPr>
             <a:r>
               <a:rPr b="1" lang="nl-NL" sz="1800" spc="-1" strike="noStrike">
                 <a:latin typeface="Arial"/>
@@ -7936,6 +10115,11 @@
             </a:endParaRPr>
           </a:p>
           <a:p>
+            <a:pPr>
+              <a:lnSpc>
+                <a:spcPct val="100000"/>
+              </a:lnSpc>
+            </a:pPr>
             <a:r>
               <a:rPr b="0" lang="nl-NL" sz="1600" spc="-1" strike="noStrike">
                 <a:latin typeface="Arial"/>
@@ -7947,6 +10131,11 @@
             </a:endParaRPr>
           </a:p>
           <a:p>
+            <a:pPr>
+              <a:lnSpc>
+                <a:spcPct val="100000"/>
+              </a:lnSpc>
+            </a:pPr>
             <a:r>
               <a:rPr b="0" lang="nl-NL" sz="1600" spc="-1" strike="noStrike">
                 <a:latin typeface="Arial"/>
@@ -7958,6 +10147,11 @@
             </a:endParaRPr>
           </a:p>
           <a:p>
+            <a:pPr>
+              <a:lnSpc>
+                <a:spcPct val="100000"/>
+              </a:lnSpc>
+            </a:pPr>
             <a:r>
               <a:rPr b="0" lang="nl-NL" sz="1600" spc="-1" strike="noStrike">
                 <a:latin typeface="Arial"/>
@@ -7969,6 +10163,11 @@
             </a:endParaRPr>
           </a:p>
           <a:p>
+            <a:pPr>
+              <a:lnSpc>
+                <a:spcPct val="100000"/>
+              </a:lnSpc>
+            </a:pPr>
             <a:r>
               <a:rPr b="0" lang="nl-NL" sz="1600" spc="-1" strike="noStrike">
                 <a:latin typeface="Arial"/>
@@ -7980,6 +10179,11 @@
             </a:endParaRPr>
           </a:p>
           <a:p>
+            <a:pPr>
+              <a:lnSpc>
+                <a:spcPct val="100000"/>
+              </a:lnSpc>
+            </a:pPr>
             <a:r>
               <a:rPr b="0" lang="nl-NL" sz="1600" spc="-1" strike="noStrike">
                 <a:latin typeface="Arial"/>
@@ -7991,6 +10195,11 @@
             </a:endParaRPr>
           </a:p>
           <a:p>
+            <a:pPr>
+              <a:lnSpc>
+                <a:spcPct val="100000"/>
+              </a:lnSpc>
+            </a:pPr>
             <a:endParaRPr b="0" lang="nl-NL" sz="1600" spc="-1" strike="noStrike">
               <a:latin typeface="Arial"/>
             </a:endParaRPr>
@@ -7999,14 +10208,14 @@
       </p:sp>
       <p:sp>
         <p:nvSpPr>
-          <p:cNvPr id="132" name="TextShape 4"/>
-          <p:cNvSpPr txBox="1"/>
+          <p:cNvPr id="167" name="CustomShape 4"/>
+          <p:cNvSpPr/>
           <p:nvPr/>
         </p:nvSpPr>
         <p:spPr>
           <a:xfrm>
             <a:off x="504000" y="2965680"/>
-            <a:ext cx="2808000" cy="602280"/>
+            <a:ext cx="2807640" cy="364680"/>
           </a:xfrm>
           <a:prstGeom prst="rect">
             <a:avLst/>
@@ -8016,11 +10225,22 @@
             <a:noFill/>
           </a:ln>
         </p:spPr>
+        <p:style>
+          <a:lnRef idx="0"/>
+          <a:fillRef idx="0"/>
+          <a:effectRef idx="0"/>
+          <a:fontRef idx="minor"/>
+        </p:style>
         <p:txBody>
           <a:bodyPr lIns="90000" rIns="90000" tIns="45000" bIns="45000">
             <a:spAutoFit/>
           </a:bodyPr>
           <a:p>
+            <a:pPr>
+              <a:lnSpc>
+                <a:spcPct val="100000"/>
+              </a:lnSpc>
+            </a:pPr>
             <a:r>
               <a:rPr b="0" lang="nl-NL" sz="1800" spc="-1" strike="noStrike">
                 <a:latin typeface="Arial"/>
@@ -8035,13 +10255,13 @@
       </p:sp>
       <p:graphicFrame>
         <p:nvGraphicFramePr>
-          <p:cNvPr id="133" name="Table 5"/>
+          <p:cNvPr id="168" name="Table 5"/>
           <p:cNvGraphicFramePr/>
           <p:nvPr/>
         </p:nvGraphicFramePr>
         <p:xfrm>
           <a:off x="6955560" y="3999960"/>
-          <a:ext cx="2195640" cy="1525320"/>
+          <a:ext cx="2195280" cy="1524960"/>
         </p:xfrm>
         <a:graphic>
           <a:graphicData uri="http://schemas.openxmlformats.org/drawingml/2006/table">
@@ -8057,10 +10277,15 @@
               <a:tr h="305280">
                 <a:tc>
                   <a:txBody>
-                    <a:bodyPr lIns="90000" rIns="90000" tIns="46800" bIns="46800">
+                    <a:bodyPr lIns="90000" rIns="90000">
                       <a:noAutofit/>
                     </a:bodyPr>
                     <a:p>
+                      <a:pPr>
+                        <a:lnSpc>
+                          <a:spcPct val="100000"/>
+                        </a:lnSpc>
+                      </a:pPr>
                       <a:r>
                         <a:rPr b="0" lang="nl-NL" sz="700" spc="-1" strike="noStrike">
                           <a:latin typeface="Arial"/>
@@ -8100,10 +10325,15 @@
                 </a:tc>
                 <a:tc>
                   <a:txBody>
-                    <a:bodyPr lIns="90000" rIns="90000" tIns="46800" bIns="46800">
+                    <a:bodyPr lIns="90000" rIns="90000">
                       <a:noAutofit/>
                     </a:bodyPr>
                     <a:p>
+                      <a:pPr>
+                        <a:lnSpc>
+                          <a:spcPct val="100000"/>
+                        </a:lnSpc>
+                      </a:pPr>
                       <a:r>
                         <a:rPr b="0" lang="nl-NL" sz="700" spc="-1" strike="noStrike">
                           <a:latin typeface="Arial"/>
@@ -8143,10 +10373,15 @@
                 </a:tc>
                 <a:tc>
                   <a:txBody>
-                    <a:bodyPr lIns="90000" rIns="90000" tIns="46800" bIns="46800">
+                    <a:bodyPr lIns="90000" rIns="90000">
                       <a:noAutofit/>
                     </a:bodyPr>
                     <a:p>
+                      <a:pPr>
+                        <a:lnSpc>
+                          <a:spcPct val="100000"/>
+                        </a:lnSpc>
+                      </a:pPr>
                       <a:r>
                         <a:rPr b="0" lang="nl-NL" sz="700" spc="-1" strike="noStrike">
                           <a:latin typeface="Arial"/>
@@ -8186,10 +10421,15 @@
                 </a:tc>
                 <a:tc>
                   <a:txBody>
-                    <a:bodyPr lIns="90000" rIns="90000" tIns="46800" bIns="46800">
+                    <a:bodyPr lIns="90000" rIns="90000">
                       <a:noAutofit/>
                     </a:bodyPr>
                     <a:p>
+                      <a:pPr>
+                        <a:lnSpc>
+                          <a:spcPct val="100000"/>
+                        </a:lnSpc>
+                      </a:pPr>
                       <a:r>
                         <a:rPr b="0" lang="nl-NL" sz="700" spc="-1" strike="noStrike">
                           <a:latin typeface="Arial"/>
@@ -8229,10 +10469,15 @@
                 </a:tc>
                 <a:tc>
                   <a:txBody>
-                    <a:bodyPr lIns="90000" rIns="90000" tIns="46800" bIns="46800">
+                    <a:bodyPr lIns="90000" rIns="90000">
                       <a:noAutofit/>
                     </a:bodyPr>
                     <a:p>
+                      <a:pPr>
+                        <a:lnSpc>
+                          <a:spcPct val="100000"/>
+                        </a:lnSpc>
+                      </a:pPr>
                       <a:r>
                         <a:rPr b="0" lang="nl-NL" sz="700" spc="-1" strike="noStrike">
                           <a:latin typeface="Arial"/>
@@ -8274,10 +10519,15 @@
               <a:tr h="305280">
                 <a:tc>
                   <a:txBody>
-                    <a:bodyPr lIns="90000" rIns="90000" tIns="46800" bIns="46800">
+                    <a:bodyPr lIns="90000" rIns="90000">
                       <a:noAutofit/>
                     </a:bodyPr>
                     <a:p>
+                      <a:pPr>
+                        <a:lnSpc>
+                          <a:spcPct val="100000"/>
+                        </a:lnSpc>
+                      </a:pPr>
                       <a:r>
                         <a:rPr b="0" lang="nl-NL" sz="700" spc="-1" strike="noStrike">
                           <a:latin typeface="Arial"/>
@@ -8317,10 +10567,15 @@
                 </a:tc>
                 <a:tc>
                   <a:txBody>
-                    <a:bodyPr lIns="90000" rIns="90000" tIns="46800" bIns="46800">
+                    <a:bodyPr lIns="90000" rIns="90000">
                       <a:noAutofit/>
                     </a:bodyPr>
                     <a:p>
+                      <a:pPr>
+                        <a:lnSpc>
+                          <a:spcPct val="100000"/>
+                        </a:lnSpc>
+                      </a:pPr>
                       <a:r>
                         <a:rPr b="0" lang="nl-NL" sz="700" spc="-1" strike="noStrike">
                           <a:latin typeface="Arial"/>
@@ -8360,10 +10615,15 @@
                 </a:tc>
                 <a:tc>
                   <a:txBody>
-                    <a:bodyPr lIns="90000" rIns="90000" tIns="46800" bIns="46800">
+                    <a:bodyPr lIns="90000" rIns="90000">
                       <a:noAutofit/>
                     </a:bodyPr>
                     <a:p>
+                      <a:pPr>
+                        <a:lnSpc>
+                          <a:spcPct val="100000"/>
+                        </a:lnSpc>
+                      </a:pPr>
                       <a:r>
                         <a:rPr b="0" lang="nl-NL" sz="700" spc="-1" strike="noStrike">
                           <a:latin typeface="Arial"/>
@@ -8403,10 +10663,15 @@
                 </a:tc>
                 <a:tc>
                   <a:txBody>
-                    <a:bodyPr lIns="90000" rIns="90000" tIns="46800" bIns="46800">
+                    <a:bodyPr lIns="90000" rIns="90000">
                       <a:noAutofit/>
                     </a:bodyPr>
                     <a:p>
+                      <a:pPr>
+                        <a:lnSpc>
+                          <a:spcPct val="100000"/>
+                        </a:lnSpc>
+                      </a:pPr>
                       <a:r>
                         <a:rPr b="0" lang="nl-NL" sz="700" spc="-1" strike="noStrike">
                           <a:latin typeface="Arial"/>
@@ -8446,10 +10711,15 @@
                 </a:tc>
                 <a:tc>
                   <a:txBody>
-                    <a:bodyPr lIns="90000" rIns="90000" tIns="46800" bIns="46800">
+                    <a:bodyPr lIns="90000" rIns="90000">
                       <a:noAutofit/>
                     </a:bodyPr>
                     <a:p>
+                      <a:pPr>
+                        <a:lnSpc>
+                          <a:spcPct val="100000"/>
+                        </a:lnSpc>
+                      </a:pPr>
                       <a:r>
                         <a:rPr b="0" lang="nl-NL" sz="700" spc="-1" strike="noStrike">
                           <a:latin typeface="Arial"/>
@@ -8491,10 +10761,15 @@
               <a:tr h="305280">
                 <a:tc>
                   <a:txBody>
-                    <a:bodyPr lIns="90000" rIns="90000" tIns="46800" bIns="46800">
+                    <a:bodyPr lIns="90000" rIns="90000">
                       <a:noAutofit/>
                     </a:bodyPr>
                     <a:p>
+                      <a:pPr>
+                        <a:lnSpc>
+                          <a:spcPct val="100000"/>
+                        </a:lnSpc>
+                      </a:pPr>
                       <a:r>
                         <a:rPr b="0" lang="nl-NL" sz="700" spc="-1" strike="noStrike">
                           <a:latin typeface="Arial"/>
@@ -8534,10 +10809,15 @@
                 </a:tc>
                 <a:tc>
                   <a:txBody>
-                    <a:bodyPr lIns="90000" rIns="90000" tIns="46800" bIns="46800">
+                    <a:bodyPr lIns="90000" rIns="90000">
                       <a:noAutofit/>
                     </a:bodyPr>
                     <a:p>
+                      <a:pPr>
+                        <a:lnSpc>
+                          <a:spcPct val="100000"/>
+                        </a:lnSpc>
+                      </a:pPr>
                       <a:r>
                         <a:rPr b="0" lang="nl-NL" sz="700" spc="-1" strike="noStrike">
                           <a:latin typeface="Arial"/>
@@ -8577,10 +10857,15 @@
                 </a:tc>
                 <a:tc>
                   <a:txBody>
-                    <a:bodyPr lIns="90000" rIns="90000" tIns="46800" bIns="46800">
+                    <a:bodyPr lIns="90000" rIns="90000">
                       <a:noAutofit/>
                     </a:bodyPr>
                     <a:p>
+                      <a:pPr>
+                        <a:lnSpc>
+                          <a:spcPct val="100000"/>
+                        </a:lnSpc>
+                      </a:pPr>
                       <a:r>
                         <a:rPr b="0" lang="nl-NL" sz="700" spc="-1" strike="noStrike">
                           <a:latin typeface="Arial"/>
@@ -8620,10 +10905,15 @@
                 </a:tc>
                 <a:tc>
                   <a:txBody>
-                    <a:bodyPr lIns="90000" rIns="90000" tIns="46800" bIns="46800">
+                    <a:bodyPr lIns="90000" rIns="90000">
                       <a:noAutofit/>
                     </a:bodyPr>
                     <a:p>
+                      <a:pPr>
+                        <a:lnSpc>
+                          <a:spcPct val="100000"/>
+                        </a:lnSpc>
+                      </a:pPr>
                       <a:r>
                         <a:rPr b="0" lang="nl-NL" sz="700" spc="-1" strike="noStrike">
                           <a:latin typeface="Arial"/>
@@ -8663,10 +10953,15 @@
                 </a:tc>
                 <a:tc>
                   <a:txBody>
-                    <a:bodyPr lIns="90000" rIns="90000" tIns="46800" bIns="46800">
+                    <a:bodyPr lIns="90000" rIns="90000">
                       <a:noAutofit/>
                     </a:bodyPr>
                     <a:p>
+                      <a:pPr>
+                        <a:lnSpc>
+                          <a:spcPct val="100000"/>
+                        </a:lnSpc>
+                      </a:pPr>
                       <a:r>
                         <a:rPr b="0" lang="nl-NL" sz="700" spc="-1" strike="noStrike">
                           <a:latin typeface="Arial"/>
@@ -8708,10 +11003,15 @@
               <a:tr h="305280">
                 <a:tc>
                   <a:txBody>
-                    <a:bodyPr lIns="90000" rIns="90000" tIns="46800" bIns="46800">
+                    <a:bodyPr lIns="90000" rIns="90000">
                       <a:noAutofit/>
                     </a:bodyPr>
                     <a:p>
+                      <a:pPr>
+                        <a:lnSpc>
+                          <a:spcPct val="100000"/>
+                        </a:lnSpc>
+                      </a:pPr>
                       <a:r>
                         <a:rPr b="0" lang="nl-NL" sz="700" spc="-1" strike="noStrike">
                           <a:latin typeface="Arial"/>
@@ -8751,10 +11051,15 @@
                 </a:tc>
                 <a:tc>
                   <a:txBody>
-                    <a:bodyPr lIns="90000" rIns="90000" tIns="46800" bIns="46800">
+                    <a:bodyPr lIns="90000" rIns="90000">
                       <a:noAutofit/>
                     </a:bodyPr>
                     <a:p>
+                      <a:pPr>
+                        <a:lnSpc>
+                          <a:spcPct val="100000"/>
+                        </a:lnSpc>
+                      </a:pPr>
                       <a:r>
                         <a:rPr b="0" lang="nl-NL" sz="700" spc="-1" strike="noStrike">
                           <a:latin typeface="Arial"/>
@@ -8794,10 +11099,15 @@
                 </a:tc>
                 <a:tc>
                   <a:txBody>
-                    <a:bodyPr lIns="90000" rIns="90000" tIns="46800" bIns="46800">
+                    <a:bodyPr lIns="90000" rIns="90000">
                       <a:noAutofit/>
                     </a:bodyPr>
                     <a:p>
+                      <a:pPr>
+                        <a:lnSpc>
+                          <a:spcPct val="100000"/>
+                        </a:lnSpc>
+                      </a:pPr>
                       <a:r>
                         <a:rPr b="0" lang="nl-NL" sz="700" spc="-1" strike="noStrike">
                           <a:latin typeface="Arial"/>
@@ -8837,10 +11147,15 @@
                 </a:tc>
                 <a:tc>
                   <a:txBody>
-                    <a:bodyPr lIns="90000" rIns="90000" tIns="46800" bIns="46800">
+                    <a:bodyPr lIns="90000" rIns="90000">
                       <a:noAutofit/>
                     </a:bodyPr>
                     <a:p>
+                      <a:pPr>
+                        <a:lnSpc>
+                          <a:spcPct val="100000"/>
+                        </a:lnSpc>
+                      </a:pPr>
                       <a:r>
                         <a:rPr b="0" lang="nl-NL" sz="700" spc="-1" strike="noStrike">
                           <a:latin typeface="Arial"/>
@@ -8880,10 +11195,15 @@
                 </a:tc>
                 <a:tc>
                   <a:txBody>
-                    <a:bodyPr lIns="90000" rIns="90000" tIns="46800" bIns="46800">
+                    <a:bodyPr lIns="90000" rIns="90000">
                       <a:noAutofit/>
                     </a:bodyPr>
                     <a:p>
+                      <a:pPr>
+                        <a:lnSpc>
+                          <a:spcPct val="100000"/>
+                        </a:lnSpc>
+                      </a:pPr>
                       <a:r>
                         <a:rPr b="0" lang="nl-NL" sz="700" spc="-1" strike="noStrike">
                           <a:latin typeface="Arial"/>
@@ -8922,13 +11242,18 @@
                   </a:tcPr>
                 </a:tc>
               </a:tr>
-              <a:tr h="304200">
+              <a:tr h="303840">
                 <a:tc>
                   <a:txBody>
-                    <a:bodyPr lIns="90000" rIns="90000" tIns="46800" bIns="46800">
+                    <a:bodyPr lIns="90000" rIns="90000">
                       <a:noAutofit/>
                     </a:bodyPr>
                     <a:p>
+                      <a:pPr>
+                        <a:lnSpc>
+                          <a:spcPct val="100000"/>
+                        </a:lnSpc>
+                      </a:pPr>
                       <a:r>
                         <a:rPr b="0" lang="nl-NL" sz="700" spc="-1" strike="noStrike">
                           <a:latin typeface="Arial"/>
@@ -8968,10 +11293,15 @@
                 </a:tc>
                 <a:tc>
                   <a:txBody>
-                    <a:bodyPr lIns="90000" rIns="90000" tIns="46800" bIns="46800">
+                    <a:bodyPr lIns="90000" rIns="90000">
                       <a:noAutofit/>
                     </a:bodyPr>
                     <a:p>
+                      <a:pPr>
+                        <a:lnSpc>
+                          <a:spcPct val="100000"/>
+                        </a:lnSpc>
+                      </a:pPr>
                       <a:r>
                         <a:rPr b="0" lang="nl-NL" sz="700" spc="-1" strike="noStrike">
                           <a:latin typeface="Arial"/>
@@ -9011,10 +11341,15 @@
                 </a:tc>
                 <a:tc>
                   <a:txBody>
-                    <a:bodyPr lIns="90000" rIns="90000" tIns="46800" bIns="46800">
+                    <a:bodyPr lIns="90000" rIns="90000">
                       <a:noAutofit/>
                     </a:bodyPr>
                     <a:p>
+                      <a:pPr>
+                        <a:lnSpc>
+                          <a:spcPct val="100000"/>
+                        </a:lnSpc>
+                      </a:pPr>
                       <a:r>
                         <a:rPr b="0" lang="nl-NL" sz="700" spc="-1" strike="noStrike">
                           <a:latin typeface="Arial"/>
@@ -9054,10 +11389,15 @@
                 </a:tc>
                 <a:tc>
                   <a:txBody>
-                    <a:bodyPr lIns="90000" rIns="90000" tIns="46800" bIns="46800">
+                    <a:bodyPr lIns="90000" rIns="90000">
                       <a:noAutofit/>
                     </a:bodyPr>
                     <a:p>
+                      <a:pPr>
+                        <a:lnSpc>
+                          <a:spcPct val="100000"/>
+                        </a:lnSpc>
+                      </a:pPr>
                       <a:r>
                         <a:rPr b="0" lang="nl-NL" sz="700" spc="-1" strike="noStrike">
                           <a:latin typeface="Arial"/>
@@ -9097,10 +11437,15 @@
                 </a:tc>
                 <a:tc>
                   <a:txBody>
-                    <a:bodyPr lIns="90000" rIns="90000" tIns="46800" bIns="46800">
+                    <a:bodyPr lIns="90000" rIns="90000">
                       <a:noAutofit/>
                     </a:bodyPr>
                     <a:p>
+                      <a:pPr>
+                        <a:lnSpc>
+                          <a:spcPct val="100000"/>
+                        </a:lnSpc>
+                      </a:pPr>
                       <a:r>
                         <a:rPr b="0" lang="nl-NL" sz="700" spc="-1" strike="noStrike">
                           <a:latin typeface="Arial"/>
@@ -9145,14 +11490,14 @@
       </p:graphicFrame>
       <p:sp>
         <p:nvSpPr>
-          <p:cNvPr id="134" name="TextShape 6"/>
-          <p:cNvSpPr txBox="1"/>
+          <p:cNvPr id="169" name="CustomShape 6"/>
+          <p:cNvSpPr/>
           <p:nvPr/>
         </p:nvSpPr>
         <p:spPr>
           <a:xfrm>
             <a:off x="6840000" y="3672000"/>
-            <a:ext cx="3096000" cy="541800"/>
+            <a:ext cx="3095640" cy="318600"/>
           </a:xfrm>
           <a:prstGeom prst="rect">
             <a:avLst/>
@@ -9162,11 +11507,22 @@
             <a:noFill/>
           </a:ln>
         </p:spPr>
+        <p:style>
+          <a:lnRef idx="0"/>
+          <a:fillRef idx="0"/>
+          <a:effectRef idx="0"/>
+          <a:fontRef idx="minor"/>
+        </p:style>
         <p:txBody>
           <a:bodyPr lIns="90000" rIns="90000" tIns="45000" bIns="45000">
             <a:spAutoFit/>
           </a:bodyPr>
           <a:p>
+            <a:pPr>
+              <a:lnSpc>
+                <a:spcPct val="100000"/>
+              </a:lnSpc>
+            </a:pPr>
             <a:r>
               <a:rPr b="0" lang="nl-NL" sz="1500" spc="-1" strike="noStrike">
                 <a:latin typeface="Arial"/>
@@ -9181,7 +11537,7 @@
       </p:sp>
       <p:pic>
         <p:nvPicPr>
-          <p:cNvPr id="135" name="" descr=""/>
+          <p:cNvPr id="170" name="" descr=""/>
           <p:cNvPicPr/>
           <p:nvPr/>
         </p:nvPicPr>
@@ -9192,7 +11548,7 @@
         <p:spPr>
           <a:xfrm>
             <a:off x="4176000" y="4176000"/>
-            <a:ext cx="1296000" cy="1179000"/>
+            <a:ext cx="1295640" cy="1178640"/>
           </a:xfrm>
           <a:prstGeom prst="rect">
             <a:avLst/>
@@ -9204,14 +11560,14 @@
       </p:pic>
       <p:sp>
         <p:nvSpPr>
-          <p:cNvPr id="136" name="TextShape 7"/>
-          <p:cNvSpPr txBox="1"/>
+          <p:cNvPr id="171" name="CustomShape 7"/>
+          <p:cNvSpPr/>
           <p:nvPr/>
         </p:nvSpPr>
         <p:spPr>
           <a:xfrm>
             <a:off x="4104000" y="3816000"/>
-            <a:ext cx="1872000" cy="346320"/>
+            <a:ext cx="1871640" cy="363960"/>
           </a:xfrm>
           <a:prstGeom prst="rect">
             <a:avLst/>
@@ -9221,11 +11577,22 @@
             <a:noFill/>
           </a:ln>
         </p:spPr>
+        <p:style>
+          <a:lnRef idx="0"/>
+          <a:fillRef idx="0"/>
+          <a:effectRef idx="0"/>
+          <a:fontRef idx="minor"/>
+        </p:style>
         <p:txBody>
           <a:bodyPr lIns="90000" rIns="90000" tIns="45000" bIns="45000">
             <a:spAutoFit/>
           </a:bodyPr>
           <a:p>
+            <a:pPr>
+              <a:lnSpc>
+                <a:spcPct val="100000"/>
+              </a:lnSpc>
+            </a:pPr>
             <a:r>
               <a:rPr b="0" lang="nl-NL" sz="1800" spc="-1" strike="noStrike">
                 <a:latin typeface="Arial"/>
@@ -9240,14 +11607,14 @@
       </p:sp>
       <p:sp>
         <p:nvSpPr>
-          <p:cNvPr id="137" name="TextShape 8"/>
-          <p:cNvSpPr txBox="1"/>
+          <p:cNvPr id="172" name="CustomShape 8"/>
+          <p:cNvSpPr/>
           <p:nvPr/>
         </p:nvSpPr>
         <p:spPr>
           <a:xfrm>
             <a:off x="4957200" y="1497600"/>
-            <a:ext cx="1594800" cy="302400"/>
+            <a:ext cx="1594440" cy="317880"/>
           </a:xfrm>
           <a:prstGeom prst="rect">
             <a:avLst/>
@@ -9257,11 +11624,22 @@
             <a:noFill/>
           </a:ln>
         </p:spPr>
+        <p:style>
+          <a:lnRef idx="0"/>
+          <a:fillRef idx="0"/>
+          <a:effectRef idx="0"/>
+          <a:fontRef idx="minor"/>
+        </p:style>
         <p:txBody>
           <a:bodyPr lIns="90000" rIns="90000" tIns="45000" bIns="45000">
             <a:spAutoFit/>
           </a:bodyPr>
           <a:p>
+            <a:pPr>
+              <a:lnSpc>
+                <a:spcPct val="100000"/>
+              </a:lnSpc>
+            </a:pPr>
             <a:r>
               <a:rPr b="1" lang="nl-NL" sz="1500" spc="-1" strike="noStrike">
                 <a:latin typeface="Arial"/>
@@ -9312,14 +11690,14 @@
       </p:grpSpPr>
       <p:sp>
         <p:nvSpPr>
-          <p:cNvPr id="138" name="CustomShape 1"/>
+          <p:cNvPr id="173" name="CustomShape 1"/>
           <p:cNvSpPr/>
           <p:nvPr/>
         </p:nvSpPr>
         <p:spPr>
           <a:xfrm>
             <a:off x="503640" y="28800"/>
-            <a:ext cx="9065160" cy="1334520"/>
+            <a:ext cx="9064800" cy="1334160"/>
           </a:xfrm>
           <a:prstGeom prst="rect">
             <a:avLst/>
@@ -9374,14 +11752,14 @@
       </p:sp>
       <p:sp>
         <p:nvSpPr>
-          <p:cNvPr id="139" name="CustomShape 2"/>
+          <p:cNvPr id="174" name="CustomShape 2"/>
           <p:cNvSpPr/>
           <p:nvPr/>
         </p:nvSpPr>
         <p:spPr>
           <a:xfrm>
             <a:off x="503640" y="1326240"/>
-            <a:ext cx="9065160" cy="3282120"/>
+            <a:ext cx="9064800" cy="3281760"/>
           </a:xfrm>
           <a:prstGeom prst="rect">
             <a:avLst/>
@@ -9400,7 +11778,7 @@
       </p:sp>
       <p:pic>
         <p:nvPicPr>
-          <p:cNvPr id="140" name="" descr=""/>
+          <p:cNvPr id="175" name="" descr=""/>
           <p:cNvPicPr/>
           <p:nvPr/>
         </p:nvPicPr>
@@ -9411,7 +11789,7 @@
         <p:spPr>
           <a:xfrm>
             <a:off x="3784320" y="1933560"/>
-            <a:ext cx="1899000" cy="1733400"/>
+            <a:ext cx="1898640" cy="1733040"/>
           </a:xfrm>
           <a:prstGeom prst="rect">
             <a:avLst/>
@@ -9453,14 +11831,14 @@
       </p:grpSpPr>
       <p:sp>
         <p:nvSpPr>
-          <p:cNvPr id="47" name="CustomShape 1"/>
+          <p:cNvPr id="82" name="CustomShape 1"/>
           <p:cNvSpPr/>
           <p:nvPr/>
         </p:nvSpPr>
         <p:spPr>
           <a:xfrm>
             <a:off x="1079640" y="364320"/>
-            <a:ext cx="6981120" cy="757800"/>
+            <a:ext cx="6980760" cy="757440"/>
           </a:xfrm>
           <a:prstGeom prst="rect">
             <a:avLst/>
@@ -9504,14 +11882,14 @@
       </p:sp>
       <p:sp>
         <p:nvSpPr>
-          <p:cNvPr id="48" name="CustomShape 2"/>
+          <p:cNvPr id="83" name="CustomShape 2"/>
           <p:cNvSpPr/>
           <p:nvPr/>
         </p:nvSpPr>
         <p:spPr>
           <a:xfrm>
             <a:off x="935640" y="1367640"/>
-            <a:ext cx="7557120" cy="3653280"/>
+            <a:ext cx="7556760" cy="3652920"/>
           </a:xfrm>
           <a:prstGeom prst="rect">
             <a:avLst/>
@@ -9875,7 +12253,7 @@
       </p:sp>
       <p:pic>
         <p:nvPicPr>
-          <p:cNvPr id="49" name="" descr=""/>
+          <p:cNvPr id="84" name="" descr=""/>
           <p:cNvPicPr/>
           <p:nvPr/>
         </p:nvPicPr>
@@ -9886,7 +12264,7 @@
         <p:spPr>
           <a:xfrm>
             <a:off x="8207280" y="307800"/>
-            <a:ext cx="1590840" cy="1273320"/>
+            <a:ext cx="1590480" cy="1272960"/>
           </a:xfrm>
           <a:prstGeom prst="rect">
             <a:avLst/>
@@ -9898,7 +12276,7 @@
       </p:pic>
       <p:pic>
         <p:nvPicPr>
-          <p:cNvPr id="50" name="" descr=""/>
+          <p:cNvPr id="85" name="" descr=""/>
           <p:cNvPicPr/>
           <p:nvPr/>
         </p:nvPicPr>
@@ -9909,7 +12287,7 @@
         <p:spPr>
           <a:xfrm>
             <a:off x="7431840" y="4733280"/>
-            <a:ext cx="2432160" cy="810720"/>
+            <a:ext cx="2431800" cy="810360"/>
           </a:xfrm>
           <a:prstGeom prst="rect">
             <a:avLst/>
@@ -9951,14 +12329,14 @@
       </p:grpSpPr>
       <p:sp>
         <p:nvSpPr>
-          <p:cNvPr id="141" name="CustomShape 1"/>
+          <p:cNvPr id="176" name="CustomShape 1"/>
           <p:cNvSpPr/>
           <p:nvPr/>
         </p:nvSpPr>
         <p:spPr>
           <a:xfrm>
             <a:off x="503640" y="366120"/>
-            <a:ext cx="9065160" cy="665640"/>
+            <a:ext cx="9064800" cy="665280"/>
           </a:xfrm>
           <a:prstGeom prst="rect">
             <a:avLst/>
@@ -10032,13 +12410,13 @@
       </p:sp>
       <p:graphicFrame>
         <p:nvGraphicFramePr>
-          <p:cNvPr id="142" name="Table 2"/>
+          <p:cNvPr id="177" name="Table 2"/>
           <p:cNvGraphicFramePr/>
           <p:nvPr/>
         </p:nvGraphicFramePr>
         <p:xfrm>
           <a:off x="484920" y="3591360"/>
-          <a:ext cx="2899080" cy="1975680"/>
+          <a:ext cx="2898720" cy="1975680"/>
         </p:xfrm>
         <a:graphic>
           <a:graphicData uri="http://schemas.openxmlformats.org/drawingml/2006/table">
@@ -10051,7 +12429,7 @@
                 <a:gridCol w="579960"/>
                 <a:gridCol w="579240"/>
               </a:tblGrid>
-              <a:tr h="278280">
+              <a:tr h="347760">
                 <a:tc>
                   <a:tcPr marL="90000" marR="90000">
                     <a:lnL w="720">
@@ -10188,7 +12566,7 @@
                   </a:tcPr>
                 </a:tc>
               </a:tr>
-              <a:tr h="646920">
+              <a:tr h="513720">
                 <a:tc>
                   <a:tcPr marL="90000" marR="90000">
                     <a:lnL w="720">
@@ -10218,10 +12596,15 @@
                 </a:tc>
                 <a:tc>
                   <a:txBody>
-                    <a:bodyPr lIns="90000" rIns="90000" tIns="46800" bIns="46800">
+                    <a:bodyPr lIns="90000" rIns="90000">
                       <a:noAutofit/>
                     </a:bodyPr>
                     <a:p>
+                      <a:pPr>
+                        <a:lnSpc>
+                          <a:spcPct val="100000"/>
+                        </a:lnSpc>
+                      </a:pPr>
                       <a:r>
                         <a:rPr b="0" lang="nl-NL" sz="1300" spc="-1" strike="noStrike">
                           <a:latin typeface="Arial"/>
@@ -10233,6 +12616,11 @@
                       </a:endParaRPr>
                     </a:p>
                     <a:p>
+                      <a:pPr>
+                        <a:lnSpc>
+                          <a:spcPct val="100000"/>
+                        </a:lnSpc>
+                      </a:pPr>
                       <a:r>
                         <a:rPr b="0" lang="nl-NL" sz="1300" spc="-1" strike="noStrike">
                           <a:latin typeface="Arial"/>
@@ -10352,7 +12740,7 @@
                   </a:tcPr>
                 </a:tc>
               </a:tr>
-              <a:tr h="350280">
+              <a:tr h="348120">
                 <a:tc>
                   <a:tcPr marL="90000" marR="90000">
                     <a:lnL w="720">
@@ -10382,15 +12770,25 @@
                 </a:tc>
                 <a:tc>
                   <a:txBody>
-                    <a:bodyPr lIns="90000" rIns="90000" tIns="46800" bIns="46800">
+                    <a:bodyPr lIns="90000" rIns="90000">
                       <a:noAutofit/>
                     </a:bodyPr>
                     <a:p>
-                      <a:endParaRPr b="0" lang="nl-NL" sz="900" spc="-1" strike="noStrike">
+                      <a:pPr>
+                        <a:lnSpc>
+                          <a:spcPct val="100000"/>
+                        </a:lnSpc>
+                      </a:pPr>
+                      <a:endParaRPr b="0" lang="nl-NL" sz="1800" spc="-1" strike="noStrike">
                         <a:latin typeface="Arial"/>
                       </a:endParaRPr>
                     </a:p>
                     <a:p>
+                      <a:pPr>
+                        <a:lnSpc>
+                          <a:spcPct val="100000"/>
+                        </a:lnSpc>
+                      </a:pPr>
                       <a:r>
                         <a:rPr b="0" lang="nl-NL" sz="900" spc="-1" strike="noStrike">
                           <a:latin typeface="Arial"/>
@@ -10430,16 +12828,26 @@
                 </a:tc>
                 <a:tc>
                   <a:txBody>
-                    <a:bodyPr lIns="90000" rIns="90000" tIns="46800" bIns="46800">
+                    <a:bodyPr lIns="90000" rIns="90000">
                       <a:noAutofit/>
                     </a:bodyPr>
                     <a:p>
-                      <a:endParaRPr b="0" lang="nl-NL" sz="900" spc="-1" strike="noStrike">
+                      <a:pPr>
+                        <a:lnSpc>
+                          <a:spcPct val="100000"/>
+                        </a:lnSpc>
+                      </a:pPr>
+                      <a:endParaRPr b="0" lang="nl-NL" sz="1800" spc="-1" strike="noStrike">
                         <a:latin typeface="Arial"/>
                       </a:endParaRPr>
                     </a:p>
                     <a:p>
-                      <a:endParaRPr b="0" lang="nl-NL" sz="900" spc="-1" strike="noStrike">
+                      <a:pPr>
+                        <a:lnSpc>
+                          <a:spcPct val="100000"/>
+                        </a:lnSpc>
+                      </a:pPr>
+                      <a:endParaRPr b="0" lang="nl-NL" sz="1800" spc="-1" strike="noStrike">
                         <a:latin typeface="Arial"/>
                       </a:endParaRPr>
                     </a:p>
@@ -10525,7 +12933,7 @@
                   </a:tcPr>
                 </a:tc>
               </a:tr>
-              <a:tr h="350280">
+              <a:tr h="348120">
                 <a:tc>
                   <a:tcPr marL="90000" marR="90000">
                     <a:lnL w="720">
@@ -10555,10 +12963,15 @@
                 </a:tc>
                 <a:tc>
                   <a:txBody>
-                    <a:bodyPr lIns="90000" rIns="90000" tIns="46800" bIns="46800">
+                    <a:bodyPr lIns="90000" rIns="90000">
                       <a:noAutofit/>
                     </a:bodyPr>
                     <a:p>
+                      <a:pPr>
+                        <a:lnSpc>
+                          <a:spcPct val="100000"/>
+                        </a:lnSpc>
+                      </a:pPr>
                       <a:r>
                         <a:rPr b="0" lang="nl-NL" sz="900" spc="-1" strike="noStrike">
                           <a:latin typeface="Arial"/>
@@ -10598,16 +13011,26 @@
                 </a:tc>
                 <a:tc>
                   <a:txBody>
-                    <a:bodyPr lIns="90000" rIns="90000" tIns="46800" bIns="46800">
+                    <a:bodyPr lIns="90000" rIns="90000">
                       <a:noAutofit/>
                     </a:bodyPr>
                     <a:p>
-                      <a:endParaRPr b="0" lang="nl-NL" sz="900" spc="-1" strike="noStrike">
+                      <a:pPr>
+                        <a:lnSpc>
+                          <a:spcPct val="100000"/>
+                        </a:lnSpc>
+                      </a:pPr>
+                      <a:endParaRPr b="0" lang="nl-NL" sz="1800" spc="-1" strike="noStrike">
                         <a:latin typeface="Arial"/>
                       </a:endParaRPr>
                     </a:p>
                     <a:p>
-                      <a:endParaRPr b="0" lang="nl-NL" sz="900" spc="-1" strike="noStrike">
+                      <a:pPr>
+                        <a:lnSpc>
+                          <a:spcPct val="100000"/>
+                        </a:lnSpc>
+                      </a:pPr>
+                      <a:endParaRPr b="0" lang="nl-NL" sz="1800" spc="-1" strike="noStrike">
                         <a:latin typeface="Arial"/>
                       </a:endParaRPr>
                     </a:p>
@@ -10693,7 +13116,7 @@
                   </a:tcPr>
                 </a:tc>
               </a:tr>
-              <a:tr h="350280">
+              <a:tr h="348120">
                 <a:tc>
                   <a:tcPr marL="90000" marR="90000">
                     <a:lnL w="720">
@@ -10723,10 +13146,15 @@
                 </a:tc>
                 <a:tc>
                   <a:txBody>
-                    <a:bodyPr lIns="90000" rIns="90000" tIns="46800" bIns="46800">
+                    <a:bodyPr lIns="90000" rIns="90000">
                       <a:noAutofit/>
                     </a:bodyPr>
                     <a:p>
+                      <a:pPr>
+                        <a:lnSpc>
+                          <a:spcPct val="100000"/>
+                        </a:lnSpc>
+                      </a:pPr>
                       <a:r>
                         <a:rPr b="0" lang="nl-NL" sz="900" spc="-1" strike="noStrike">
                           <a:latin typeface="Arial"/>
@@ -10766,10 +13194,15 @@
                 </a:tc>
                 <a:tc>
                   <a:txBody>
-                    <a:bodyPr lIns="90000" rIns="90000" tIns="46800" bIns="46800">
+                    <a:bodyPr lIns="90000" rIns="90000">
                       <a:noAutofit/>
                     </a:bodyPr>
                     <a:p>
+                      <a:pPr>
+                        <a:lnSpc>
+                          <a:spcPct val="100000"/>
+                        </a:lnSpc>
+                      </a:pPr>
                       <a:r>
                         <a:rPr b="0" lang="nl-NL" sz="900" spc="-1" strike="noStrike">
                           <a:latin typeface="Arial"/>
@@ -10809,10 +13242,15 @@
                 </a:tc>
                 <a:tc>
                   <a:txBody>
-                    <a:bodyPr lIns="90000" rIns="90000" tIns="46800" bIns="46800">
+                    <a:bodyPr lIns="90000" rIns="90000">
                       <a:noAutofit/>
                     </a:bodyPr>
                     <a:p>
+                      <a:pPr>
+                        <a:lnSpc>
+                          <a:spcPct val="100000"/>
+                        </a:lnSpc>
+                      </a:pPr>
                       <a:r>
                         <a:rPr b="0" lang="nl-NL" sz="900" spc="-1" strike="noStrike">
                           <a:latin typeface="Arial"/>
@@ -10824,6 +13262,11 @@
                       </a:endParaRPr>
                     </a:p>
                     <a:p>
+                      <a:pPr>
+                        <a:lnSpc>
+                          <a:spcPct val="100000"/>
+                        </a:lnSpc>
+                      </a:pPr>
                       <a:endParaRPr b="0" lang="nl-NL" sz="900" spc="-1" strike="noStrike">
                         <a:latin typeface="Arial"/>
                       </a:endParaRPr>
@@ -10857,10 +13300,15 @@
                 </a:tc>
                 <a:tc>
                   <a:txBody>
-                    <a:bodyPr lIns="90000" rIns="90000" tIns="46800" bIns="46800">
+                    <a:bodyPr lIns="90000" rIns="90000">
                       <a:noAutofit/>
                     </a:bodyPr>
                     <a:p>
+                      <a:pPr>
+                        <a:lnSpc>
+                          <a:spcPct val="100000"/>
+                        </a:lnSpc>
+                      </a:pPr>
                       <a:r>
                         <a:rPr b="0" lang="nl-NL" sz="900" spc="-1" strike="noStrike">
                           <a:latin typeface="Arial"/>
@@ -10872,6 +13320,11 @@
                       </a:endParaRPr>
                     </a:p>
                     <a:p>
+                      <a:pPr>
+                        <a:lnSpc>
+                          <a:spcPct val="100000"/>
+                        </a:lnSpc>
+                      </a:pPr>
                       <a:r>
                         <a:rPr b="0" lang="nl-NL" sz="900" spc="-1" strike="noStrike">
                           <a:latin typeface="Arial"/>
@@ -10916,14 +13369,14 @@
       </p:graphicFrame>
       <p:sp>
         <p:nvSpPr>
-          <p:cNvPr id="143" name="TextShape 3"/>
-          <p:cNvSpPr txBox="1"/>
+          <p:cNvPr id="178" name="CustomShape 3"/>
+          <p:cNvSpPr/>
           <p:nvPr/>
         </p:nvSpPr>
         <p:spPr>
           <a:xfrm>
             <a:off x="648000" y="1368000"/>
-            <a:ext cx="6264000" cy="2182320"/>
+            <a:ext cx="6263640" cy="2310840"/>
           </a:xfrm>
           <a:prstGeom prst="rect">
             <a:avLst/>
@@ -10933,11 +13386,22 @@
             <a:noFill/>
           </a:ln>
         </p:spPr>
+        <p:style>
+          <a:lnRef idx="0"/>
+          <a:fillRef idx="0"/>
+          <a:effectRef idx="0"/>
+          <a:fontRef idx="minor"/>
+        </p:style>
         <p:txBody>
           <a:bodyPr lIns="90000" rIns="90000" tIns="45000" bIns="45000">
             <a:spAutoFit/>
           </a:bodyPr>
           <a:p>
+            <a:pPr>
+              <a:lnSpc>
+                <a:spcPct val="100000"/>
+              </a:lnSpc>
+            </a:pPr>
             <a:r>
               <a:rPr b="1" lang="nl-NL" sz="1800" spc="-1" strike="noStrike">
                 <a:latin typeface="Arial"/>
@@ -10955,6 +13419,11 @@
             </a:endParaRPr>
           </a:p>
           <a:p>
+            <a:pPr>
+              <a:lnSpc>
+                <a:spcPct val="100000"/>
+              </a:lnSpc>
+            </a:pPr>
             <a:r>
               <a:rPr b="0" lang="nl-NL" sz="1600" spc="-1" strike="noStrike">
                 <a:latin typeface="Arial"/>
@@ -10966,6 +13435,11 @@
             </a:endParaRPr>
           </a:p>
           <a:p>
+            <a:pPr>
+              <a:lnSpc>
+                <a:spcPct val="100000"/>
+              </a:lnSpc>
+            </a:pPr>
             <a:r>
               <a:rPr b="0" lang="nl-NL" sz="1600" spc="-1" strike="noStrike">
                 <a:latin typeface="Arial"/>
@@ -10989,6 +13463,11 @@
             </a:endParaRPr>
           </a:p>
           <a:p>
+            <a:pPr>
+              <a:lnSpc>
+                <a:spcPct val="100000"/>
+              </a:lnSpc>
+            </a:pPr>
             <a:r>
               <a:rPr b="0" lang="nl-NL" sz="1600" spc="-1" strike="noStrike">
                 <a:latin typeface="Arial"/>
@@ -11000,6 +13479,11 @@
             </a:endParaRPr>
           </a:p>
           <a:p>
+            <a:pPr>
+              <a:lnSpc>
+                <a:spcPct val="100000"/>
+              </a:lnSpc>
+            </a:pPr>
             <a:r>
               <a:rPr b="0" lang="nl-NL" sz="1600" spc="-1" strike="noStrike">
                 <a:latin typeface="Arial"/>
@@ -11011,6 +13495,11 @@
             </a:endParaRPr>
           </a:p>
           <a:p>
+            <a:pPr>
+              <a:lnSpc>
+                <a:spcPct val="100000"/>
+              </a:lnSpc>
+            </a:pPr>
             <a:r>
               <a:rPr b="0" lang="nl-NL" sz="1600" spc="-1" strike="noStrike">
                 <a:latin typeface="Arial"/>
@@ -11022,6 +13511,11 @@
             </a:endParaRPr>
           </a:p>
           <a:p>
+            <a:pPr>
+              <a:lnSpc>
+                <a:spcPct val="100000"/>
+              </a:lnSpc>
+            </a:pPr>
             <a:r>
               <a:rPr b="0" lang="nl-NL" sz="1600" spc="-1" strike="noStrike">
                 <a:latin typeface="Arial"/>
@@ -11033,6 +13527,11 @@
             </a:endParaRPr>
           </a:p>
           <a:p>
+            <a:pPr>
+              <a:lnSpc>
+                <a:spcPct val="100000"/>
+              </a:lnSpc>
+            </a:pPr>
             <a:r>
               <a:rPr b="0" lang="nl-NL" sz="1600" spc="-1" strike="noStrike">
                 <a:latin typeface="Arial"/>
@@ -11044,6 +13543,11 @@
             </a:endParaRPr>
           </a:p>
           <a:p>
+            <a:pPr>
+              <a:lnSpc>
+                <a:spcPct val="100000"/>
+              </a:lnSpc>
+            </a:pPr>
             <a:endParaRPr b="0" lang="nl-NL" sz="1600" spc="-1" strike="noStrike">
               <a:latin typeface="Arial"/>
             </a:endParaRPr>
@@ -11052,14 +13556,14 @@
       </p:sp>
       <p:sp>
         <p:nvSpPr>
-          <p:cNvPr id="144" name="TextShape 4"/>
-          <p:cNvSpPr txBox="1"/>
+          <p:cNvPr id="179" name="CustomShape 4"/>
+          <p:cNvSpPr/>
           <p:nvPr/>
         </p:nvSpPr>
         <p:spPr>
           <a:xfrm>
             <a:off x="504000" y="3217680"/>
-            <a:ext cx="2808000" cy="346320"/>
+            <a:ext cx="2807640" cy="363960"/>
           </a:xfrm>
           <a:prstGeom prst="rect">
             <a:avLst/>
@@ -11069,11 +13573,22 @@
             <a:noFill/>
           </a:ln>
         </p:spPr>
+        <p:style>
+          <a:lnRef idx="0"/>
+          <a:fillRef idx="0"/>
+          <a:effectRef idx="0"/>
+          <a:fontRef idx="minor"/>
+        </p:style>
         <p:txBody>
           <a:bodyPr lIns="90000" rIns="90000" tIns="45000" bIns="45000">
             <a:spAutoFit/>
           </a:bodyPr>
           <a:p>
+            <a:pPr>
+              <a:lnSpc>
+                <a:spcPct val="100000"/>
+              </a:lnSpc>
+            </a:pPr>
             <a:r>
               <a:rPr b="0" lang="nl-NL" sz="1800" spc="-1" strike="noStrike">
                 <a:latin typeface="Arial"/>
@@ -11088,13 +13603,13 @@
       </p:sp>
       <p:graphicFrame>
         <p:nvGraphicFramePr>
-          <p:cNvPr id="145" name="Table 5"/>
+          <p:cNvPr id="180" name="Table 5"/>
           <p:cNvGraphicFramePr/>
           <p:nvPr/>
         </p:nvGraphicFramePr>
         <p:xfrm>
           <a:off x="6955560" y="3999960"/>
-          <a:ext cx="2195640" cy="1525320"/>
+          <a:ext cx="2195280" cy="1524960"/>
         </p:xfrm>
         <a:graphic>
           <a:graphicData uri="http://schemas.openxmlformats.org/drawingml/2006/table">
@@ -11110,10 +13625,15 @@
               <a:tr h="305280">
                 <a:tc>
                   <a:txBody>
-                    <a:bodyPr lIns="90000" rIns="90000" tIns="46800" bIns="46800">
+                    <a:bodyPr lIns="90000" rIns="90000">
                       <a:noAutofit/>
                     </a:bodyPr>
                     <a:p>
+                      <a:pPr>
+                        <a:lnSpc>
+                          <a:spcPct val="100000"/>
+                        </a:lnSpc>
+                      </a:pPr>
                       <a:r>
                         <a:rPr b="0" lang="nl-NL" sz="700" spc="-1" strike="noStrike">
                           <a:latin typeface="Arial"/>
@@ -11153,10 +13673,15 @@
                 </a:tc>
                 <a:tc>
                   <a:txBody>
-                    <a:bodyPr lIns="90000" rIns="90000" tIns="46800" bIns="46800">
+                    <a:bodyPr lIns="90000" rIns="90000">
                       <a:noAutofit/>
                     </a:bodyPr>
                     <a:p>
+                      <a:pPr>
+                        <a:lnSpc>
+                          <a:spcPct val="100000"/>
+                        </a:lnSpc>
+                      </a:pPr>
                       <a:r>
                         <a:rPr b="0" lang="nl-NL" sz="700" spc="-1" strike="noStrike">
                           <a:latin typeface="Arial"/>
@@ -11196,10 +13721,15 @@
                 </a:tc>
                 <a:tc>
                   <a:txBody>
-                    <a:bodyPr lIns="90000" rIns="90000" tIns="46800" bIns="46800">
+                    <a:bodyPr lIns="90000" rIns="90000">
                       <a:noAutofit/>
                     </a:bodyPr>
                     <a:p>
+                      <a:pPr>
+                        <a:lnSpc>
+                          <a:spcPct val="100000"/>
+                        </a:lnSpc>
+                      </a:pPr>
                       <a:r>
                         <a:rPr b="0" lang="nl-NL" sz="700" spc="-1" strike="noStrike">
                           <a:latin typeface="Arial"/>
@@ -11239,10 +13769,15 @@
                 </a:tc>
                 <a:tc>
                   <a:txBody>
-                    <a:bodyPr lIns="90000" rIns="90000" tIns="46800" bIns="46800">
+                    <a:bodyPr lIns="90000" rIns="90000">
                       <a:noAutofit/>
                     </a:bodyPr>
                     <a:p>
+                      <a:pPr>
+                        <a:lnSpc>
+                          <a:spcPct val="100000"/>
+                        </a:lnSpc>
+                      </a:pPr>
                       <a:r>
                         <a:rPr b="0" lang="nl-NL" sz="700" spc="-1" strike="noStrike">
                           <a:latin typeface="Arial"/>
@@ -11282,10 +13817,15 @@
                 </a:tc>
                 <a:tc>
                   <a:txBody>
-                    <a:bodyPr lIns="90000" rIns="90000" tIns="46800" bIns="46800">
+                    <a:bodyPr lIns="90000" rIns="90000">
                       <a:noAutofit/>
                     </a:bodyPr>
                     <a:p>
+                      <a:pPr>
+                        <a:lnSpc>
+                          <a:spcPct val="100000"/>
+                        </a:lnSpc>
+                      </a:pPr>
                       <a:r>
                         <a:rPr b="0" lang="nl-NL" sz="700" spc="-1" strike="noStrike">
                           <a:latin typeface="Arial"/>
@@ -11327,10 +13867,15 @@
               <a:tr h="305280">
                 <a:tc>
                   <a:txBody>
-                    <a:bodyPr lIns="90000" rIns="90000" tIns="46800" bIns="46800">
+                    <a:bodyPr lIns="90000" rIns="90000">
                       <a:noAutofit/>
                     </a:bodyPr>
                     <a:p>
+                      <a:pPr>
+                        <a:lnSpc>
+                          <a:spcPct val="100000"/>
+                        </a:lnSpc>
+                      </a:pPr>
                       <a:r>
                         <a:rPr b="0" lang="nl-NL" sz="700" spc="-1" strike="noStrike">
                           <a:latin typeface="Arial"/>
@@ -11370,10 +13915,15 @@
                 </a:tc>
                 <a:tc>
                   <a:txBody>
-                    <a:bodyPr lIns="90000" rIns="90000" tIns="46800" bIns="46800">
+                    <a:bodyPr lIns="90000" rIns="90000">
                       <a:noAutofit/>
                     </a:bodyPr>
                     <a:p>
+                      <a:pPr>
+                        <a:lnSpc>
+                          <a:spcPct val="100000"/>
+                        </a:lnSpc>
+                      </a:pPr>
                       <a:r>
                         <a:rPr b="0" lang="nl-NL" sz="700" spc="-1" strike="noStrike">
                           <a:latin typeface="Arial"/>
@@ -11413,10 +13963,15 @@
                 </a:tc>
                 <a:tc>
                   <a:txBody>
-                    <a:bodyPr lIns="90000" rIns="90000" tIns="46800" bIns="46800">
+                    <a:bodyPr lIns="90000" rIns="90000">
                       <a:noAutofit/>
                     </a:bodyPr>
                     <a:p>
+                      <a:pPr>
+                        <a:lnSpc>
+                          <a:spcPct val="100000"/>
+                        </a:lnSpc>
+                      </a:pPr>
                       <a:r>
                         <a:rPr b="0" lang="nl-NL" sz="700" spc="-1" strike="noStrike">
                           <a:latin typeface="Arial"/>
@@ -11456,10 +14011,15 @@
                 </a:tc>
                 <a:tc>
                   <a:txBody>
-                    <a:bodyPr lIns="90000" rIns="90000" tIns="46800" bIns="46800">
+                    <a:bodyPr lIns="90000" rIns="90000">
                       <a:noAutofit/>
                     </a:bodyPr>
                     <a:p>
+                      <a:pPr>
+                        <a:lnSpc>
+                          <a:spcPct val="100000"/>
+                        </a:lnSpc>
+                      </a:pPr>
                       <a:r>
                         <a:rPr b="0" lang="nl-NL" sz="700" spc="-1" strike="noStrike">
                           <a:latin typeface="Arial"/>
@@ -11499,10 +14059,15 @@
                 </a:tc>
                 <a:tc>
                   <a:txBody>
-                    <a:bodyPr lIns="90000" rIns="90000" tIns="46800" bIns="46800">
+                    <a:bodyPr lIns="90000" rIns="90000">
                       <a:noAutofit/>
                     </a:bodyPr>
                     <a:p>
+                      <a:pPr>
+                        <a:lnSpc>
+                          <a:spcPct val="100000"/>
+                        </a:lnSpc>
+                      </a:pPr>
                       <a:r>
                         <a:rPr b="0" lang="nl-NL" sz="700" spc="-1" strike="noStrike">
                           <a:latin typeface="Arial"/>
@@ -11544,10 +14109,15 @@
               <a:tr h="305280">
                 <a:tc>
                   <a:txBody>
-                    <a:bodyPr lIns="90000" rIns="90000" tIns="46800" bIns="46800">
+                    <a:bodyPr lIns="90000" rIns="90000">
                       <a:noAutofit/>
                     </a:bodyPr>
                     <a:p>
+                      <a:pPr>
+                        <a:lnSpc>
+                          <a:spcPct val="100000"/>
+                        </a:lnSpc>
+                      </a:pPr>
                       <a:r>
                         <a:rPr b="0" lang="nl-NL" sz="700" spc="-1" strike="noStrike">
                           <a:latin typeface="Arial"/>
@@ -11587,10 +14157,15 @@
                 </a:tc>
                 <a:tc>
                   <a:txBody>
-                    <a:bodyPr lIns="90000" rIns="90000" tIns="46800" bIns="46800">
+                    <a:bodyPr lIns="90000" rIns="90000">
                       <a:noAutofit/>
                     </a:bodyPr>
                     <a:p>
+                      <a:pPr>
+                        <a:lnSpc>
+                          <a:spcPct val="100000"/>
+                        </a:lnSpc>
+                      </a:pPr>
                       <a:r>
                         <a:rPr b="0" lang="nl-NL" sz="700" spc="-1" strike="noStrike">
                           <a:latin typeface="Arial"/>
@@ -11630,10 +14205,15 @@
                 </a:tc>
                 <a:tc>
                   <a:txBody>
-                    <a:bodyPr lIns="90000" rIns="90000" tIns="46800" bIns="46800">
+                    <a:bodyPr lIns="90000" rIns="90000">
                       <a:noAutofit/>
                     </a:bodyPr>
                     <a:p>
+                      <a:pPr>
+                        <a:lnSpc>
+                          <a:spcPct val="100000"/>
+                        </a:lnSpc>
+                      </a:pPr>
                       <a:r>
                         <a:rPr b="0" lang="nl-NL" sz="700" spc="-1" strike="noStrike">
                           <a:latin typeface="Arial"/>
@@ -11673,10 +14253,15 @@
                 </a:tc>
                 <a:tc>
                   <a:txBody>
-                    <a:bodyPr lIns="90000" rIns="90000" tIns="46800" bIns="46800">
+                    <a:bodyPr lIns="90000" rIns="90000">
                       <a:noAutofit/>
                     </a:bodyPr>
                     <a:p>
+                      <a:pPr>
+                        <a:lnSpc>
+                          <a:spcPct val="100000"/>
+                        </a:lnSpc>
+                      </a:pPr>
                       <a:r>
                         <a:rPr b="0" lang="nl-NL" sz="700" spc="-1" strike="noStrike">
                           <a:latin typeface="Arial"/>
@@ -11716,10 +14301,15 @@
                 </a:tc>
                 <a:tc>
                   <a:txBody>
-                    <a:bodyPr lIns="90000" rIns="90000" tIns="46800" bIns="46800">
+                    <a:bodyPr lIns="90000" rIns="90000">
                       <a:noAutofit/>
                     </a:bodyPr>
                     <a:p>
+                      <a:pPr>
+                        <a:lnSpc>
+                          <a:spcPct val="100000"/>
+                        </a:lnSpc>
+                      </a:pPr>
                       <a:r>
                         <a:rPr b="0" lang="nl-NL" sz="700" spc="-1" strike="noStrike">
                           <a:latin typeface="Arial"/>
@@ -11761,10 +14351,15 @@
               <a:tr h="305280">
                 <a:tc>
                   <a:txBody>
-                    <a:bodyPr lIns="90000" rIns="90000" tIns="46800" bIns="46800">
+                    <a:bodyPr lIns="90000" rIns="90000">
                       <a:noAutofit/>
                     </a:bodyPr>
                     <a:p>
+                      <a:pPr>
+                        <a:lnSpc>
+                          <a:spcPct val="100000"/>
+                        </a:lnSpc>
+                      </a:pPr>
                       <a:r>
                         <a:rPr b="0" lang="nl-NL" sz="700" spc="-1" strike="noStrike">
                           <a:latin typeface="Arial"/>
@@ -11804,10 +14399,15 @@
                 </a:tc>
                 <a:tc>
                   <a:txBody>
-                    <a:bodyPr lIns="90000" rIns="90000" tIns="46800" bIns="46800">
+                    <a:bodyPr lIns="90000" rIns="90000">
                       <a:noAutofit/>
                     </a:bodyPr>
                     <a:p>
+                      <a:pPr>
+                        <a:lnSpc>
+                          <a:spcPct val="100000"/>
+                        </a:lnSpc>
+                      </a:pPr>
                       <a:r>
                         <a:rPr b="0" lang="nl-NL" sz="700" spc="-1" strike="noStrike">
                           <a:latin typeface="Arial"/>
@@ -11847,10 +14447,15 @@
                 </a:tc>
                 <a:tc>
                   <a:txBody>
-                    <a:bodyPr lIns="90000" rIns="90000" tIns="46800" bIns="46800">
+                    <a:bodyPr lIns="90000" rIns="90000">
                       <a:noAutofit/>
                     </a:bodyPr>
                     <a:p>
+                      <a:pPr>
+                        <a:lnSpc>
+                          <a:spcPct val="100000"/>
+                        </a:lnSpc>
+                      </a:pPr>
                       <a:r>
                         <a:rPr b="0" lang="nl-NL" sz="700" spc="-1" strike="noStrike">
                           <a:latin typeface="Arial"/>
@@ -11890,10 +14495,15 @@
                 </a:tc>
                 <a:tc>
                   <a:txBody>
-                    <a:bodyPr lIns="90000" rIns="90000" tIns="46800" bIns="46800">
+                    <a:bodyPr lIns="90000" rIns="90000">
                       <a:noAutofit/>
                     </a:bodyPr>
                     <a:p>
+                      <a:pPr>
+                        <a:lnSpc>
+                          <a:spcPct val="100000"/>
+                        </a:lnSpc>
+                      </a:pPr>
                       <a:r>
                         <a:rPr b="0" lang="nl-NL" sz="700" spc="-1" strike="noStrike">
                           <a:latin typeface="Arial"/>
@@ -11933,10 +14543,15 @@
                 </a:tc>
                 <a:tc>
                   <a:txBody>
-                    <a:bodyPr lIns="90000" rIns="90000" tIns="46800" bIns="46800">
+                    <a:bodyPr lIns="90000" rIns="90000">
                       <a:noAutofit/>
                     </a:bodyPr>
                     <a:p>
+                      <a:pPr>
+                        <a:lnSpc>
+                          <a:spcPct val="100000"/>
+                        </a:lnSpc>
+                      </a:pPr>
                       <a:r>
                         <a:rPr b="0" lang="nl-NL" sz="700" spc="-1" strike="noStrike">
                           <a:latin typeface="Arial"/>
@@ -11975,13 +14590,18 @@
                   </a:tcPr>
                 </a:tc>
               </a:tr>
-              <a:tr h="304200">
+              <a:tr h="303840">
                 <a:tc>
                   <a:txBody>
-                    <a:bodyPr lIns="90000" rIns="90000" tIns="46800" bIns="46800">
+                    <a:bodyPr lIns="90000" rIns="90000">
                       <a:noAutofit/>
                     </a:bodyPr>
                     <a:p>
+                      <a:pPr>
+                        <a:lnSpc>
+                          <a:spcPct val="100000"/>
+                        </a:lnSpc>
+                      </a:pPr>
                       <a:r>
                         <a:rPr b="0" lang="nl-NL" sz="700" spc="-1" strike="noStrike">
                           <a:latin typeface="Arial"/>
@@ -12021,10 +14641,15 @@
                 </a:tc>
                 <a:tc>
                   <a:txBody>
-                    <a:bodyPr lIns="90000" rIns="90000" tIns="46800" bIns="46800">
+                    <a:bodyPr lIns="90000" rIns="90000">
                       <a:noAutofit/>
                     </a:bodyPr>
                     <a:p>
+                      <a:pPr>
+                        <a:lnSpc>
+                          <a:spcPct val="100000"/>
+                        </a:lnSpc>
+                      </a:pPr>
                       <a:r>
                         <a:rPr b="0" lang="nl-NL" sz="700" spc="-1" strike="noStrike">
                           <a:latin typeface="Arial"/>
@@ -12064,10 +14689,15 @@
                 </a:tc>
                 <a:tc>
                   <a:txBody>
-                    <a:bodyPr lIns="90000" rIns="90000" tIns="46800" bIns="46800">
+                    <a:bodyPr lIns="90000" rIns="90000">
                       <a:noAutofit/>
                     </a:bodyPr>
                     <a:p>
+                      <a:pPr>
+                        <a:lnSpc>
+                          <a:spcPct val="100000"/>
+                        </a:lnSpc>
+                      </a:pPr>
                       <a:r>
                         <a:rPr b="0" lang="nl-NL" sz="700" spc="-1" strike="noStrike">
                           <a:latin typeface="Arial"/>
@@ -12107,10 +14737,15 @@
                 </a:tc>
                 <a:tc>
                   <a:txBody>
-                    <a:bodyPr lIns="90000" rIns="90000" tIns="46800" bIns="46800">
+                    <a:bodyPr lIns="90000" rIns="90000">
                       <a:noAutofit/>
                     </a:bodyPr>
                     <a:p>
+                      <a:pPr>
+                        <a:lnSpc>
+                          <a:spcPct val="100000"/>
+                        </a:lnSpc>
+                      </a:pPr>
                       <a:r>
                         <a:rPr b="0" lang="nl-NL" sz="700" spc="-1" strike="noStrike">
                           <a:latin typeface="Arial"/>
@@ -12150,10 +14785,15 @@
                 </a:tc>
                 <a:tc>
                   <a:txBody>
-                    <a:bodyPr lIns="90000" rIns="90000" tIns="46800" bIns="46800">
+                    <a:bodyPr lIns="90000" rIns="90000">
                       <a:noAutofit/>
                     </a:bodyPr>
                     <a:p>
+                      <a:pPr>
+                        <a:lnSpc>
+                          <a:spcPct val="100000"/>
+                        </a:lnSpc>
+                      </a:pPr>
                       <a:r>
                         <a:rPr b="0" lang="nl-NL" sz="700" spc="-1" strike="noStrike">
                           <a:latin typeface="Arial"/>
@@ -12198,14 +14838,14 @@
       </p:graphicFrame>
       <p:sp>
         <p:nvSpPr>
-          <p:cNvPr id="146" name="TextShape 6"/>
-          <p:cNvSpPr txBox="1"/>
+          <p:cNvPr id="181" name="CustomShape 6"/>
+          <p:cNvSpPr/>
           <p:nvPr/>
         </p:nvSpPr>
         <p:spPr>
           <a:xfrm>
             <a:off x="6840000" y="3672000"/>
-            <a:ext cx="3096000" cy="541800"/>
+            <a:ext cx="3095640" cy="318600"/>
           </a:xfrm>
           <a:prstGeom prst="rect">
             <a:avLst/>
@@ -12215,11 +14855,22 @@
             <a:noFill/>
           </a:ln>
         </p:spPr>
+        <p:style>
+          <a:lnRef idx="0"/>
+          <a:fillRef idx="0"/>
+          <a:effectRef idx="0"/>
+          <a:fontRef idx="minor"/>
+        </p:style>
         <p:txBody>
           <a:bodyPr lIns="90000" rIns="90000" tIns="45000" bIns="45000">
             <a:spAutoFit/>
           </a:bodyPr>
           <a:p>
+            <a:pPr>
+              <a:lnSpc>
+                <a:spcPct val="100000"/>
+              </a:lnSpc>
+            </a:pPr>
             <a:r>
               <a:rPr b="0" lang="nl-NL" sz="1500" spc="-1" strike="noStrike">
                 <a:latin typeface="Arial"/>
@@ -12234,7 +14885,7 @@
       </p:sp>
       <p:pic>
         <p:nvPicPr>
-          <p:cNvPr id="147" name="" descr=""/>
+          <p:cNvPr id="182" name="" descr=""/>
           <p:cNvPicPr/>
           <p:nvPr/>
         </p:nvPicPr>
@@ -12245,7 +14896,7 @@
         <p:spPr>
           <a:xfrm>
             <a:off x="4176000" y="4176000"/>
-            <a:ext cx="1296000" cy="1179000"/>
+            <a:ext cx="1295640" cy="1178640"/>
           </a:xfrm>
           <a:prstGeom prst="rect">
             <a:avLst/>
@@ -12257,14 +14908,14 @@
       </p:pic>
       <p:sp>
         <p:nvSpPr>
-          <p:cNvPr id="148" name="TextShape 7"/>
-          <p:cNvSpPr txBox="1"/>
+          <p:cNvPr id="183" name="CustomShape 7"/>
+          <p:cNvSpPr/>
           <p:nvPr/>
         </p:nvSpPr>
         <p:spPr>
           <a:xfrm>
             <a:off x="4104000" y="3816000"/>
-            <a:ext cx="1872000" cy="346320"/>
+            <a:ext cx="1871640" cy="363960"/>
           </a:xfrm>
           <a:prstGeom prst="rect">
             <a:avLst/>
@@ -12274,11 +14925,22 @@
             <a:noFill/>
           </a:ln>
         </p:spPr>
+        <p:style>
+          <a:lnRef idx="0"/>
+          <a:fillRef idx="0"/>
+          <a:effectRef idx="0"/>
+          <a:fontRef idx="minor"/>
+        </p:style>
         <p:txBody>
           <a:bodyPr lIns="90000" rIns="90000" tIns="45000" bIns="45000">
             <a:spAutoFit/>
           </a:bodyPr>
           <a:p>
+            <a:pPr>
+              <a:lnSpc>
+                <a:spcPct val="100000"/>
+              </a:lnSpc>
+            </a:pPr>
             <a:r>
               <a:rPr b="0" lang="nl-NL" sz="1800" spc="-1" strike="noStrike">
                 <a:latin typeface="Arial"/>
@@ -12293,7 +14955,7 @@
       </p:sp>
       <p:pic>
         <p:nvPicPr>
-          <p:cNvPr id="149" name="" descr=""/>
+          <p:cNvPr id="184" name="" descr=""/>
           <p:cNvPicPr/>
           <p:nvPr/>
         </p:nvPicPr>
@@ -12304,7 +14966,7 @@
         <p:spPr>
           <a:xfrm>
             <a:off x="2851560" y="1872000"/>
-            <a:ext cx="640440" cy="288000"/>
+            <a:ext cx="640080" cy="287640"/>
           </a:xfrm>
           <a:prstGeom prst="rect">
             <a:avLst/>
@@ -12346,14 +15008,14 @@
       </p:grpSpPr>
       <p:sp>
         <p:nvSpPr>
-          <p:cNvPr id="150" name="CustomShape 1"/>
+          <p:cNvPr id="185" name="CustomShape 1"/>
           <p:cNvSpPr/>
           <p:nvPr/>
         </p:nvSpPr>
         <p:spPr>
           <a:xfrm>
             <a:off x="503640" y="28800"/>
-            <a:ext cx="9065160" cy="1334520"/>
+            <a:ext cx="9064800" cy="1334160"/>
           </a:xfrm>
           <a:prstGeom prst="rect">
             <a:avLst/>
@@ -12408,14 +15070,14 @@
       </p:sp>
       <p:sp>
         <p:nvSpPr>
-          <p:cNvPr id="151" name="CustomShape 2"/>
+          <p:cNvPr id="186" name="CustomShape 2"/>
           <p:cNvSpPr/>
           <p:nvPr/>
         </p:nvSpPr>
         <p:spPr>
           <a:xfrm>
             <a:off x="503640" y="1326240"/>
-            <a:ext cx="9065160" cy="3282120"/>
+            <a:ext cx="9064800" cy="3281760"/>
           </a:xfrm>
           <a:prstGeom prst="rect">
             <a:avLst/>
@@ -12434,7 +15096,7 @@
       </p:sp>
       <p:pic>
         <p:nvPicPr>
-          <p:cNvPr id="152" name="" descr=""/>
+          <p:cNvPr id="187" name="" descr=""/>
           <p:cNvPicPr/>
           <p:nvPr/>
         </p:nvPicPr>
@@ -12445,7 +15107,7 @@
         <p:spPr>
           <a:xfrm>
             <a:off x="3784320" y="1933560"/>
-            <a:ext cx="1899000" cy="1733400"/>
+            <a:ext cx="1898640" cy="1733040"/>
           </a:xfrm>
           <a:prstGeom prst="rect">
             <a:avLst/>
@@ -12487,14 +15149,14 @@
       </p:grpSpPr>
       <p:sp>
         <p:nvSpPr>
-          <p:cNvPr id="153" name="CustomShape 1"/>
+          <p:cNvPr id="188" name="CustomShape 1"/>
           <p:cNvSpPr/>
           <p:nvPr/>
         </p:nvSpPr>
         <p:spPr>
           <a:xfrm>
             <a:off x="503640" y="366120"/>
-            <a:ext cx="9065160" cy="665640"/>
+            <a:ext cx="9064800" cy="665280"/>
           </a:xfrm>
           <a:prstGeom prst="rect">
             <a:avLst/>
@@ -12568,13 +15230,13 @@
       </p:sp>
       <p:graphicFrame>
         <p:nvGraphicFramePr>
-          <p:cNvPr id="154" name="Table 2"/>
+          <p:cNvPr id="189" name="Table 2"/>
           <p:cNvGraphicFramePr/>
           <p:nvPr/>
         </p:nvGraphicFramePr>
         <p:xfrm>
           <a:off x="484920" y="3591360"/>
-          <a:ext cx="2899080" cy="1975680"/>
+          <a:ext cx="2898720" cy="1975680"/>
         </p:xfrm>
         <a:graphic>
           <a:graphicData uri="http://schemas.openxmlformats.org/drawingml/2006/table">
@@ -12587,7 +15249,7 @@
                 <a:gridCol w="579960"/>
                 <a:gridCol w="579240"/>
               </a:tblGrid>
-              <a:tr h="278280">
+              <a:tr h="347760">
                 <a:tc>
                   <a:tcPr marL="90000" marR="90000">
                     <a:lnL w="720">
@@ -12724,7 +15386,7 @@
                   </a:tcPr>
                 </a:tc>
               </a:tr>
-              <a:tr h="646920">
+              <a:tr h="513720">
                 <a:tc>
                   <a:tcPr marL="90000" marR="90000">
                     <a:lnL w="720">
@@ -12754,10 +15416,15 @@
                 </a:tc>
                 <a:tc>
                   <a:txBody>
-                    <a:bodyPr lIns="90000" rIns="90000" tIns="46800" bIns="46800">
+                    <a:bodyPr lIns="90000" rIns="90000">
                       <a:noAutofit/>
                     </a:bodyPr>
                     <a:p>
+                      <a:pPr>
+                        <a:lnSpc>
+                          <a:spcPct val="100000"/>
+                        </a:lnSpc>
+                      </a:pPr>
                       <a:r>
                         <a:rPr b="0" lang="nl-NL" sz="1300" spc="-1" strike="noStrike">
                           <a:latin typeface="Arial"/>
@@ -12769,6 +15436,11 @@
                       </a:endParaRPr>
                     </a:p>
                     <a:p>
+                      <a:pPr>
+                        <a:lnSpc>
+                          <a:spcPct val="100000"/>
+                        </a:lnSpc>
+                      </a:pPr>
                       <a:r>
                         <a:rPr b="0" lang="nl-NL" sz="1300" spc="-1" strike="noStrike">
                           <a:latin typeface="Arial"/>
@@ -12888,7 +15560,7 @@
                   </a:tcPr>
                 </a:tc>
               </a:tr>
-              <a:tr h="350280">
+              <a:tr h="348120">
                 <a:tc>
                   <a:tcPr marL="90000" marR="90000">
                     <a:lnL w="720">
@@ -12918,15 +15590,25 @@
                 </a:tc>
                 <a:tc>
                   <a:txBody>
-                    <a:bodyPr lIns="90000" rIns="90000" tIns="46800" bIns="46800">
+                    <a:bodyPr lIns="90000" rIns="90000">
                       <a:noAutofit/>
                     </a:bodyPr>
                     <a:p>
-                      <a:endParaRPr b="0" lang="nl-NL" sz="900" spc="-1" strike="noStrike">
+                      <a:pPr>
+                        <a:lnSpc>
+                          <a:spcPct val="100000"/>
+                        </a:lnSpc>
+                      </a:pPr>
+                      <a:endParaRPr b="0" lang="nl-NL" sz="1800" spc="-1" strike="noStrike">
                         <a:latin typeface="Arial"/>
                       </a:endParaRPr>
                     </a:p>
                     <a:p>
+                      <a:pPr>
+                        <a:lnSpc>
+                          <a:spcPct val="100000"/>
+                        </a:lnSpc>
+                      </a:pPr>
                       <a:r>
                         <a:rPr b="0" lang="nl-NL" sz="900" spc="-1" strike="noStrike">
                           <a:latin typeface="Arial"/>
@@ -12966,16 +15648,26 @@
                 </a:tc>
                 <a:tc>
                   <a:txBody>
-                    <a:bodyPr lIns="90000" rIns="90000" tIns="46800" bIns="46800">
+                    <a:bodyPr lIns="90000" rIns="90000">
                       <a:noAutofit/>
                     </a:bodyPr>
                     <a:p>
-                      <a:endParaRPr b="0" lang="nl-NL" sz="900" spc="-1" strike="noStrike">
+                      <a:pPr>
+                        <a:lnSpc>
+                          <a:spcPct val="100000"/>
+                        </a:lnSpc>
+                      </a:pPr>
+                      <a:endParaRPr b="0" lang="nl-NL" sz="1800" spc="-1" strike="noStrike">
                         <a:latin typeface="Arial"/>
                       </a:endParaRPr>
                     </a:p>
                     <a:p>
-                      <a:endParaRPr b="0" lang="nl-NL" sz="900" spc="-1" strike="noStrike">
+                      <a:pPr>
+                        <a:lnSpc>
+                          <a:spcPct val="100000"/>
+                        </a:lnSpc>
+                      </a:pPr>
+                      <a:endParaRPr b="0" lang="nl-NL" sz="1800" spc="-1" strike="noStrike">
                         <a:latin typeface="Arial"/>
                       </a:endParaRPr>
                     </a:p>
@@ -13061,7 +15753,7 @@
                   </a:tcPr>
                 </a:tc>
               </a:tr>
-              <a:tr h="350280">
+              <a:tr h="348120">
                 <a:tc>
                   <a:tcPr marL="90000" marR="90000">
                     <a:lnL w="720">
@@ -13091,10 +15783,15 @@
                 </a:tc>
                 <a:tc>
                   <a:txBody>
-                    <a:bodyPr lIns="90000" rIns="90000" tIns="46800" bIns="46800">
+                    <a:bodyPr lIns="90000" rIns="90000">
                       <a:noAutofit/>
                     </a:bodyPr>
                     <a:p>
+                      <a:pPr>
+                        <a:lnSpc>
+                          <a:spcPct val="100000"/>
+                        </a:lnSpc>
+                      </a:pPr>
                       <a:r>
                         <a:rPr b="0" lang="nl-NL" sz="900" spc="-1" strike="noStrike">
                           <a:latin typeface="Arial"/>
@@ -13134,16 +15831,26 @@
                 </a:tc>
                 <a:tc>
                   <a:txBody>
-                    <a:bodyPr lIns="90000" rIns="90000" tIns="46800" bIns="46800">
+                    <a:bodyPr lIns="90000" rIns="90000">
                       <a:noAutofit/>
                     </a:bodyPr>
                     <a:p>
-                      <a:endParaRPr b="0" lang="nl-NL" sz="900" spc="-1" strike="noStrike">
+                      <a:pPr>
+                        <a:lnSpc>
+                          <a:spcPct val="100000"/>
+                        </a:lnSpc>
+                      </a:pPr>
+                      <a:endParaRPr b="0" lang="nl-NL" sz="1800" spc="-1" strike="noStrike">
                         <a:latin typeface="Arial"/>
                       </a:endParaRPr>
                     </a:p>
                     <a:p>
-                      <a:endParaRPr b="0" lang="nl-NL" sz="900" spc="-1" strike="noStrike">
+                      <a:pPr>
+                        <a:lnSpc>
+                          <a:spcPct val="100000"/>
+                        </a:lnSpc>
+                      </a:pPr>
+                      <a:endParaRPr b="0" lang="nl-NL" sz="1800" spc="-1" strike="noStrike">
                         <a:latin typeface="Arial"/>
                       </a:endParaRPr>
                     </a:p>
@@ -13229,7 +15936,7 @@
                   </a:tcPr>
                 </a:tc>
               </a:tr>
-              <a:tr h="350280">
+              <a:tr h="348120">
                 <a:tc>
                   <a:tcPr marL="90000" marR="90000">
                     <a:lnL w="720">
@@ -13259,10 +15966,15 @@
                 </a:tc>
                 <a:tc>
                   <a:txBody>
-                    <a:bodyPr lIns="90000" rIns="90000" tIns="46800" bIns="46800">
+                    <a:bodyPr lIns="90000" rIns="90000">
                       <a:noAutofit/>
                     </a:bodyPr>
                     <a:p>
+                      <a:pPr>
+                        <a:lnSpc>
+                          <a:spcPct val="100000"/>
+                        </a:lnSpc>
+                      </a:pPr>
                       <a:r>
                         <a:rPr b="0" lang="nl-NL" sz="900" spc="-1" strike="noStrike">
                           <a:latin typeface="Arial"/>
@@ -13302,10 +16014,15 @@
                 </a:tc>
                 <a:tc>
                   <a:txBody>
-                    <a:bodyPr lIns="90000" rIns="90000" tIns="46800" bIns="46800">
+                    <a:bodyPr lIns="90000" rIns="90000">
                       <a:noAutofit/>
                     </a:bodyPr>
                     <a:p>
+                      <a:pPr>
+                        <a:lnSpc>
+                          <a:spcPct val="100000"/>
+                        </a:lnSpc>
+                      </a:pPr>
                       <a:r>
                         <a:rPr b="0" lang="nl-NL" sz="900" spc="-1" strike="noStrike">
                           <a:latin typeface="Arial"/>
@@ -13345,10 +16062,15 @@
                 </a:tc>
                 <a:tc>
                   <a:txBody>
-                    <a:bodyPr lIns="90000" rIns="90000" tIns="46800" bIns="46800">
+                    <a:bodyPr lIns="90000" rIns="90000">
                       <a:noAutofit/>
                     </a:bodyPr>
                     <a:p>
+                      <a:pPr>
+                        <a:lnSpc>
+                          <a:spcPct val="100000"/>
+                        </a:lnSpc>
+                      </a:pPr>
                       <a:r>
                         <a:rPr b="0" lang="nl-NL" sz="900" spc="-1" strike="noStrike">
                           <a:latin typeface="Arial"/>
@@ -13360,6 +16082,11 @@
                       </a:endParaRPr>
                     </a:p>
                     <a:p>
+                      <a:pPr>
+                        <a:lnSpc>
+                          <a:spcPct val="100000"/>
+                        </a:lnSpc>
+                      </a:pPr>
                       <a:endParaRPr b="0" lang="nl-NL" sz="900" spc="-1" strike="noStrike">
                         <a:latin typeface="Arial"/>
                       </a:endParaRPr>
@@ -13393,10 +16120,15 @@
                 </a:tc>
                 <a:tc>
                   <a:txBody>
-                    <a:bodyPr lIns="90000" rIns="90000" tIns="46800" bIns="46800">
+                    <a:bodyPr lIns="90000" rIns="90000">
                       <a:noAutofit/>
                     </a:bodyPr>
                     <a:p>
+                      <a:pPr>
+                        <a:lnSpc>
+                          <a:spcPct val="100000"/>
+                        </a:lnSpc>
+                      </a:pPr>
                       <a:r>
                         <a:rPr b="0" lang="nl-NL" sz="900" spc="-1" strike="noStrike">
                           <a:latin typeface="Arial"/>
@@ -13408,6 +16140,11 @@
                       </a:endParaRPr>
                     </a:p>
                     <a:p>
+                      <a:pPr>
+                        <a:lnSpc>
+                          <a:spcPct val="100000"/>
+                        </a:lnSpc>
+                      </a:pPr>
                       <a:r>
                         <a:rPr b="0" lang="nl-NL" sz="900" spc="-1" strike="noStrike">
                           <a:latin typeface="Arial"/>
@@ -13452,14 +16189,14 @@
       </p:graphicFrame>
       <p:sp>
         <p:nvSpPr>
-          <p:cNvPr id="155" name="TextShape 3"/>
-          <p:cNvSpPr txBox="1"/>
+          <p:cNvPr id="190" name="CustomShape 3"/>
+          <p:cNvSpPr/>
           <p:nvPr/>
         </p:nvSpPr>
         <p:spPr>
           <a:xfrm>
             <a:off x="648000" y="1368000"/>
-            <a:ext cx="6264000" cy="2182320"/>
+            <a:ext cx="6263640" cy="2310840"/>
           </a:xfrm>
           <a:prstGeom prst="rect">
             <a:avLst/>
@@ -13469,11 +16206,22 @@
             <a:noFill/>
           </a:ln>
         </p:spPr>
+        <p:style>
+          <a:lnRef idx="0"/>
+          <a:fillRef idx="0"/>
+          <a:effectRef idx="0"/>
+          <a:fontRef idx="minor"/>
+        </p:style>
         <p:txBody>
           <a:bodyPr lIns="90000" rIns="90000" tIns="45000" bIns="45000">
             <a:spAutoFit/>
           </a:bodyPr>
           <a:p>
+            <a:pPr>
+              <a:lnSpc>
+                <a:spcPct val="100000"/>
+              </a:lnSpc>
+            </a:pPr>
             <a:r>
               <a:rPr b="1" lang="nl-NL" sz="1800" spc="-1" strike="noStrike">
                 <a:latin typeface="Arial"/>
@@ -13491,6 +16239,11 @@
             </a:endParaRPr>
           </a:p>
           <a:p>
+            <a:pPr>
+              <a:lnSpc>
+                <a:spcPct val="100000"/>
+              </a:lnSpc>
+            </a:pPr>
             <a:r>
               <a:rPr b="0" lang="nl-NL" sz="1600" spc="-1" strike="noStrike">
                 <a:latin typeface="Arial"/>
@@ -13502,6 +16255,11 @@
             </a:endParaRPr>
           </a:p>
           <a:p>
+            <a:pPr>
+              <a:lnSpc>
+                <a:spcPct val="100000"/>
+              </a:lnSpc>
+            </a:pPr>
             <a:r>
               <a:rPr b="0" lang="nl-NL" sz="1600" spc="-1" strike="noStrike">
                 <a:latin typeface="Arial"/>
@@ -13525,6 +16283,11 @@
             </a:endParaRPr>
           </a:p>
           <a:p>
+            <a:pPr>
+              <a:lnSpc>
+                <a:spcPct val="100000"/>
+              </a:lnSpc>
+            </a:pPr>
             <a:r>
               <a:rPr b="0" lang="nl-NL" sz="1600" spc="-1" strike="noStrike">
                 <a:latin typeface="Arial"/>
@@ -13536,6 +16299,11 @@
             </a:endParaRPr>
           </a:p>
           <a:p>
+            <a:pPr>
+              <a:lnSpc>
+                <a:spcPct val="100000"/>
+              </a:lnSpc>
+            </a:pPr>
             <a:r>
               <a:rPr b="0" lang="nl-NL" sz="1600" spc="-1" strike="noStrike">
                 <a:latin typeface="Arial"/>
@@ -13547,6 +16315,11 @@
             </a:endParaRPr>
           </a:p>
           <a:p>
+            <a:pPr>
+              <a:lnSpc>
+                <a:spcPct val="100000"/>
+              </a:lnSpc>
+            </a:pPr>
             <a:r>
               <a:rPr b="0" lang="nl-NL" sz="1600" spc="-1" strike="noStrike">
                 <a:latin typeface="Arial"/>
@@ -13558,6 +16331,11 @@
             </a:endParaRPr>
           </a:p>
           <a:p>
+            <a:pPr>
+              <a:lnSpc>
+                <a:spcPct val="100000"/>
+              </a:lnSpc>
+            </a:pPr>
             <a:r>
               <a:rPr b="0" lang="nl-NL" sz="1600" spc="-1" strike="noStrike">
                 <a:latin typeface="Arial"/>
@@ -13569,6 +16347,11 @@
             </a:endParaRPr>
           </a:p>
           <a:p>
+            <a:pPr>
+              <a:lnSpc>
+                <a:spcPct val="100000"/>
+              </a:lnSpc>
+            </a:pPr>
             <a:r>
               <a:rPr b="0" lang="nl-NL" sz="1600" spc="-1" strike="noStrike">
                 <a:latin typeface="Arial"/>
@@ -13580,6 +16363,11 @@
             </a:endParaRPr>
           </a:p>
           <a:p>
+            <a:pPr>
+              <a:lnSpc>
+                <a:spcPct val="100000"/>
+              </a:lnSpc>
+            </a:pPr>
             <a:endParaRPr b="0" lang="nl-NL" sz="1600" spc="-1" strike="noStrike">
               <a:latin typeface="Arial"/>
             </a:endParaRPr>
@@ -13588,14 +16376,14 @@
       </p:sp>
       <p:sp>
         <p:nvSpPr>
-          <p:cNvPr id="156" name="TextShape 4"/>
-          <p:cNvSpPr txBox="1"/>
+          <p:cNvPr id="191" name="CustomShape 4"/>
+          <p:cNvSpPr/>
           <p:nvPr/>
         </p:nvSpPr>
         <p:spPr>
           <a:xfrm>
             <a:off x="504000" y="3217680"/>
-            <a:ext cx="2808000" cy="346320"/>
+            <a:ext cx="2807640" cy="363960"/>
           </a:xfrm>
           <a:prstGeom prst="rect">
             <a:avLst/>
@@ -13605,11 +16393,22 @@
             <a:noFill/>
           </a:ln>
         </p:spPr>
+        <p:style>
+          <a:lnRef idx="0"/>
+          <a:fillRef idx="0"/>
+          <a:effectRef idx="0"/>
+          <a:fontRef idx="minor"/>
+        </p:style>
         <p:txBody>
           <a:bodyPr lIns="90000" rIns="90000" tIns="45000" bIns="45000">
             <a:spAutoFit/>
           </a:bodyPr>
           <a:p>
+            <a:pPr>
+              <a:lnSpc>
+                <a:spcPct val="100000"/>
+              </a:lnSpc>
+            </a:pPr>
             <a:r>
               <a:rPr b="0" lang="nl-NL" sz="1800" spc="-1" strike="noStrike">
                 <a:latin typeface="Arial"/>
@@ -13624,13 +16423,13 @@
       </p:sp>
       <p:graphicFrame>
         <p:nvGraphicFramePr>
-          <p:cNvPr id="157" name="Table 5"/>
+          <p:cNvPr id="192" name="Table 5"/>
           <p:cNvGraphicFramePr/>
           <p:nvPr/>
         </p:nvGraphicFramePr>
         <p:xfrm>
           <a:off x="6955560" y="3999960"/>
-          <a:ext cx="2195640" cy="1525320"/>
+          <a:ext cx="2195280" cy="1524960"/>
         </p:xfrm>
         <a:graphic>
           <a:graphicData uri="http://schemas.openxmlformats.org/drawingml/2006/table">
@@ -13646,10 +16445,15 @@
               <a:tr h="305280">
                 <a:tc>
                   <a:txBody>
-                    <a:bodyPr lIns="90000" rIns="90000" tIns="46800" bIns="46800">
+                    <a:bodyPr lIns="90000" rIns="90000">
                       <a:noAutofit/>
                     </a:bodyPr>
                     <a:p>
+                      <a:pPr>
+                        <a:lnSpc>
+                          <a:spcPct val="100000"/>
+                        </a:lnSpc>
+                      </a:pPr>
                       <a:r>
                         <a:rPr b="0" lang="nl-NL" sz="700" spc="-1" strike="noStrike">
                           <a:latin typeface="Arial"/>
@@ -13689,10 +16493,15 @@
                 </a:tc>
                 <a:tc>
                   <a:txBody>
-                    <a:bodyPr lIns="90000" rIns="90000" tIns="46800" bIns="46800">
+                    <a:bodyPr lIns="90000" rIns="90000">
                       <a:noAutofit/>
                     </a:bodyPr>
                     <a:p>
+                      <a:pPr>
+                        <a:lnSpc>
+                          <a:spcPct val="100000"/>
+                        </a:lnSpc>
+                      </a:pPr>
                       <a:r>
                         <a:rPr b="0" lang="nl-NL" sz="700" spc="-1" strike="noStrike">
                           <a:latin typeface="Arial"/>
@@ -13732,10 +16541,15 @@
                 </a:tc>
                 <a:tc>
                   <a:txBody>
-                    <a:bodyPr lIns="90000" rIns="90000" tIns="46800" bIns="46800">
+                    <a:bodyPr lIns="90000" rIns="90000">
                       <a:noAutofit/>
                     </a:bodyPr>
                     <a:p>
+                      <a:pPr>
+                        <a:lnSpc>
+                          <a:spcPct val="100000"/>
+                        </a:lnSpc>
+                      </a:pPr>
                       <a:r>
                         <a:rPr b="0" lang="nl-NL" sz="700" spc="-1" strike="noStrike">
                           <a:latin typeface="Arial"/>
@@ -13775,10 +16589,15 @@
                 </a:tc>
                 <a:tc>
                   <a:txBody>
-                    <a:bodyPr lIns="90000" rIns="90000" tIns="46800" bIns="46800">
+                    <a:bodyPr lIns="90000" rIns="90000">
                       <a:noAutofit/>
                     </a:bodyPr>
                     <a:p>
+                      <a:pPr>
+                        <a:lnSpc>
+                          <a:spcPct val="100000"/>
+                        </a:lnSpc>
+                      </a:pPr>
                       <a:r>
                         <a:rPr b="0" lang="nl-NL" sz="700" spc="-1" strike="noStrike">
                           <a:latin typeface="Arial"/>
@@ -13818,10 +16637,15 @@
                 </a:tc>
                 <a:tc>
                   <a:txBody>
-                    <a:bodyPr lIns="90000" rIns="90000" tIns="46800" bIns="46800">
+                    <a:bodyPr lIns="90000" rIns="90000">
                       <a:noAutofit/>
                     </a:bodyPr>
                     <a:p>
+                      <a:pPr>
+                        <a:lnSpc>
+                          <a:spcPct val="100000"/>
+                        </a:lnSpc>
+                      </a:pPr>
                       <a:r>
                         <a:rPr b="0" lang="nl-NL" sz="700" spc="-1" strike="noStrike">
                           <a:latin typeface="Arial"/>
@@ -13863,10 +16687,15 @@
               <a:tr h="305280">
                 <a:tc>
                   <a:txBody>
-                    <a:bodyPr lIns="90000" rIns="90000" tIns="46800" bIns="46800">
+                    <a:bodyPr lIns="90000" rIns="90000">
                       <a:noAutofit/>
                     </a:bodyPr>
                     <a:p>
+                      <a:pPr>
+                        <a:lnSpc>
+                          <a:spcPct val="100000"/>
+                        </a:lnSpc>
+                      </a:pPr>
                       <a:r>
                         <a:rPr b="0" lang="nl-NL" sz="700" spc="-1" strike="noStrike">
                           <a:latin typeface="Arial"/>
@@ -13906,10 +16735,15 @@
                 </a:tc>
                 <a:tc>
                   <a:txBody>
-                    <a:bodyPr lIns="90000" rIns="90000" tIns="46800" bIns="46800">
+                    <a:bodyPr lIns="90000" rIns="90000">
                       <a:noAutofit/>
                     </a:bodyPr>
                     <a:p>
+                      <a:pPr>
+                        <a:lnSpc>
+                          <a:spcPct val="100000"/>
+                        </a:lnSpc>
+                      </a:pPr>
                       <a:r>
                         <a:rPr b="0" lang="nl-NL" sz="700" spc="-1" strike="noStrike">
                           <a:latin typeface="Arial"/>
@@ -13949,10 +16783,15 @@
                 </a:tc>
                 <a:tc>
                   <a:txBody>
-                    <a:bodyPr lIns="90000" rIns="90000" tIns="46800" bIns="46800">
+                    <a:bodyPr lIns="90000" rIns="90000">
                       <a:noAutofit/>
                     </a:bodyPr>
                     <a:p>
+                      <a:pPr>
+                        <a:lnSpc>
+                          <a:spcPct val="100000"/>
+                        </a:lnSpc>
+                      </a:pPr>
                       <a:r>
                         <a:rPr b="0" lang="nl-NL" sz="700" spc="-1" strike="noStrike">
                           <a:latin typeface="Arial"/>
@@ -13992,10 +16831,15 @@
                 </a:tc>
                 <a:tc>
                   <a:txBody>
-                    <a:bodyPr lIns="90000" rIns="90000" tIns="46800" bIns="46800">
+                    <a:bodyPr lIns="90000" rIns="90000">
                       <a:noAutofit/>
                     </a:bodyPr>
                     <a:p>
+                      <a:pPr>
+                        <a:lnSpc>
+                          <a:spcPct val="100000"/>
+                        </a:lnSpc>
+                      </a:pPr>
                       <a:r>
                         <a:rPr b="0" lang="nl-NL" sz="700" spc="-1" strike="noStrike">
                           <a:latin typeface="Arial"/>
@@ -14035,10 +16879,15 @@
                 </a:tc>
                 <a:tc>
                   <a:txBody>
-                    <a:bodyPr lIns="90000" rIns="90000" tIns="46800" bIns="46800">
+                    <a:bodyPr lIns="90000" rIns="90000">
                       <a:noAutofit/>
                     </a:bodyPr>
                     <a:p>
+                      <a:pPr>
+                        <a:lnSpc>
+                          <a:spcPct val="100000"/>
+                        </a:lnSpc>
+                      </a:pPr>
                       <a:r>
                         <a:rPr b="0" lang="nl-NL" sz="700" spc="-1" strike="noStrike">
                           <a:latin typeface="Arial"/>
@@ -14080,10 +16929,15 @@
               <a:tr h="305280">
                 <a:tc>
                   <a:txBody>
-                    <a:bodyPr lIns="90000" rIns="90000" tIns="46800" bIns="46800">
+                    <a:bodyPr lIns="90000" rIns="90000">
                       <a:noAutofit/>
                     </a:bodyPr>
                     <a:p>
+                      <a:pPr>
+                        <a:lnSpc>
+                          <a:spcPct val="100000"/>
+                        </a:lnSpc>
+                      </a:pPr>
                       <a:r>
                         <a:rPr b="0" lang="nl-NL" sz="700" spc="-1" strike="noStrike">
                           <a:latin typeface="Arial"/>
@@ -14123,10 +16977,15 @@
                 </a:tc>
                 <a:tc>
                   <a:txBody>
-                    <a:bodyPr lIns="90000" rIns="90000" tIns="46800" bIns="46800">
+                    <a:bodyPr lIns="90000" rIns="90000">
                       <a:noAutofit/>
                     </a:bodyPr>
                     <a:p>
+                      <a:pPr>
+                        <a:lnSpc>
+                          <a:spcPct val="100000"/>
+                        </a:lnSpc>
+                      </a:pPr>
                       <a:r>
                         <a:rPr b="0" lang="nl-NL" sz="700" spc="-1" strike="noStrike">
                           <a:latin typeface="Arial"/>
@@ -14166,10 +17025,15 @@
                 </a:tc>
                 <a:tc>
                   <a:txBody>
-                    <a:bodyPr lIns="90000" rIns="90000" tIns="46800" bIns="46800">
+                    <a:bodyPr lIns="90000" rIns="90000">
                       <a:noAutofit/>
                     </a:bodyPr>
                     <a:p>
+                      <a:pPr>
+                        <a:lnSpc>
+                          <a:spcPct val="100000"/>
+                        </a:lnSpc>
+                      </a:pPr>
                       <a:r>
                         <a:rPr b="0" lang="nl-NL" sz="700" spc="-1" strike="noStrike">
                           <a:latin typeface="Arial"/>
@@ -14209,10 +17073,15 @@
                 </a:tc>
                 <a:tc>
                   <a:txBody>
-                    <a:bodyPr lIns="90000" rIns="90000" tIns="46800" bIns="46800">
+                    <a:bodyPr lIns="90000" rIns="90000">
                       <a:noAutofit/>
                     </a:bodyPr>
                     <a:p>
+                      <a:pPr>
+                        <a:lnSpc>
+                          <a:spcPct val="100000"/>
+                        </a:lnSpc>
+                      </a:pPr>
                       <a:r>
                         <a:rPr b="0" lang="nl-NL" sz="700" spc="-1" strike="noStrike">
                           <a:latin typeface="Arial"/>
@@ -14252,10 +17121,15 @@
                 </a:tc>
                 <a:tc>
                   <a:txBody>
-                    <a:bodyPr lIns="90000" rIns="90000" tIns="46800" bIns="46800">
+                    <a:bodyPr lIns="90000" rIns="90000">
                       <a:noAutofit/>
                     </a:bodyPr>
                     <a:p>
+                      <a:pPr>
+                        <a:lnSpc>
+                          <a:spcPct val="100000"/>
+                        </a:lnSpc>
+                      </a:pPr>
                       <a:r>
                         <a:rPr b="0" lang="nl-NL" sz="700" spc="-1" strike="noStrike">
                           <a:latin typeface="Arial"/>
@@ -14297,10 +17171,15 @@
               <a:tr h="305280">
                 <a:tc>
                   <a:txBody>
-                    <a:bodyPr lIns="90000" rIns="90000" tIns="46800" bIns="46800">
+                    <a:bodyPr lIns="90000" rIns="90000">
                       <a:noAutofit/>
                     </a:bodyPr>
                     <a:p>
+                      <a:pPr>
+                        <a:lnSpc>
+                          <a:spcPct val="100000"/>
+                        </a:lnSpc>
+                      </a:pPr>
                       <a:r>
                         <a:rPr b="0" lang="nl-NL" sz="700" spc="-1" strike="noStrike">
                           <a:latin typeface="Arial"/>
@@ -14340,10 +17219,15 @@
                 </a:tc>
                 <a:tc>
                   <a:txBody>
-                    <a:bodyPr lIns="90000" rIns="90000" tIns="46800" bIns="46800">
+                    <a:bodyPr lIns="90000" rIns="90000">
                       <a:noAutofit/>
                     </a:bodyPr>
                     <a:p>
+                      <a:pPr>
+                        <a:lnSpc>
+                          <a:spcPct val="100000"/>
+                        </a:lnSpc>
+                      </a:pPr>
                       <a:r>
                         <a:rPr b="0" lang="nl-NL" sz="700" spc="-1" strike="noStrike">
                           <a:latin typeface="Arial"/>
@@ -14383,10 +17267,15 @@
                 </a:tc>
                 <a:tc>
                   <a:txBody>
-                    <a:bodyPr lIns="90000" rIns="90000" tIns="46800" bIns="46800">
+                    <a:bodyPr lIns="90000" rIns="90000">
                       <a:noAutofit/>
                     </a:bodyPr>
                     <a:p>
+                      <a:pPr>
+                        <a:lnSpc>
+                          <a:spcPct val="100000"/>
+                        </a:lnSpc>
+                      </a:pPr>
                       <a:r>
                         <a:rPr b="0" lang="nl-NL" sz="700" spc="-1" strike="noStrike">
                           <a:latin typeface="Arial"/>
@@ -14426,10 +17315,15 @@
                 </a:tc>
                 <a:tc>
                   <a:txBody>
-                    <a:bodyPr lIns="90000" rIns="90000" tIns="46800" bIns="46800">
+                    <a:bodyPr lIns="90000" rIns="90000">
                       <a:noAutofit/>
                     </a:bodyPr>
                     <a:p>
+                      <a:pPr>
+                        <a:lnSpc>
+                          <a:spcPct val="100000"/>
+                        </a:lnSpc>
+                      </a:pPr>
                       <a:r>
                         <a:rPr b="0" lang="nl-NL" sz="700" spc="-1" strike="noStrike">
                           <a:latin typeface="Arial"/>
@@ -14469,10 +17363,15 @@
                 </a:tc>
                 <a:tc>
                   <a:txBody>
-                    <a:bodyPr lIns="90000" rIns="90000" tIns="46800" bIns="46800">
+                    <a:bodyPr lIns="90000" rIns="90000">
                       <a:noAutofit/>
                     </a:bodyPr>
                     <a:p>
+                      <a:pPr>
+                        <a:lnSpc>
+                          <a:spcPct val="100000"/>
+                        </a:lnSpc>
+                      </a:pPr>
                       <a:r>
                         <a:rPr b="0" lang="nl-NL" sz="700" spc="-1" strike="noStrike">
                           <a:latin typeface="Arial"/>
@@ -14511,13 +17410,18 @@
                   </a:tcPr>
                 </a:tc>
               </a:tr>
-              <a:tr h="304200">
+              <a:tr h="303840">
                 <a:tc>
                   <a:txBody>
-                    <a:bodyPr lIns="90000" rIns="90000" tIns="46800" bIns="46800">
+                    <a:bodyPr lIns="90000" rIns="90000">
                       <a:noAutofit/>
                     </a:bodyPr>
                     <a:p>
+                      <a:pPr>
+                        <a:lnSpc>
+                          <a:spcPct val="100000"/>
+                        </a:lnSpc>
+                      </a:pPr>
                       <a:r>
                         <a:rPr b="0" lang="nl-NL" sz="700" spc="-1" strike="noStrike">
                           <a:latin typeface="Arial"/>
@@ -14557,10 +17461,15 @@
                 </a:tc>
                 <a:tc>
                   <a:txBody>
-                    <a:bodyPr lIns="90000" rIns="90000" tIns="46800" bIns="46800">
+                    <a:bodyPr lIns="90000" rIns="90000">
                       <a:noAutofit/>
                     </a:bodyPr>
                     <a:p>
+                      <a:pPr>
+                        <a:lnSpc>
+                          <a:spcPct val="100000"/>
+                        </a:lnSpc>
+                      </a:pPr>
                       <a:r>
                         <a:rPr b="0" lang="nl-NL" sz="700" spc="-1" strike="noStrike">
                           <a:latin typeface="Arial"/>
@@ -14600,10 +17509,15 @@
                 </a:tc>
                 <a:tc>
                   <a:txBody>
-                    <a:bodyPr lIns="90000" rIns="90000" tIns="46800" bIns="46800">
+                    <a:bodyPr lIns="90000" rIns="90000">
                       <a:noAutofit/>
                     </a:bodyPr>
                     <a:p>
+                      <a:pPr>
+                        <a:lnSpc>
+                          <a:spcPct val="100000"/>
+                        </a:lnSpc>
+                      </a:pPr>
                       <a:r>
                         <a:rPr b="0" lang="nl-NL" sz="700" spc="-1" strike="noStrike">
                           <a:latin typeface="Arial"/>
@@ -14643,10 +17557,15 @@
                 </a:tc>
                 <a:tc>
                   <a:txBody>
-                    <a:bodyPr lIns="90000" rIns="90000" tIns="46800" bIns="46800">
+                    <a:bodyPr lIns="90000" rIns="90000">
                       <a:noAutofit/>
                     </a:bodyPr>
                     <a:p>
+                      <a:pPr>
+                        <a:lnSpc>
+                          <a:spcPct val="100000"/>
+                        </a:lnSpc>
+                      </a:pPr>
                       <a:r>
                         <a:rPr b="0" lang="nl-NL" sz="700" spc="-1" strike="noStrike">
                           <a:latin typeface="Arial"/>
@@ -14686,10 +17605,15 @@
                 </a:tc>
                 <a:tc>
                   <a:txBody>
-                    <a:bodyPr lIns="90000" rIns="90000" tIns="46800" bIns="46800">
+                    <a:bodyPr lIns="90000" rIns="90000">
                       <a:noAutofit/>
                     </a:bodyPr>
                     <a:p>
+                      <a:pPr>
+                        <a:lnSpc>
+                          <a:spcPct val="100000"/>
+                        </a:lnSpc>
+                      </a:pPr>
                       <a:r>
                         <a:rPr b="0" lang="nl-NL" sz="700" spc="-1" strike="noStrike">
                           <a:latin typeface="Arial"/>
@@ -14734,14 +17658,14 @@
       </p:graphicFrame>
       <p:sp>
         <p:nvSpPr>
-          <p:cNvPr id="158" name="TextShape 6"/>
-          <p:cNvSpPr txBox="1"/>
+          <p:cNvPr id="193" name="CustomShape 6"/>
+          <p:cNvSpPr/>
           <p:nvPr/>
         </p:nvSpPr>
         <p:spPr>
           <a:xfrm>
             <a:off x="6840000" y="3672000"/>
-            <a:ext cx="3096000" cy="541800"/>
+            <a:ext cx="3095640" cy="318600"/>
           </a:xfrm>
           <a:prstGeom prst="rect">
             <a:avLst/>
@@ -14751,11 +17675,22 @@
             <a:noFill/>
           </a:ln>
         </p:spPr>
+        <p:style>
+          <a:lnRef idx="0"/>
+          <a:fillRef idx="0"/>
+          <a:effectRef idx="0"/>
+          <a:fontRef idx="minor"/>
+        </p:style>
         <p:txBody>
           <a:bodyPr lIns="90000" rIns="90000" tIns="45000" bIns="45000">
             <a:spAutoFit/>
           </a:bodyPr>
           <a:p>
+            <a:pPr>
+              <a:lnSpc>
+                <a:spcPct val="100000"/>
+              </a:lnSpc>
+            </a:pPr>
             <a:r>
               <a:rPr b="0" lang="nl-NL" sz="1500" spc="-1" strike="noStrike">
                 <a:latin typeface="Arial"/>
@@ -14770,7 +17705,7 @@
       </p:sp>
       <p:pic>
         <p:nvPicPr>
-          <p:cNvPr id="159" name="" descr=""/>
+          <p:cNvPr id="194" name="" descr=""/>
           <p:cNvPicPr/>
           <p:nvPr/>
         </p:nvPicPr>
@@ -14781,7 +17716,7 @@
         <p:spPr>
           <a:xfrm>
             <a:off x="4176000" y="4176000"/>
-            <a:ext cx="1296000" cy="1179000"/>
+            <a:ext cx="1295640" cy="1178640"/>
           </a:xfrm>
           <a:prstGeom prst="rect">
             <a:avLst/>
@@ -14793,14 +17728,14 @@
       </p:pic>
       <p:sp>
         <p:nvSpPr>
-          <p:cNvPr id="160" name="TextShape 7"/>
-          <p:cNvSpPr txBox="1"/>
+          <p:cNvPr id="195" name="CustomShape 7"/>
+          <p:cNvSpPr/>
           <p:nvPr/>
         </p:nvSpPr>
         <p:spPr>
           <a:xfrm>
             <a:off x="4104000" y="3816000"/>
-            <a:ext cx="1872000" cy="346320"/>
+            <a:ext cx="1871640" cy="363960"/>
           </a:xfrm>
           <a:prstGeom prst="rect">
             <a:avLst/>
@@ -14810,11 +17745,22 @@
             <a:noFill/>
           </a:ln>
         </p:spPr>
+        <p:style>
+          <a:lnRef idx="0"/>
+          <a:fillRef idx="0"/>
+          <a:effectRef idx="0"/>
+          <a:fontRef idx="minor"/>
+        </p:style>
         <p:txBody>
           <a:bodyPr lIns="90000" rIns="90000" tIns="45000" bIns="45000">
             <a:spAutoFit/>
           </a:bodyPr>
           <a:p>
+            <a:pPr>
+              <a:lnSpc>
+                <a:spcPct val="100000"/>
+              </a:lnSpc>
+            </a:pPr>
             <a:r>
               <a:rPr b="0" lang="nl-NL" sz="1800" spc="-1" strike="noStrike">
                 <a:latin typeface="Arial"/>
@@ -14829,7 +17775,7 @@
       </p:sp>
       <p:pic>
         <p:nvPicPr>
-          <p:cNvPr id="161" name="" descr=""/>
+          <p:cNvPr id="196" name="" descr=""/>
           <p:cNvPicPr/>
           <p:nvPr/>
         </p:nvPicPr>
@@ -14840,7 +17786,7 @@
         <p:spPr>
           <a:xfrm>
             <a:off x="2851560" y="1872000"/>
-            <a:ext cx="640440" cy="288000"/>
+            <a:ext cx="640080" cy="287640"/>
           </a:xfrm>
           <a:prstGeom prst="rect">
             <a:avLst/>
@@ -14882,14 +17828,14 @@
       </p:grpSpPr>
       <p:sp>
         <p:nvSpPr>
-          <p:cNvPr id="162" name="CustomShape 1"/>
+          <p:cNvPr id="197" name="CustomShape 1"/>
           <p:cNvSpPr/>
           <p:nvPr/>
         </p:nvSpPr>
         <p:spPr>
           <a:xfrm>
             <a:off x="503640" y="363240"/>
-            <a:ext cx="9065160" cy="665640"/>
+            <a:ext cx="9064800" cy="665280"/>
           </a:xfrm>
           <a:prstGeom prst="rect">
             <a:avLst/>
@@ -14925,7 +17871,7 @@
               </a:rPr>
               <a:t>Ter samenvatting</a:t>
             </a:r>
-            <a:endParaRPr b="1" lang="nl-NL" sz="4400" spc="-1" strike="noStrike">
+            <a:endParaRPr b="0" lang="nl-NL" sz="4400" spc="-1" strike="noStrike">
               <a:latin typeface="Arial"/>
             </a:endParaRPr>
           </a:p>
@@ -14933,14 +17879,14 @@
       </p:sp>
       <p:sp>
         <p:nvSpPr>
-          <p:cNvPr id="163" name="CustomShape 2"/>
+          <p:cNvPr id="198" name="CustomShape 2"/>
           <p:cNvSpPr/>
           <p:nvPr/>
         </p:nvSpPr>
         <p:spPr>
           <a:xfrm>
             <a:off x="503640" y="1326240"/>
-            <a:ext cx="9065160" cy="3282120"/>
+            <a:ext cx="9064800" cy="3281760"/>
           </a:xfrm>
           <a:prstGeom prst="rect">
             <a:avLst/>
@@ -14961,7 +17907,7 @@
             <a:normAutofit/>
           </a:bodyPr>
           <a:p>
-            <a:pPr marL="432000" indent="-318240">
+            <a:pPr marL="432000" indent="-317880">
               <a:lnSpc>
                 <a:spcPct val="100000"/>
               </a:lnSpc>
@@ -15000,7 +17946,7 @@
             </a:endParaRPr>
           </a:p>
           <a:p>
-            <a:pPr marL="432000" indent="-318240">
+            <a:pPr marL="432000" indent="-317880">
               <a:lnSpc>
                 <a:spcPct val="100000"/>
               </a:lnSpc>
@@ -15029,7 +17975,7 @@
             </a:endParaRPr>
           </a:p>
           <a:p>
-            <a:pPr marL="432000" indent="-318240">
+            <a:pPr marL="432000" indent="-317880">
               <a:lnSpc>
                 <a:spcPct val="100000"/>
               </a:lnSpc>
@@ -15058,7 +18004,7 @@
             </a:endParaRPr>
           </a:p>
           <a:p>
-            <a:pPr marL="432000" indent="-318240">
+            <a:pPr marL="432000" indent="-317880">
               <a:lnSpc>
                 <a:spcPct val="100000"/>
               </a:lnSpc>
@@ -15087,7 +18033,7 @@
             </a:endParaRPr>
           </a:p>
           <a:p>
-            <a:pPr marL="432000" indent="-318240">
+            <a:pPr marL="432000" indent="-317880">
               <a:lnSpc>
                 <a:spcPct val="100000"/>
               </a:lnSpc>
@@ -15132,7 +18078,7 @@
       </p:sp>
       <p:pic>
         <p:nvPicPr>
-          <p:cNvPr id="164" name="" descr=""/>
+          <p:cNvPr id="199" name="" descr=""/>
           <p:cNvPicPr/>
           <p:nvPr/>
         </p:nvPicPr>
@@ -15143,7 +18089,7 @@
         <p:spPr>
           <a:xfrm>
             <a:off x="3671640" y="4654800"/>
-            <a:ext cx="2432160" cy="810720"/>
+            <a:ext cx="2431800" cy="810360"/>
           </a:xfrm>
           <a:prstGeom prst="rect">
             <a:avLst/>
@@ -15185,14 +18131,14 @@
       </p:grpSpPr>
       <p:sp>
         <p:nvSpPr>
-          <p:cNvPr id="165" name="CustomShape 1"/>
+          <p:cNvPr id="200" name="CustomShape 1"/>
           <p:cNvSpPr/>
           <p:nvPr/>
         </p:nvSpPr>
         <p:spPr>
           <a:xfrm>
             <a:off x="503640" y="363240"/>
-            <a:ext cx="9065160" cy="665640"/>
+            <a:ext cx="9064800" cy="665280"/>
           </a:xfrm>
           <a:prstGeom prst="rect">
             <a:avLst/>
@@ -15236,14 +18182,14 @@
       </p:sp>
       <p:sp>
         <p:nvSpPr>
-          <p:cNvPr id="166" name="CustomShape 2"/>
+          <p:cNvPr id="201" name="CustomShape 2"/>
           <p:cNvSpPr/>
           <p:nvPr/>
         </p:nvSpPr>
         <p:spPr>
           <a:xfrm>
             <a:off x="503640" y="1902240"/>
-            <a:ext cx="9065160" cy="3282120"/>
+            <a:ext cx="9064800" cy="3281760"/>
           </a:xfrm>
           <a:prstGeom prst="rect">
             <a:avLst/>
@@ -15264,7 +18210,7 @@
             <a:normAutofit fontScale="77000"/>
           </a:bodyPr>
           <a:p>
-            <a:pPr marL="432000" indent="-318240" algn="ctr">
+            <a:pPr marL="432000" indent="-317880" algn="ctr">
               <a:lnSpc>
                 <a:spcPct val="100000"/>
               </a:lnSpc>
@@ -15304,7 +18250,7 @@
             </a:endParaRPr>
           </a:p>
           <a:p>
-            <a:pPr marL="432000" indent="-318240" algn="ctr">
+            <a:pPr marL="432000" indent="-317880" algn="ctr">
               <a:lnSpc>
                 <a:spcPct val="100000"/>
               </a:lnSpc>
@@ -15343,7 +18289,7 @@
             </a:endParaRPr>
           </a:p>
           <a:p>
-            <a:pPr marL="432000" indent="-318240">
+            <a:pPr marL="432000" indent="-317880">
               <a:lnSpc>
                 <a:spcPct val="100000"/>
               </a:lnSpc>
@@ -15385,7 +18331,7 @@
       </p:sp>
       <p:pic>
         <p:nvPicPr>
-          <p:cNvPr id="167" name="" descr=""/>
+          <p:cNvPr id="202" name="" descr=""/>
           <p:cNvPicPr/>
           <p:nvPr/>
         </p:nvPicPr>
@@ -15396,7 +18342,7 @@
         <p:spPr>
           <a:xfrm>
             <a:off x="724320" y="2016000"/>
-            <a:ext cx="1939680" cy="807480"/>
+            <a:ext cx="1939320" cy="807120"/>
           </a:xfrm>
           <a:prstGeom prst="rect">
             <a:avLst/>
@@ -15408,7 +18354,7 @@
       </p:pic>
       <p:pic>
         <p:nvPicPr>
-          <p:cNvPr id="168" name="" descr=""/>
+          <p:cNvPr id="203" name="" descr=""/>
           <p:cNvPicPr/>
           <p:nvPr/>
         </p:nvPicPr>
@@ -15419,7 +18365,7 @@
         <p:spPr>
           <a:xfrm>
             <a:off x="8434800" y="5111280"/>
-            <a:ext cx="1496160" cy="497520"/>
+            <a:ext cx="1495800" cy="497160"/>
           </a:xfrm>
           <a:prstGeom prst="rect">
             <a:avLst/>
@@ -15461,14 +18407,14 @@
       </p:grpSpPr>
       <p:sp>
         <p:nvSpPr>
-          <p:cNvPr id="51" name="CustomShape 1"/>
+          <p:cNvPr id="86" name="CustomShape 1"/>
           <p:cNvSpPr/>
           <p:nvPr/>
         </p:nvSpPr>
         <p:spPr>
           <a:xfrm>
             <a:off x="503640" y="363240"/>
-            <a:ext cx="9065160" cy="665640"/>
+            <a:ext cx="9064800" cy="665280"/>
           </a:xfrm>
           <a:prstGeom prst="rect">
             <a:avLst/>
@@ -15512,14 +18458,14 @@
       </p:sp>
       <p:sp>
         <p:nvSpPr>
-          <p:cNvPr id="52" name="CustomShape 2"/>
+          <p:cNvPr id="87" name="CustomShape 2"/>
           <p:cNvSpPr/>
           <p:nvPr/>
         </p:nvSpPr>
         <p:spPr>
           <a:xfrm>
             <a:off x="503640" y="1326240"/>
-            <a:ext cx="9065160" cy="3282120"/>
+            <a:ext cx="9064800" cy="3281760"/>
           </a:xfrm>
           <a:prstGeom prst="rect">
             <a:avLst/>
@@ -15540,7 +18486,7 @@
             <a:normAutofit fontScale="86000"/>
           </a:bodyPr>
           <a:p>
-            <a:pPr marL="432000" indent="-318240">
+            <a:pPr marL="432000" indent="-317880">
               <a:lnSpc>
                 <a:spcPct val="100000"/>
               </a:lnSpc>
@@ -15569,7 +18515,7 @@
             </a:endParaRPr>
           </a:p>
           <a:p>
-            <a:pPr marL="432000" indent="-318240">
+            <a:pPr marL="432000" indent="-317880">
               <a:lnSpc>
                 <a:spcPct val="100000"/>
               </a:lnSpc>
@@ -15611,7 +18557,7 @@
             </a:endParaRPr>
           </a:p>
           <a:p>
-            <a:pPr marL="432000" indent="-318240">
+            <a:pPr marL="432000" indent="-317880">
               <a:lnSpc>
                 <a:spcPct val="100000"/>
               </a:lnSpc>
@@ -15650,7 +18596,7 @@
             </a:endParaRPr>
           </a:p>
           <a:p>
-            <a:pPr marL="432000" indent="-318240">
+            <a:pPr marL="432000" indent="-317880">
               <a:lnSpc>
                 <a:spcPct val="100000"/>
               </a:lnSpc>
@@ -15679,7 +18625,7 @@
             </a:endParaRPr>
           </a:p>
           <a:p>
-            <a:pPr marL="432000" indent="-318240">
+            <a:pPr marL="432000" indent="-317880">
               <a:lnSpc>
                 <a:spcPct val="100000"/>
               </a:lnSpc>
@@ -15708,7 +18654,7 @@
             </a:endParaRPr>
           </a:p>
           <a:p>
-            <a:pPr marL="432000" indent="-318240">
+            <a:pPr marL="432000" indent="-317880">
               <a:lnSpc>
                 <a:spcPct val="100000"/>
               </a:lnSpc>
@@ -15737,7 +18683,7 @@
             </a:endParaRPr>
           </a:p>
           <a:p>
-            <a:pPr marL="432000" indent="-318240">
+            <a:pPr marL="432000" indent="-317880">
               <a:lnSpc>
                 <a:spcPct val="100000"/>
               </a:lnSpc>
@@ -15769,7 +18715,7 @@
       </p:sp>
       <p:pic>
         <p:nvPicPr>
-          <p:cNvPr id="53" name="" descr=""/>
+          <p:cNvPr id="88" name="" descr=""/>
           <p:cNvPicPr/>
           <p:nvPr/>
         </p:nvPicPr>
@@ -15780,7 +18726,7 @@
         <p:spPr>
           <a:xfrm>
             <a:off x="3671640" y="4654800"/>
-            <a:ext cx="2432160" cy="810720"/>
+            <a:ext cx="2431800" cy="810360"/>
           </a:xfrm>
           <a:prstGeom prst="rect">
             <a:avLst/>
@@ -15792,7 +18738,7 @@
       </p:pic>
       <p:pic>
         <p:nvPicPr>
-          <p:cNvPr id="54" name="" descr=""/>
+          <p:cNvPr id="89" name="" descr=""/>
           <p:cNvPicPr/>
           <p:nvPr/>
         </p:nvPicPr>
@@ -15803,7 +18749,7 @@
         <p:spPr>
           <a:xfrm>
             <a:off x="8249400" y="1007640"/>
-            <a:ext cx="1538640" cy="1538280"/>
+            <a:ext cx="1538280" cy="1537920"/>
           </a:xfrm>
           <a:prstGeom prst="rect">
             <a:avLst/>
@@ -15845,14 +18791,14 @@
       </p:grpSpPr>
       <p:sp>
         <p:nvSpPr>
-          <p:cNvPr id="55" name="CustomShape 1"/>
+          <p:cNvPr id="90" name="CustomShape 1"/>
           <p:cNvSpPr/>
           <p:nvPr/>
         </p:nvSpPr>
         <p:spPr>
           <a:xfrm>
             <a:off x="503640" y="363240"/>
-            <a:ext cx="9065160" cy="665640"/>
+            <a:ext cx="9064800" cy="665280"/>
           </a:xfrm>
           <a:prstGeom prst="rect">
             <a:avLst/>
@@ -15896,14 +18842,14 @@
       </p:sp>
       <p:sp>
         <p:nvSpPr>
-          <p:cNvPr id="56" name="CustomShape 2"/>
+          <p:cNvPr id="91" name="CustomShape 2"/>
           <p:cNvSpPr/>
           <p:nvPr/>
         </p:nvSpPr>
         <p:spPr>
           <a:xfrm>
             <a:off x="503640" y="1326240"/>
-            <a:ext cx="9065160" cy="3282120"/>
+            <a:ext cx="9064800" cy="3281760"/>
           </a:xfrm>
           <a:prstGeom prst="rect">
             <a:avLst/>
@@ -15924,7 +18870,7 @@
             <a:normAutofit/>
           </a:bodyPr>
           <a:p>
-            <a:pPr marL="432000" indent="-318240">
+            <a:pPr marL="432000" indent="-317880">
               <a:lnSpc>
                 <a:spcPct val="100000"/>
               </a:lnSpc>
@@ -15953,7 +18899,7 @@
             </a:endParaRPr>
           </a:p>
           <a:p>
-            <a:pPr marL="432000" indent="-318240">
+            <a:pPr marL="432000" indent="-317880">
               <a:lnSpc>
                 <a:spcPct val="100000"/>
               </a:lnSpc>
@@ -15982,7 +18928,7 @@
             </a:endParaRPr>
           </a:p>
           <a:p>
-            <a:pPr marL="432000" indent="-318240">
+            <a:pPr marL="432000" indent="-317880">
               <a:lnSpc>
                 <a:spcPct val="100000"/>
               </a:lnSpc>
@@ -16011,7 +18957,7 @@
             </a:endParaRPr>
           </a:p>
           <a:p>
-            <a:pPr marL="432000" indent="-318240">
+            <a:pPr marL="432000" indent="-317880">
               <a:lnSpc>
                 <a:spcPct val="100000"/>
               </a:lnSpc>
@@ -16056,7 +19002,7 @@
       </p:sp>
       <p:pic>
         <p:nvPicPr>
-          <p:cNvPr id="57" name="" descr=""/>
+          <p:cNvPr id="92" name="" descr=""/>
           <p:cNvPicPr/>
           <p:nvPr/>
         </p:nvPicPr>
@@ -16067,7 +19013,7 @@
         <p:spPr>
           <a:xfrm>
             <a:off x="8064000" y="1584000"/>
-            <a:ext cx="1656000" cy="1732680"/>
+            <a:ext cx="1655640" cy="1732320"/>
           </a:xfrm>
           <a:prstGeom prst="rect">
             <a:avLst/>
@@ -16109,7 +19055,7 @@
       </p:grpSpPr>
       <p:pic>
         <p:nvPicPr>
-          <p:cNvPr id="58" name="" descr=""/>
+          <p:cNvPr id="93" name="" descr=""/>
           <p:cNvPicPr/>
           <p:nvPr/>
         </p:nvPicPr>
@@ -16120,7 +19066,7 @@
         <p:spPr>
           <a:xfrm>
             <a:off x="783720" y="2303640"/>
-            <a:ext cx="8502480" cy="2633760"/>
+            <a:ext cx="8502120" cy="2633400"/>
           </a:xfrm>
           <a:prstGeom prst="rect">
             <a:avLst/>
@@ -16132,14 +19078,14 @@
       </p:pic>
       <p:sp>
         <p:nvSpPr>
-          <p:cNvPr id="59" name="CustomShape 1"/>
+          <p:cNvPr id="94" name="CustomShape 1"/>
           <p:cNvSpPr/>
           <p:nvPr/>
         </p:nvSpPr>
         <p:spPr>
           <a:xfrm>
             <a:off x="503640" y="363960"/>
-            <a:ext cx="9065160" cy="665640"/>
+            <a:ext cx="9064800" cy="665280"/>
           </a:xfrm>
           <a:prstGeom prst="rect">
             <a:avLst/>
@@ -16213,14 +19159,14 @@
       </p:grpSpPr>
       <p:sp>
         <p:nvSpPr>
-          <p:cNvPr id="60" name="CustomShape 1"/>
+          <p:cNvPr id="95" name="CustomShape 1"/>
           <p:cNvSpPr/>
           <p:nvPr/>
         </p:nvSpPr>
         <p:spPr>
           <a:xfrm>
             <a:off x="503640" y="363240"/>
-            <a:ext cx="9065160" cy="665640"/>
+            <a:ext cx="9064800" cy="665280"/>
           </a:xfrm>
           <a:prstGeom prst="rect">
             <a:avLst/>
@@ -16264,14 +19210,14 @@
       </p:sp>
       <p:sp>
         <p:nvSpPr>
-          <p:cNvPr id="61" name="CustomShape 2"/>
+          <p:cNvPr id="96" name="CustomShape 2"/>
           <p:cNvSpPr/>
           <p:nvPr/>
         </p:nvSpPr>
         <p:spPr>
           <a:xfrm>
             <a:off x="503640" y="1326240"/>
-            <a:ext cx="9065160" cy="3282120"/>
+            <a:ext cx="9064800" cy="3281760"/>
           </a:xfrm>
           <a:prstGeom prst="rect">
             <a:avLst/>
@@ -16292,7 +19238,7 @@
             <a:normAutofit/>
           </a:bodyPr>
           <a:p>
-            <a:pPr marL="432000" indent="-318240">
+            <a:pPr marL="432000" indent="-317880">
               <a:lnSpc>
                 <a:spcPct val="100000"/>
               </a:lnSpc>
@@ -16321,7 +19267,7 @@
             </a:endParaRPr>
           </a:p>
           <a:p>
-            <a:pPr marL="432000" indent="-318240">
+            <a:pPr marL="432000" indent="-317880">
               <a:lnSpc>
                 <a:spcPct val="100000"/>
               </a:lnSpc>
@@ -16350,7 +19296,7 @@
             </a:endParaRPr>
           </a:p>
           <a:p>
-            <a:pPr marL="432000" indent="-318240">
+            <a:pPr marL="432000" indent="-317880">
               <a:lnSpc>
                 <a:spcPct val="100000"/>
               </a:lnSpc>
@@ -16379,7 +19325,7 @@
             </a:endParaRPr>
           </a:p>
           <a:p>
-            <a:pPr marL="432000" indent="-318240">
+            <a:pPr marL="432000" indent="-317880">
               <a:lnSpc>
                 <a:spcPct val="100000"/>
               </a:lnSpc>
@@ -16424,14 +19370,14 @@
       </p:sp>
       <p:sp>
         <p:nvSpPr>
-          <p:cNvPr id="62" name="CustomShape 3"/>
+          <p:cNvPr id="97" name="CustomShape 3"/>
           <p:cNvSpPr/>
           <p:nvPr/>
         </p:nvSpPr>
         <p:spPr>
           <a:xfrm>
             <a:off x="611640" y="4247280"/>
-            <a:ext cx="8928360" cy="829080"/>
+            <a:ext cx="8928000" cy="828720"/>
           </a:xfrm>
           <a:prstGeom prst="rect">
             <a:avLst/>
@@ -16505,14 +19451,14 @@
       </p:grpSpPr>
       <p:sp>
         <p:nvSpPr>
-          <p:cNvPr id="63" name="CustomShape 1"/>
+          <p:cNvPr id="98" name="CustomShape 1"/>
           <p:cNvSpPr/>
           <p:nvPr/>
         </p:nvSpPr>
         <p:spPr>
           <a:xfrm>
             <a:off x="503640" y="363960"/>
-            <a:ext cx="9065160" cy="665640"/>
+            <a:ext cx="9064800" cy="665280"/>
           </a:xfrm>
           <a:prstGeom prst="rect">
             <a:avLst/>
@@ -16556,14 +19502,14 @@
       </p:sp>
       <p:sp>
         <p:nvSpPr>
-          <p:cNvPr id="64" name="TextShape 2"/>
-          <p:cNvSpPr txBox="1"/>
+          <p:cNvPr id="99" name="CustomShape 2"/>
+          <p:cNvSpPr/>
           <p:nvPr/>
         </p:nvSpPr>
         <p:spPr>
           <a:xfrm>
             <a:off x="648000" y="1224000"/>
-            <a:ext cx="3456000" cy="1751400"/>
+            <a:ext cx="3455640" cy="1872720"/>
           </a:xfrm>
           <a:prstGeom prst="rect">
             <a:avLst/>
@@ -16573,12 +19519,22 @@
             <a:noFill/>
           </a:ln>
         </p:spPr>
+        <p:style>
+          <a:lnRef idx="0"/>
+          <a:fillRef idx="0"/>
+          <a:effectRef idx="0"/>
+          <a:fontRef idx="minor"/>
+        </p:style>
         <p:txBody>
           <a:bodyPr lIns="90000" rIns="90000" tIns="45000" bIns="45000">
             <a:spAutoFit/>
           </a:bodyPr>
           <a:p>
-            <a:pPr algn="ctr"/>
+            <a:pPr algn="ctr">
+              <a:lnSpc>
+                <a:spcPct val="100000"/>
+              </a:lnSpc>
+            </a:pPr>
             <a:r>
               <a:rPr b="0" lang="nl-NL" sz="4500" spc="-1" strike="noStrike">
                 <a:latin typeface="Arial"/>
@@ -16590,6 +19546,11 @@
             </a:endParaRPr>
           </a:p>
           <a:p>
+            <a:pPr>
+              <a:lnSpc>
+                <a:spcPct val="100000"/>
+              </a:lnSpc>
+            </a:pPr>
             <a:r>
               <a:rPr b="0" lang="nl-NL" sz="1800" spc="-1" strike="noStrike">
                 <a:latin typeface="Arial"/>
@@ -16601,6 +19562,11 @@
             </a:endParaRPr>
           </a:p>
           <a:p>
+            <a:pPr>
+              <a:lnSpc>
+                <a:spcPct val="100000"/>
+              </a:lnSpc>
+            </a:pPr>
             <a:r>
               <a:rPr b="0" lang="nl-NL" sz="1800" spc="-1" strike="noStrike">
                 <a:latin typeface="Arial"/>
@@ -16612,6 +19578,11 @@
             </a:endParaRPr>
           </a:p>
           <a:p>
+            <a:pPr>
+              <a:lnSpc>
+                <a:spcPct val="100000"/>
+              </a:lnSpc>
+            </a:pPr>
             <a:r>
               <a:rPr b="0" lang="nl-NL" sz="1800" spc="-1" strike="noStrike">
                 <a:latin typeface="Arial"/>
@@ -16623,6 +19594,11 @@
             </a:endParaRPr>
           </a:p>
           <a:p>
+            <a:pPr>
+              <a:lnSpc>
+                <a:spcPct val="100000"/>
+              </a:lnSpc>
+            </a:pPr>
             <a:endParaRPr b="0" lang="nl-NL" sz="1800" spc="-1" strike="noStrike">
               <a:latin typeface="Arial"/>
             </a:endParaRPr>
@@ -16631,14 +19607,14 @@
       </p:sp>
       <p:sp>
         <p:nvSpPr>
-          <p:cNvPr id="65" name="TextShape 3"/>
-          <p:cNvSpPr txBox="1"/>
+          <p:cNvPr id="100" name="CustomShape 3"/>
+          <p:cNvSpPr/>
           <p:nvPr/>
         </p:nvSpPr>
         <p:spPr>
           <a:xfrm>
             <a:off x="5184000" y="1224000"/>
-            <a:ext cx="3456000" cy="1751400"/>
+            <a:ext cx="3455640" cy="1872720"/>
           </a:xfrm>
           <a:prstGeom prst="rect">
             <a:avLst/>
@@ -16648,12 +19624,22 @@
             <a:noFill/>
           </a:ln>
         </p:spPr>
+        <p:style>
+          <a:lnRef idx="0"/>
+          <a:fillRef idx="0"/>
+          <a:effectRef idx="0"/>
+          <a:fontRef idx="minor"/>
+        </p:style>
         <p:txBody>
           <a:bodyPr lIns="90000" rIns="90000" tIns="45000" bIns="45000">
             <a:spAutoFit/>
           </a:bodyPr>
           <a:p>
-            <a:pPr algn="ctr"/>
+            <a:pPr algn="ctr">
+              <a:lnSpc>
+                <a:spcPct val="100000"/>
+              </a:lnSpc>
+            </a:pPr>
             <a:r>
               <a:rPr b="0" lang="nl-NL" sz="4500" spc="-1" strike="noStrike">
                 <a:latin typeface="Arial"/>
@@ -16665,6 +19651,11 @@
             </a:endParaRPr>
           </a:p>
           <a:p>
+            <a:pPr>
+              <a:lnSpc>
+                <a:spcPct val="100000"/>
+              </a:lnSpc>
+            </a:pPr>
             <a:r>
               <a:rPr b="0" lang="nl-NL" sz="1800" spc="-1" strike="noStrike">
                 <a:latin typeface="Arial"/>
@@ -16676,6 +19667,11 @@
             </a:endParaRPr>
           </a:p>
           <a:p>
+            <a:pPr>
+              <a:lnSpc>
+                <a:spcPct val="100000"/>
+              </a:lnSpc>
+            </a:pPr>
             <a:r>
               <a:rPr b="0" lang="nl-NL" sz="1800" spc="-1" strike="noStrike">
                 <a:latin typeface="Arial"/>
@@ -16687,6 +19683,11 @@
             </a:endParaRPr>
           </a:p>
           <a:p>
+            <a:pPr>
+              <a:lnSpc>
+                <a:spcPct val="100000"/>
+              </a:lnSpc>
+            </a:pPr>
             <a:r>
               <a:rPr b="0" lang="nl-NL" sz="1800" spc="-1" strike="noStrike">
                 <a:latin typeface="Arial"/>
@@ -16698,6 +19699,11 @@
             </a:endParaRPr>
           </a:p>
           <a:p>
+            <a:pPr>
+              <a:lnSpc>
+                <a:spcPct val="100000"/>
+              </a:lnSpc>
+            </a:pPr>
             <a:endParaRPr b="0" lang="nl-NL" sz="1800" spc="-1" strike="noStrike">
               <a:latin typeface="Arial"/>
             </a:endParaRPr>
@@ -16706,7 +19712,7 @@
       </p:sp>
       <p:pic>
         <p:nvPicPr>
-          <p:cNvPr id="66" name="" descr=""/>
+          <p:cNvPr id="101" name="" descr=""/>
           <p:cNvPicPr/>
           <p:nvPr/>
         </p:nvPicPr>
@@ -16717,7 +19723,7 @@
         <p:spPr>
           <a:xfrm>
             <a:off x="2808000" y="2980800"/>
-            <a:ext cx="3024000" cy="2491200"/>
+            <a:ext cx="3023640" cy="2490840"/>
           </a:xfrm>
           <a:prstGeom prst="rect">
             <a:avLst/>
@@ -16759,14 +19765,14 @@
       </p:grpSpPr>
       <p:sp>
         <p:nvSpPr>
-          <p:cNvPr id="67" name="CustomShape 1"/>
+          <p:cNvPr id="102" name="CustomShape 1"/>
           <p:cNvSpPr/>
           <p:nvPr/>
         </p:nvSpPr>
         <p:spPr>
           <a:xfrm>
             <a:off x="503640" y="364680"/>
-            <a:ext cx="9065160" cy="665640"/>
+            <a:ext cx="9064800" cy="665280"/>
           </a:xfrm>
           <a:prstGeom prst="rect">
             <a:avLst/>
@@ -16810,14 +19816,14 @@
       </p:sp>
       <p:sp>
         <p:nvSpPr>
-          <p:cNvPr id="68" name="TextShape 2"/>
-          <p:cNvSpPr txBox="1"/>
+          <p:cNvPr id="103" name="CustomShape 2"/>
+          <p:cNvSpPr/>
           <p:nvPr/>
         </p:nvSpPr>
         <p:spPr>
           <a:xfrm>
             <a:off x="2520000" y="1437840"/>
-            <a:ext cx="5976000" cy="1370160"/>
+            <a:ext cx="5975640" cy="1461240"/>
           </a:xfrm>
           <a:prstGeom prst="rect">
             <a:avLst/>
@@ -16827,11 +19833,22 @@
             <a:noFill/>
           </a:ln>
         </p:spPr>
+        <p:style>
+          <a:lnRef idx="0"/>
+          <a:fillRef idx="0"/>
+          <a:effectRef idx="0"/>
+          <a:fontRef idx="minor"/>
+        </p:style>
         <p:txBody>
           <a:bodyPr lIns="90000" rIns="90000" tIns="45000" bIns="45000">
             <a:spAutoFit/>
           </a:bodyPr>
           <a:p>
+            <a:pPr>
+              <a:lnSpc>
+                <a:spcPct val="100000"/>
+              </a:lnSpc>
+            </a:pPr>
             <a:r>
               <a:rPr b="0" lang="nl-NL" sz="1800" spc="-1" strike="noStrike">
                 <a:latin typeface="Arial"/>
@@ -16843,21 +19860,41 @@
             </a:endParaRPr>
           </a:p>
           <a:p>
+            <a:pPr>
+              <a:lnSpc>
+                <a:spcPct val="100000"/>
+              </a:lnSpc>
+            </a:pPr>
             <a:endParaRPr b="0" lang="nl-NL" sz="1800" spc="-1" strike="noStrike">
               <a:latin typeface="Arial"/>
             </a:endParaRPr>
           </a:p>
           <a:p>
+            <a:pPr>
+              <a:lnSpc>
+                <a:spcPct val="100000"/>
+              </a:lnSpc>
+            </a:pPr>
             <a:endParaRPr b="0" lang="nl-NL" sz="1800" spc="-1" strike="noStrike">
               <a:latin typeface="Arial"/>
             </a:endParaRPr>
           </a:p>
           <a:p>
+            <a:pPr>
+              <a:lnSpc>
+                <a:spcPct val="100000"/>
+              </a:lnSpc>
+            </a:pPr>
             <a:endParaRPr b="0" lang="nl-NL" sz="1800" spc="-1" strike="noStrike">
               <a:latin typeface="Arial"/>
             </a:endParaRPr>
           </a:p>
           <a:p>
+            <a:pPr>
+              <a:lnSpc>
+                <a:spcPct val="100000"/>
+              </a:lnSpc>
+            </a:pPr>
             <a:endParaRPr b="0" lang="nl-NL" sz="1800" spc="-1" strike="noStrike">
               <a:latin typeface="Arial"/>
             </a:endParaRPr>
@@ -16866,7 +19903,7 @@
       </p:sp>
       <p:pic>
         <p:nvPicPr>
-          <p:cNvPr id="69" name="" descr=""/>
+          <p:cNvPr id="104" name="" descr=""/>
           <p:cNvPicPr/>
           <p:nvPr/>
         </p:nvPicPr>
@@ -16877,7 +19914,7 @@
         <p:spPr>
           <a:xfrm>
             <a:off x="677520" y="3435840"/>
-            <a:ext cx="3498480" cy="1460160"/>
+            <a:ext cx="3498120" cy="1459800"/>
           </a:xfrm>
           <a:prstGeom prst="rect">
             <a:avLst/>
@@ -16889,14 +19926,14 @@
       </p:pic>
       <p:sp>
         <p:nvSpPr>
-          <p:cNvPr id="70" name="TextShape 3"/>
-          <p:cNvSpPr txBox="1"/>
+          <p:cNvPr id="105" name="CustomShape 3"/>
+          <p:cNvSpPr/>
           <p:nvPr/>
         </p:nvSpPr>
         <p:spPr>
           <a:xfrm>
             <a:off x="864000" y="5112000"/>
-            <a:ext cx="3888000" cy="602280"/>
+            <a:ext cx="3887640" cy="638280"/>
           </a:xfrm>
           <a:prstGeom prst="rect">
             <a:avLst/>
@@ -16906,11 +19943,22 @@
             <a:noFill/>
           </a:ln>
         </p:spPr>
+        <p:style>
+          <a:lnRef idx="0"/>
+          <a:fillRef idx="0"/>
+          <a:effectRef idx="0"/>
+          <a:fontRef idx="minor"/>
+        </p:style>
         <p:txBody>
           <a:bodyPr lIns="90000" rIns="90000" tIns="45000" bIns="45000">
             <a:spAutoFit/>
           </a:bodyPr>
           <a:p>
+            <a:pPr>
+              <a:lnSpc>
+                <a:spcPct val="100000"/>
+              </a:lnSpc>
+            </a:pPr>
             <a:r>
               <a:rPr b="0" lang="nl-NL" sz="1800" spc="-1" strike="noStrike">
                 <a:latin typeface="Arial"/>
@@ -16925,7 +19973,7 @@
       </p:sp>
       <p:pic>
         <p:nvPicPr>
-          <p:cNvPr id="71" name="" descr=""/>
+          <p:cNvPr id="106" name="" descr=""/>
           <p:cNvPicPr/>
           <p:nvPr/>
         </p:nvPicPr>
@@ -16936,7 +19984,7 @@
         <p:spPr>
           <a:xfrm>
             <a:off x="5790960" y="3240000"/>
-            <a:ext cx="3353040" cy="1531440"/>
+            <a:ext cx="3352680" cy="1531080"/>
           </a:xfrm>
           <a:prstGeom prst="rect">
             <a:avLst/>
@@ -16948,14 +19996,14 @@
       </p:pic>
       <p:sp>
         <p:nvSpPr>
-          <p:cNvPr id="72" name="TextShape 4"/>
-          <p:cNvSpPr txBox="1"/>
+          <p:cNvPr id="107" name="CustomShape 4"/>
+          <p:cNvSpPr/>
           <p:nvPr/>
         </p:nvSpPr>
         <p:spPr>
           <a:xfrm>
             <a:off x="5040000" y="4896000"/>
-            <a:ext cx="4968000" cy="602280"/>
+            <a:ext cx="4967640" cy="638280"/>
           </a:xfrm>
           <a:prstGeom prst="rect">
             <a:avLst/>
@@ -16965,11 +20013,22 @@
             <a:noFill/>
           </a:ln>
         </p:spPr>
+        <p:style>
+          <a:lnRef idx="0"/>
+          <a:fillRef idx="0"/>
+          <a:effectRef idx="0"/>
+          <a:fontRef idx="minor"/>
+        </p:style>
         <p:txBody>
           <a:bodyPr lIns="90000" rIns="90000" tIns="45000" bIns="45000">
             <a:spAutoFit/>
           </a:bodyPr>
           <a:p>
+            <a:pPr>
+              <a:lnSpc>
+                <a:spcPct val="100000"/>
+              </a:lnSpc>
+            </a:pPr>
             <a:r>
               <a:rPr b="0" lang="nl-NL" sz="1800" spc="-1" strike="noStrike">
                 <a:latin typeface="Arial"/>
@@ -16984,7 +20043,7 @@
       </p:sp>
       <p:pic>
         <p:nvPicPr>
-          <p:cNvPr id="73" name="" descr=""/>
+          <p:cNvPr id="108" name="" descr=""/>
           <p:cNvPicPr/>
           <p:nvPr/>
         </p:nvPicPr>
@@ -16995,7 +20054,7 @@
         <p:spPr>
           <a:xfrm>
             <a:off x="3952080" y="1738080"/>
-            <a:ext cx="3103920" cy="1501920"/>
+            <a:ext cx="3103560" cy="1501560"/>
           </a:xfrm>
           <a:prstGeom prst="rect">
             <a:avLst/>
@@ -17037,14 +20096,14 @@
       </p:grpSpPr>
       <p:sp>
         <p:nvSpPr>
-          <p:cNvPr id="74" name="CustomShape 1"/>
+          <p:cNvPr id="109" name="CustomShape 1"/>
           <p:cNvSpPr/>
           <p:nvPr/>
         </p:nvSpPr>
         <p:spPr>
           <a:xfrm>
             <a:off x="503640" y="365400"/>
-            <a:ext cx="9065160" cy="665640"/>
+            <a:ext cx="9064800" cy="665280"/>
           </a:xfrm>
           <a:prstGeom prst="rect">
             <a:avLst/>
@@ -17088,14 +20147,14 @@
       </p:sp>
       <p:sp>
         <p:nvSpPr>
-          <p:cNvPr id="75" name="TextShape 2"/>
-          <p:cNvSpPr txBox="1"/>
+          <p:cNvPr id="110" name="CustomShape 2"/>
+          <p:cNvSpPr/>
           <p:nvPr/>
         </p:nvSpPr>
         <p:spPr>
           <a:xfrm>
             <a:off x="3240000" y="2376000"/>
-            <a:ext cx="180720" cy="346320"/>
+            <a:ext cx="180360" cy="345960"/>
           </a:xfrm>
           <a:prstGeom prst="rect">
             <a:avLst/>
@@ -17105,10 +20164,16 @@
             <a:noFill/>
           </a:ln>
         </p:spPr>
+        <p:style>
+          <a:lnRef idx="0"/>
+          <a:fillRef idx="0"/>
+          <a:effectRef idx="0"/>
+          <a:fontRef idx="minor"/>
+        </p:style>
       </p:sp>
       <p:pic>
         <p:nvPicPr>
-          <p:cNvPr id="76" name="" descr=""/>
+          <p:cNvPr id="111" name="" descr=""/>
           <p:cNvPicPr/>
           <p:nvPr/>
         </p:nvPicPr>
@@ -17119,7 +20184,7 @@
         <p:spPr>
           <a:xfrm>
             <a:off x="977400" y="1152000"/>
-            <a:ext cx="7878600" cy="2755800"/>
+            <a:ext cx="7878240" cy="2755440"/>
           </a:xfrm>
           <a:prstGeom prst="rect">
             <a:avLst/>
@@ -17131,14 +20196,14 @@
       </p:pic>
       <p:sp>
         <p:nvSpPr>
-          <p:cNvPr id="77" name="TextShape 3"/>
-          <p:cNvSpPr txBox="1"/>
+          <p:cNvPr id="112" name="CustomShape 3"/>
+          <p:cNvSpPr/>
           <p:nvPr/>
         </p:nvSpPr>
         <p:spPr>
           <a:xfrm>
             <a:off x="1440000" y="4176000"/>
-            <a:ext cx="7488000" cy="1114200"/>
+            <a:ext cx="7487640" cy="1186920"/>
           </a:xfrm>
           <a:prstGeom prst="rect">
             <a:avLst/>
@@ -17148,11 +20213,22 @@
             <a:noFill/>
           </a:ln>
         </p:spPr>
+        <p:style>
+          <a:lnRef idx="0"/>
+          <a:fillRef idx="0"/>
+          <a:effectRef idx="0"/>
+          <a:fontRef idx="minor"/>
+        </p:style>
         <p:txBody>
           <a:bodyPr lIns="90000" rIns="90000" tIns="45000" bIns="45000">
             <a:spAutoFit/>
           </a:bodyPr>
           <a:p>
+            <a:pPr>
+              <a:lnSpc>
+                <a:spcPct val="100000"/>
+              </a:lnSpc>
+            </a:pPr>
             <a:r>
               <a:rPr b="1" lang="nl-NL" sz="1800" spc="-1" strike="noStrike">
                 <a:latin typeface="Arial"/>
@@ -17170,32 +20246,42 @@
             </a:endParaRPr>
           </a:p>
           <a:p>
+            <a:pPr>
+              <a:lnSpc>
+                <a:spcPct val="100000"/>
+              </a:lnSpc>
+            </a:pPr>
             <a:r>
               <a:rPr b="0" lang="nl-NL" sz="1800" spc="-1" strike="noStrike">
                 <a:latin typeface="Arial"/>
                 <a:ea typeface="Microsoft YaHei"/>
               </a:rPr>
-              <a:t>De lichtje </a:t>
-            </a:r>
+              <a:t>De lichtje beweegt van links naar rechts: waar is de X-as?</a:t>
+            </a:r>
+            <a:endParaRPr b="0" lang="nl-NL" sz="1800" spc="-1" strike="noStrike">
+              <a:latin typeface="Arial"/>
+            </a:endParaRPr>
+          </a:p>
+          <a:p>
+            <a:pPr>
+              <a:lnSpc>
+                <a:spcPct val="100000"/>
+              </a:lnSpc>
+            </a:pPr>
+            <a:endParaRPr b="0" lang="nl-NL" sz="1800" spc="-1" strike="noStrike">
+              <a:latin typeface="Arial"/>
+            </a:endParaRPr>
+          </a:p>
+          <a:p>
+            <a:pPr>
+              <a:lnSpc>
+                <a:spcPct val="100000"/>
+              </a:lnSpc>
+            </a:pPr>
             <a:r>
               <a:rPr b="0" lang="nl-NL" sz="1800" spc="-1" strike="noStrike">
                 <a:latin typeface="Arial"/>
-              </a:rPr>
-              <a:t>beweegt van links naar rechts: waar is de X-as?</a:t>
-            </a:r>
-            <a:endParaRPr b="0" lang="nl-NL" sz="1800" spc="-1" strike="noStrike">
-              <a:latin typeface="Arial"/>
-            </a:endParaRPr>
-          </a:p>
-          <a:p>
-            <a:endParaRPr b="0" lang="nl-NL" sz="1800" spc="-1" strike="noStrike">
-              <a:latin typeface="Arial"/>
-            </a:endParaRPr>
-          </a:p>
-          <a:p>
-            <a:r>
-              <a:rPr b="0" lang="nl-NL" sz="1800" spc="-1" strike="noStrike">
-                <a:latin typeface="Arial"/>
+                <a:ea typeface="Microsoft YaHei"/>
               </a:rPr>
               <a:t>Aanwijzen op bovenstaand slide.</a:t>
             </a:r>
@@ -17439,4 +20525,227 @@
     </a:fmtScheme>
   </a:themeElements>
 </a:theme>
+</file>
+
+<file path=ppt/theme/theme2.xml><?xml version="1.0" encoding="utf-8"?>
+<a:theme xmlns:a="http://schemas.openxmlformats.org/drawingml/2006/main" name="Office Theme">
+  <a:themeElements>
+    <a:clrScheme name="Office">
+      <a:dk1>
+        <a:sysClr val="windowText" lastClr="000000"/>
+      </a:dk1>
+      <a:lt1>
+        <a:sysClr val="window" lastClr="FFFFFF"/>
+      </a:lt1>
+      <a:dk2>
+        <a:srgbClr val="1f497d"/>
+      </a:dk2>
+      <a:lt2>
+        <a:srgbClr val="eeece1"/>
+      </a:lt2>
+      <a:accent1>
+        <a:srgbClr val="4f81bd"/>
+      </a:accent1>
+      <a:accent2>
+        <a:srgbClr val="c0504d"/>
+      </a:accent2>
+      <a:accent3>
+        <a:srgbClr val="9bbb59"/>
+      </a:accent3>
+      <a:accent4>
+        <a:srgbClr val="8064a2"/>
+      </a:accent4>
+      <a:accent5>
+        <a:srgbClr val="4bacc6"/>
+      </a:accent5>
+      <a:accent6>
+        <a:srgbClr val="f79646"/>
+      </a:accent6>
+      <a:hlink>
+        <a:srgbClr val="0000ff"/>
+      </a:hlink>
+      <a:folHlink>
+        <a:srgbClr val="800080"/>
+      </a:folHlink>
+    </a:clrScheme>
+    <a:fontScheme name="Office">
+      <a:majorFont>
+        <a:latin typeface="Arial"/>
+        <a:ea typeface="DejaVu Sans"/>
+        <a:cs typeface="DejaVu Sans"/>
+      </a:majorFont>
+      <a:minorFont>
+        <a:latin typeface="Arial"/>
+        <a:ea typeface="DejaVu Sans"/>
+        <a:cs typeface="DejaVu Sans"/>
+      </a:minorFont>
+    </a:fontScheme>
+    <a:fmtScheme name="Office">
+      <a:fillStyleLst>
+        <a:solidFill>
+          <a:schemeClr val="phClr"/>
+        </a:solidFill>
+        <a:gradFill rotWithShape="1">
+          <a:gsLst>
+            <a:gs pos="0">
+              <a:schemeClr val="phClr">
+                <a:tint val="50000"/>
+                <a:satMod val="300000"/>
+              </a:schemeClr>
+            </a:gs>
+            <a:gs pos="35000">
+              <a:schemeClr val="phClr">
+                <a:tint val="37000"/>
+                <a:satMod val="300000"/>
+              </a:schemeClr>
+            </a:gs>
+            <a:gs pos="100000">
+              <a:schemeClr val="phClr">
+                <a:tint val="15000"/>
+                <a:satMod val="350000"/>
+              </a:schemeClr>
+            </a:gs>
+          </a:gsLst>
+          <a:lin ang="16200000" scaled="1"/>
+        </a:gradFill>
+        <a:gradFill rotWithShape="1">
+          <a:gsLst>
+            <a:gs pos="0">
+              <a:schemeClr val="phClr">
+                <a:shade val="51000"/>
+                <a:satMod val="130000"/>
+              </a:schemeClr>
+            </a:gs>
+            <a:gs pos="80000">
+              <a:schemeClr val="phClr">
+                <a:shade val="93000"/>
+                <a:satMod val="130000"/>
+              </a:schemeClr>
+            </a:gs>
+            <a:gs pos="100000">
+              <a:schemeClr val="phClr">
+                <a:shade val="94000"/>
+                <a:satMod val="135000"/>
+              </a:schemeClr>
+            </a:gs>
+          </a:gsLst>
+          <a:lin ang="16200000" scaled="0"/>
+        </a:gradFill>
+      </a:fillStyleLst>
+      <a:lnStyleLst>
+        <a:ln w="9525" cap="flat" cmpd="sng" algn="ctr">
+          <a:solidFill>
+            <a:schemeClr val="phClr">
+              <a:shade val="95000"/>
+              <a:satMod val="105000"/>
+            </a:schemeClr>
+          </a:solidFill>
+          <a:prstDash val="solid"/>
+        </a:ln>
+        <a:ln w="25400" cap="flat" cmpd="sng" algn="ctr">
+          <a:solidFill>
+            <a:schemeClr val="phClr"/>
+          </a:solidFill>
+          <a:prstDash val="solid"/>
+        </a:ln>
+        <a:ln w="38100" cap="flat" cmpd="sng" algn="ctr">
+          <a:solidFill>
+            <a:schemeClr val="phClr"/>
+          </a:solidFill>
+          <a:prstDash val="solid"/>
+        </a:ln>
+      </a:lnStyleLst>
+      <a:effectStyleLst>
+        <a:effectStyle>
+          <a:effectLst>
+            <a:outerShdw blurRad="40000" dist="20000" dir="5400000" rotWithShape="0">
+              <a:srgbClr val="000000">
+                <a:alpha val="38000"/>
+              </a:srgbClr>
+            </a:outerShdw>
+          </a:effectLst>
+        </a:effectStyle>
+        <a:effectStyle>
+          <a:effectLst>
+            <a:outerShdw blurRad="40000" dist="23000" dir="5400000" rotWithShape="0">
+              <a:srgbClr val="000000">
+                <a:alpha val="35000"/>
+              </a:srgbClr>
+            </a:outerShdw>
+          </a:effectLst>
+        </a:effectStyle>
+        <a:effectStyle>
+          <a:effectLst>
+            <a:outerShdw blurRad="40000" dist="23000" dir="5400000" rotWithShape="0">
+              <a:srgbClr val="000000">
+                <a:alpha val="35000"/>
+              </a:srgbClr>
+            </a:outerShdw>
+          </a:effectLst>
+          <a:scene3d>
+            <a:camera prst="orthographicFront">
+              <a:rot lat="0" lon="0" rev="0"/>
+            </a:camera>
+            <a:lightRig rig="threePt" dir="t">
+              <a:rot lat="0" lon="0" rev="1200000"/>
+            </a:lightRig>
+          </a:scene3d>
+          <a:sp3d>
+            <a:bevelT w="63500" h="25400"/>
+          </a:sp3d>
+        </a:effectStyle>
+      </a:effectStyleLst>
+      <a:bgFillStyleLst>
+        <a:solidFill>
+          <a:schemeClr val="phClr"/>
+        </a:solidFill>
+        <a:gradFill rotWithShape="1">
+          <a:gsLst>
+            <a:gs pos="0">
+              <a:schemeClr val="phClr">
+                <a:tint val="40000"/>
+                <a:satMod val="350000"/>
+              </a:schemeClr>
+            </a:gs>
+            <a:gs pos="40000">
+              <a:schemeClr val="phClr">
+                <a:tint val="45000"/>
+                <a:shade val="99000"/>
+                <a:satMod val="350000"/>
+              </a:schemeClr>
+            </a:gs>
+            <a:gs pos="100000">
+              <a:schemeClr val="phClr">
+                <a:shade val="20000"/>
+                <a:satMod val="255000"/>
+              </a:schemeClr>
+            </a:gs>
+          </a:gsLst>
+          <a:path path="circle">
+            <a:fillToRect l="50000" t="-80000" r="50000" b="180000"/>
+          </a:path>
+        </a:gradFill>
+        <a:gradFill rotWithShape="1">
+          <a:gsLst>
+            <a:gs pos="0">
+              <a:schemeClr val="phClr">
+                <a:tint val="80000"/>
+                <a:satMod val="300000"/>
+              </a:schemeClr>
+            </a:gs>
+            <a:gs pos="100000">
+              <a:schemeClr val="phClr">
+                <a:shade val="30000"/>
+                <a:satMod val="200000"/>
+              </a:schemeClr>
+            </a:gs>
+          </a:gsLst>
+          <a:path path="circle">
+            <a:fillToRect l="50000" t="50000" r="50000" b="50000"/>
+          </a:path>
+        </a:gradFill>
+      </a:bgFillStyleLst>
+    </a:fmtScheme>
+  </a:themeElements>
+</a:theme>
 </file>